--- a/slides/00-x-Flowcharts-to-code.pptx
+++ b/slides/00-x-Flowcharts-to-code.pptx
@@ -149,6 +149,223 @@
 </p:presentation>
 </file>
 
+<file path=ppt/changesInfos/changesInfo1.xml><?xml version="1.0" encoding="utf-8"?>
+<pc:chgInfo xmlns:a="http://schemas.openxmlformats.org/drawingml/2006/main" xmlns:r="http://schemas.openxmlformats.org/officeDocument/2006/relationships" xmlns:ac="http://schemas.microsoft.com/office/drawing/2013/main/command" xmlns:pc="http://schemas.microsoft.com/office/powerpoint/2013/main/command">
+  <pc:docChgLst>
+    <pc:chgData name="Badrinath R" userId="155a43e7-1f5f-414f-9bca-c8a1af989a19" providerId="ADAL" clId="{89DAD32D-81BC-409C-9D7C-795C59BEF938}"/>
+    <pc:docChg chg="undo custSel modSld">
+      <pc:chgData name="Badrinath R" userId="155a43e7-1f5f-414f-9bca-c8a1af989a19" providerId="ADAL" clId="{89DAD32D-81BC-409C-9D7C-795C59BEF938}" dt="2025-06-28T10:22:37.816" v="509" actId="20577"/>
+      <pc:docMkLst>
+        <pc:docMk/>
+      </pc:docMkLst>
+      <pc:sldChg chg="delSp modSp mod">
+        <pc:chgData name="Badrinath R" userId="155a43e7-1f5f-414f-9bca-c8a1af989a19" providerId="ADAL" clId="{89DAD32D-81BC-409C-9D7C-795C59BEF938}" dt="2025-06-28T10:21:25.539" v="488"/>
+        <pc:sldMkLst>
+          <pc:docMk/>
+          <pc:sldMk cId="3674283117" sldId="259"/>
+        </pc:sldMkLst>
+        <pc:spChg chg="mod">
+          <ac:chgData name="Badrinath R" userId="155a43e7-1f5f-414f-9bca-c8a1af989a19" providerId="ADAL" clId="{89DAD32D-81BC-409C-9D7C-795C59BEF938}" dt="2025-06-28T10:21:17.829" v="487" actId="20577"/>
+          <ac:spMkLst>
+            <pc:docMk/>
+            <pc:sldMk cId="3674283117" sldId="259"/>
+            <ac:spMk id="7" creationId="{1B7ABA3D-E7D6-B8CE-B18B-5B3F9D2BD975}"/>
+          </ac:spMkLst>
+        </pc:spChg>
+        <pc:spChg chg="mod">
+          <ac:chgData name="Badrinath R" userId="155a43e7-1f5f-414f-9bca-c8a1af989a19" providerId="ADAL" clId="{89DAD32D-81BC-409C-9D7C-795C59BEF938}" dt="2025-06-28T10:21:25.539" v="488"/>
+          <ac:spMkLst>
+            <pc:docMk/>
+            <pc:sldMk cId="3674283117" sldId="259"/>
+            <ac:spMk id="9" creationId="{EFC8C59E-A1DD-8184-71D9-24C3FD9FCC0C}"/>
+          </ac:spMkLst>
+        </pc:spChg>
+        <pc:cxnChg chg="del mod">
+          <ac:chgData name="Badrinath R" userId="155a43e7-1f5f-414f-9bca-c8a1af989a19" providerId="ADAL" clId="{89DAD32D-81BC-409C-9D7C-795C59BEF938}" dt="2025-06-28T10:07:34.555" v="105" actId="478"/>
+          <ac:cxnSpMkLst>
+            <pc:docMk/>
+            <pc:sldMk cId="3674283117" sldId="259"/>
+            <ac:cxnSpMk id="33" creationId="{02A46C1A-F072-B7B2-2106-12E382619F33}"/>
+          </ac:cxnSpMkLst>
+        </pc:cxnChg>
+      </pc:sldChg>
+      <pc:sldChg chg="delSp modSp mod">
+        <pc:chgData name="Badrinath R" userId="155a43e7-1f5f-414f-9bca-c8a1af989a19" providerId="ADAL" clId="{89DAD32D-81BC-409C-9D7C-795C59BEF938}" dt="2025-06-28T10:21:42.098" v="492"/>
+        <pc:sldMkLst>
+          <pc:docMk/>
+          <pc:sldMk cId="2278933645" sldId="260"/>
+        </pc:sldMkLst>
+        <pc:spChg chg="mod">
+          <ac:chgData name="Badrinath R" userId="155a43e7-1f5f-414f-9bca-c8a1af989a19" providerId="ADAL" clId="{89DAD32D-81BC-409C-9D7C-795C59BEF938}" dt="2025-06-28T10:21:38.717" v="491"/>
+          <ac:spMkLst>
+            <pc:docMk/>
+            <pc:sldMk cId="2278933645" sldId="260"/>
+            <ac:spMk id="7" creationId="{1B7ABA3D-E7D6-B8CE-B18B-5B3F9D2BD975}"/>
+          </ac:spMkLst>
+        </pc:spChg>
+        <pc:spChg chg="mod">
+          <ac:chgData name="Badrinath R" userId="155a43e7-1f5f-414f-9bca-c8a1af989a19" providerId="ADAL" clId="{89DAD32D-81BC-409C-9D7C-795C59BEF938}" dt="2025-06-28T10:21:42.098" v="492"/>
+          <ac:spMkLst>
+            <pc:docMk/>
+            <pc:sldMk cId="2278933645" sldId="260"/>
+            <ac:spMk id="9" creationId="{EFC8C59E-A1DD-8184-71D9-24C3FD9FCC0C}"/>
+          </ac:spMkLst>
+        </pc:spChg>
+        <pc:cxnChg chg="del mod">
+          <ac:chgData name="Badrinath R" userId="155a43e7-1f5f-414f-9bca-c8a1af989a19" providerId="ADAL" clId="{89DAD32D-81BC-409C-9D7C-795C59BEF938}" dt="2025-06-28T10:07:06.933" v="103" actId="478"/>
+          <ac:cxnSpMkLst>
+            <pc:docMk/>
+            <pc:sldMk cId="2278933645" sldId="260"/>
+            <ac:cxnSpMk id="33" creationId="{02A46C1A-F072-B7B2-2106-12E382619F33}"/>
+          </ac:cxnSpMkLst>
+        </pc:cxnChg>
+      </pc:sldChg>
+      <pc:sldChg chg="delSp modSp mod">
+        <pc:chgData name="Badrinath R" userId="155a43e7-1f5f-414f-9bca-c8a1af989a19" providerId="ADAL" clId="{89DAD32D-81BC-409C-9D7C-795C59BEF938}" dt="2025-06-28T10:21:33.423" v="490"/>
+        <pc:sldMkLst>
+          <pc:docMk/>
+          <pc:sldMk cId="201151875" sldId="262"/>
+        </pc:sldMkLst>
+        <pc:spChg chg="mod">
+          <ac:chgData name="Badrinath R" userId="155a43e7-1f5f-414f-9bca-c8a1af989a19" providerId="ADAL" clId="{89DAD32D-81BC-409C-9D7C-795C59BEF938}" dt="2025-06-28T10:21:30.579" v="489"/>
+          <ac:spMkLst>
+            <pc:docMk/>
+            <pc:sldMk cId="201151875" sldId="262"/>
+            <ac:spMk id="7" creationId="{1B7ABA3D-E7D6-B8CE-B18B-5B3F9D2BD975}"/>
+          </ac:spMkLst>
+        </pc:spChg>
+        <pc:spChg chg="mod">
+          <ac:chgData name="Badrinath R" userId="155a43e7-1f5f-414f-9bca-c8a1af989a19" providerId="ADAL" clId="{89DAD32D-81BC-409C-9D7C-795C59BEF938}" dt="2025-06-28T10:21:33.423" v="490"/>
+          <ac:spMkLst>
+            <pc:docMk/>
+            <pc:sldMk cId="201151875" sldId="262"/>
+            <ac:spMk id="9" creationId="{EFC8C59E-A1DD-8184-71D9-24C3FD9FCC0C}"/>
+          </ac:spMkLst>
+        </pc:spChg>
+        <pc:cxnChg chg="del mod">
+          <ac:chgData name="Badrinath R" userId="155a43e7-1f5f-414f-9bca-c8a1af989a19" providerId="ADAL" clId="{89DAD32D-81BC-409C-9D7C-795C59BEF938}" dt="2025-06-28T10:07:22.717" v="104" actId="478"/>
+          <ac:cxnSpMkLst>
+            <pc:docMk/>
+            <pc:sldMk cId="201151875" sldId="262"/>
+            <ac:cxnSpMk id="33" creationId="{02A46C1A-F072-B7B2-2106-12E382619F33}"/>
+          </ac:cxnSpMkLst>
+        </pc:cxnChg>
+      </pc:sldChg>
+      <pc:sldChg chg="delSp modSp mod">
+        <pc:chgData name="Badrinath R" userId="155a43e7-1f5f-414f-9bca-c8a1af989a19" providerId="ADAL" clId="{89DAD32D-81BC-409C-9D7C-795C59BEF938}" dt="2025-06-28T10:21:51.238" v="494"/>
+        <pc:sldMkLst>
+          <pc:docMk/>
+          <pc:sldMk cId="4050853207" sldId="263"/>
+        </pc:sldMkLst>
+        <pc:spChg chg="mod">
+          <ac:chgData name="Badrinath R" userId="155a43e7-1f5f-414f-9bca-c8a1af989a19" providerId="ADAL" clId="{89DAD32D-81BC-409C-9D7C-795C59BEF938}" dt="2025-06-28T10:21:48.140" v="493"/>
+          <ac:spMkLst>
+            <pc:docMk/>
+            <pc:sldMk cId="4050853207" sldId="263"/>
+            <ac:spMk id="7" creationId="{1B7ABA3D-E7D6-B8CE-B18B-5B3F9D2BD975}"/>
+          </ac:spMkLst>
+        </pc:spChg>
+        <pc:spChg chg="mod">
+          <ac:chgData name="Badrinath R" userId="155a43e7-1f5f-414f-9bca-c8a1af989a19" providerId="ADAL" clId="{89DAD32D-81BC-409C-9D7C-795C59BEF938}" dt="2025-06-28T10:21:51.238" v="494"/>
+          <ac:spMkLst>
+            <pc:docMk/>
+            <pc:sldMk cId="4050853207" sldId="263"/>
+            <ac:spMk id="9" creationId="{EFC8C59E-A1DD-8184-71D9-24C3FD9FCC0C}"/>
+          </ac:spMkLst>
+        </pc:spChg>
+        <pc:cxnChg chg="del mod">
+          <ac:chgData name="Badrinath R" userId="155a43e7-1f5f-414f-9bca-c8a1af989a19" providerId="ADAL" clId="{89DAD32D-81BC-409C-9D7C-795C59BEF938}" dt="2025-06-28T10:06:55.995" v="102" actId="478"/>
+          <ac:cxnSpMkLst>
+            <pc:docMk/>
+            <pc:sldMk cId="4050853207" sldId="263"/>
+            <ac:cxnSpMk id="33" creationId="{02A46C1A-F072-B7B2-2106-12E382619F33}"/>
+          </ac:cxnSpMkLst>
+        </pc:cxnChg>
+      </pc:sldChg>
+      <pc:sldChg chg="addSp delSp modSp mod modAnim">
+        <pc:chgData name="Badrinath R" userId="155a43e7-1f5f-414f-9bca-c8a1af989a19" providerId="ADAL" clId="{89DAD32D-81BC-409C-9D7C-795C59BEF938}" dt="2025-06-28T10:22:37.816" v="509" actId="20577"/>
+        <pc:sldMkLst>
+          <pc:docMk/>
+          <pc:sldMk cId="874824401" sldId="264"/>
+        </pc:sldMkLst>
+        <pc:spChg chg="mod">
+          <ac:chgData name="Badrinath R" userId="155a43e7-1f5f-414f-9bca-c8a1af989a19" providerId="ADAL" clId="{89DAD32D-81BC-409C-9D7C-795C59BEF938}" dt="2025-06-28T10:05:21.371" v="87" actId="20577"/>
+          <ac:spMkLst>
+            <pc:docMk/>
+            <pc:sldMk cId="874824401" sldId="264"/>
+            <ac:spMk id="5" creationId="{7C4759BE-B21E-39CF-AC9F-8269FDF0E46B}"/>
+          </ac:spMkLst>
+        </pc:spChg>
+        <pc:spChg chg="mod">
+          <ac:chgData name="Badrinath R" userId="155a43e7-1f5f-414f-9bca-c8a1af989a19" providerId="ADAL" clId="{89DAD32D-81BC-409C-9D7C-795C59BEF938}" dt="2025-06-28T10:05:44.001" v="101" actId="20577"/>
+          <ac:spMkLst>
+            <pc:docMk/>
+            <pc:sldMk cId="874824401" sldId="264"/>
+            <ac:spMk id="6" creationId="{D3CED481-CC6C-952C-3DCA-5AF5A5399117}"/>
+          </ac:spMkLst>
+        </pc:spChg>
+        <pc:spChg chg="mod">
+          <ac:chgData name="Badrinath R" userId="155a43e7-1f5f-414f-9bca-c8a1af989a19" providerId="ADAL" clId="{89DAD32D-81BC-409C-9D7C-795C59BEF938}" dt="2025-06-28T10:22:23.705" v="501"/>
+          <ac:spMkLst>
+            <pc:docMk/>
+            <pc:sldMk cId="874824401" sldId="264"/>
+            <ac:spMk id="10" creationId="{343B7A1A-3840-189C-A408-39AD8859A14B}"/>
+          </ac:spMkLst>
+        </pc:spChg>
+        <pc:spChg chg="mod">
+          <ac:chgData name="Badrinath R" userId="155a43e7-1f5f-414f-9bca-c8a1af989a19" providerId="ADAL" clId="{89DAD32D-81BC-409C-9D7C-795C59BEF938}" dt="2025-06-28T10:22:31.553" v="505" actId="20577"/>
+          <ac:spMkLst>
+            <pc:docMk/>
+            <pc:sldMk cId="874824401" sldId="264"/>
+            <ac:spMk id="11" creationId="{69D76D06-A0C0-F3E0-95CB-FA234A4185B8}"/>
+          </ac:spMkLst>
+        </pc:spChg>
+        <pc:spChg chg="mod">
+          <ac:chgData name="Badrinath R" userId="155a43e7-1f5f-414f-9bca-c8a1af989a19" providerId="ADAL" clId="{89DAD32D-81BC-409C-9D7C-795C59BEF938}" dt="2025-06-28T10:22:37.816" v="509" actId="20577"/>
+          <ac:spMkLst>
+            <pc:docMk/>
+            <pc:sldMk cId="874824401" sldId="264"/>
+            <ac:spMk id="12" creationId="{8021232E-32FA-3D85-1C26-C554B375308C}"/>
+          </ac:spMkLst>
+        </pc:spChg>
+        <pc:spChg chg="add del mod">
+          <ac:chgData name="Badrinath R" userId="155a43e7-1f5f-414f-9bca-c8a1af989a19" providerId="ADAL" clId="{89DAD32D-81BC-409C-9D7C-795C59BEF938}" dt="2025-06-28T10:19:11.593" v="472" actId="20577"/>
+          <ac:spMkLst>
+            <pc:docMk/>
+            <pc:sldMk cId="874824401" sldId="264"/>
+            <ac:spMk id="16" creationId="{AF02719C-1CEA-BDD6-F791-7A12A19D6A19}"/>
+          </ac:spMkLst>
+        </pc:spChg>
+        <pc:cxnChg chg="add del">
+          <ac:chgData name="Badrinath R" userId="155a43e7-1f5f-414f-9bca-c8a1af989a19" providerId="ADAL" clId="{89DAD32D-81BC-409C-9D7C-795C59BEF938}" dt="2025-06-28T09:59:25.561" v="25" actId="11529"/>
+          <ac:cxnSpMkLst>
+            <pc:docMk/>
+            <pc:sldMk cId="874824401" sldId="264"/>
+            <ac:cxnSpMk id="4" creationId="{79F90E4D-DFEB-D30A-4F04-F1DA7F1828A6}"/>
+          </ac:cxnSpMkLst>
+        </pc:cxnChg>
+        <pc:cxnChg chg="add mod">
+          <ac:chgData name="Badrinath R" userId="155a43e7-1f5f-414f-9bca-c8a1af989a19" providerId="ADAL" clId="{89DAD32D-81BC-409C-9D7C-795C59BEF938}" dt="2025-06-28T10:00:05.043" v="30" actId="17032"/>
+          <ac:cxnSpMkLst>
+            <pc:docMk/>
+            <pc:sldMk cId="874824401" sldId="264"/>
+            <ac:cxnSpMk id="9" creationId="{9CD5B3FD-AA19-9188-EC4A-26B8542DBE11}"/>
+          </ac:cxnSpMkLst>
+        </pc:cxnChg>
+        <pc:cxnChg chg="add mod ord">
+          <ac:chgData name="Badrinath R" userId="155a43e7-1f5f-414f-9bca-c8a1af989a19" providerId="ADAL" clId="{89DAD32D-81BC-409C-9D7C-795C59BEF938}" dt="2025-06-28T10:00:41.534" v="65" actId="167"/>
+          <ac:cxnSpMkLst>
+            <pc:docMk/>
+            <pc:sldMk cId="874824401" sldId="264"/>
+            <ac:cxnSpMk id="17" creationId="{15BA65B9-00E1-3889-28F0-952E54A4DCB1}"/>
+          </ac:cxnSpMkLst>
+        </pc:cxnChg>
+      </pc:sldChg>
+    </pc:docChg>
+  </pc:docChgLst>
+</pc:chgInfo>
+</file>
+
 <file path=ppt/slideLayouts/slideLayout1.xml><?xml version="1.0" encoding="utf-8"?>
 <p:sldLayout xmlns:a="http://schemas.openxmlformats.org/drawingml/2006/main" xmlns:r="http://schemas.openxmlformats.org/officeDocument/2006/relationships" xmlns:p="http://schemas.openxmlformats.org/presentationml/2006/main" type="title" preserve="1">
   <p:cSld name="Title Slide">
@@ -296,7 +513,7 @@
           <a:p>
             <a:fld id="{DEC2BFEA-92C8-42CA-8763-4F17372BE8B5}" type="datetimeFigureOut">
               <a:rPr lang="en-US" smtClean="0"/>
-              <a:t>6/27/2025</a:t>
+              <a:t>6/28/2025</a:t>
             </a:fld>
             <a:endParaRPr lang="en-US"/>
           </a:p>
@@ -494,7 +711,7 @@
           <a:p>
             <a:fld id="{DEC2BFEA-92C8-42CA-8763-4F17372BE8B5}" type="datetimeFigureOut">
               <a:rPr lang="en-US" smtClean="0"/>
-              <a:t>6/27/2025</a:t>
+              <a:t>6/28/2025</a:t>
             </a:fld>
             <a:endParaRPr lang="en-US"/>
           </a:p>
@@ -702,7 +919,7 @@
           <a:p>
             <a:fld id="{DEC2BFEA-92C8-42CA-8763-4F17372BE8B5}" type="datetimeFigureOut">
               <a:rPr lang="en-US" smtClean="0"/>
-              <a:t>6/27/2025</a:t>
+              <a:t>6/28/2025</a:t>
             </a:fld>
             <a:endParaRPr lang="en-US"/>
           </a:p>
@@ -900,7 +1117,7 @@
           <a:p>
             <a:fld id="{DEC2BFEA-92C8-42CA-8763-4F17372BE8B5}" type="datetimeFigureOut">
               <a:rPr lang="en-US" smtClean="0"/>
-              <a:t>6/27/2025</a:t>
+              <a:t>6/28/2025</a:t>
             </a:fld>
             <a:endParaRPr lang="en-US"/>
           </a:p>
@@ -1175,7 +1392,7 @@
           <a:p>
             <a:fld id="{DEC2BFEA-92C8-42CA-8763-4F17372BE8B5}" type="datetimeFigureOut">
               <a:rPr lang="en-US" smtClean="0"/>
-              <a:t>6/27/2025</a:t>
+              <a:t>6/28/2025</a:t>
             </a:fld>
             <a:endParaRPr lang="en-US"/>
           </a:p>
@@ -1440,7 +1657,7 @@
           <a:p>
             <a:fld id="{DEC2BFEA-92C8-42CA-8763-4F17372BE8B5}" type="datetimeFigureOut">
               <a:rPr lang="en-US" smtClean="0"/>
-              <a:t>6/27/2025</a:t>
+              <a:t>6/28/2025</a:t>
             </a:fld>
             <a:endParaRPr lang="en-US"/>
           </a:p>
@@ -1852,7 +2069,7 @@
           <a:p>
             <a:fld id="{DEC2BFEA-92C8-42CA-8763-4F17372BE8B5}" type="datetimeFigureOut">
               <a:rPr lang="en-US" smtClean="0"/>
-              <a:t>6/27/2025</a:t>
+              <a:t>6/28/2025</a:t>
             </a:fld>
             <a:endParaRPr lang="en-US"/>
           </a:p>
@@ -1993,7 +2210,7 @@
           <a:p>
             <a:fld id="{DEC2BFEA-92C8-42CA-8763-4F17372BE8B5}" type="datetimeFigureOut">
               <a:rPr lang="en-US" smtClean="0"/>
-              <a:t>6/27/2025</a:t>
+              <a:t>6/28/2025</a:t>
             </a:fld>
             <a:endParaRPr lang="en-US"/>
           </a:p>
@@ -2106,7 +2323,7 @@
           <a:p>
             <a:fld id="{DEC2BFEA-92C8-42CA-8763-4F17372BE8B5}" type="datetimeFigureOut">
               <a:rPr lang="en-US" smtClean="0"/>
-              <a:t>6/27/2025</a:t>
+              <a:t>6/28/2025</a:t>
             </a:fld>
             <a:endParaRPr lang="en-US"/>
           </a:p>
@@ -2417,7 +2634,7 @@
           <a:p>
             <a:fld id="{DEC2BFEA-92C8-42CA-8763-4F17372BE8B5}" type="datetimeFigureOut">
               <a:rPr lang="en-US" smtClean="0"/>
-              <a:t>6/27/2025</a:t>
+              <a:t>6/28/2025</a:t>
             </a:fld>
             <a:endParaRPr lang="en-US"/>
           </a:p>
@@ -2705,7 +2922,7 @@
           <a:p>
             <a:fld id="{DEC2BFEA-92C8-42CA-8763-4F17372BE8B5}" type="datetimeFigureOut">
               <a:rPr lang="en-US" smtClean="0"/>
-              <a:t>6/27/2025</a:t>
+              <a:t>6/28/2025</a:t>
             </a:fld>
             <a:endParaRPr lang="en-US"/>
           </a:p>
@@ -2946,7 +3163,7 @@
           <a:p>
             <a:fld id="{DEC2BFEA-92C8-42CA-8763-4F17372BE8B5}" type="datetimeFigureOut">
               <a:rPr lang="en-US" smtClean="0"/>
-              <a:t>6/27/2025</a:t>
+              <a:t>6/28/2025</a:t>
             </a:fld>
             <a:endParaRPr lang="en-US"/>
           </a:p>
@@ -12648,8 +12865,8 @@
           </a:p>
         </p:txBody>
       </p:sp>
-      <mc:AlternateContent xmlns:mc="http://schemas.openxmlformats.org/markup-compatibility/2006" xmlns:a14="http://schemas.microsoft.com/office/drawing/2010/main">
-        <mc:Choice Requires="a14">
+      <mc:AlternateContent xmlns:mc="http://schemas.openxmlformats.org/markup-compatibility/2006">
+        <mc:Choice xmlns:a14="http://schemas.microsoft.com/office/drawing/2010/main" Requires="a14">
           <p:sp>
             <p:nvSpPr>
               <p:cNvPr id="7" name="Rectangle 6">
@@ -12701,7 +12918,7 @@
                 </a:r>
                 <a:r>
                   <a:rPr lang="en-US" b="1" dirty="0"/>
-                  <a:t>det</a:t>
+                  <a:t>dis</a:t>
                 </a:r>
                 <a:r>
                   <a:rPr lang="en-US" dirty="0"/>
@@ -12753,7 +12970,7 @@
             </p:txBody>
           </p:sp>
         </mc:Choice>
-        <mc:Fallback xmlns="">
+        <mc:Fallback>
           <p:sp>
             <p:nvSpPr>
               <p:cNvPr id="7" name="Rectangle 6">
@@ -12850,7 +13067,7 @@
             <a:pPr algn="ctr"/>
             <a:r>
               <a:rPr lang="en-US" b="1" dirty="0"/>
-              <a:t>det</a:t>
+              <a:t>dis</a:t>
             </a:r>
             <a:r>
               <a:rPr lang="en-US" dirty="0">
@@ -13693,48 +13910,6 @@
             </a:fontRef>
           </p:style>
         </p:cxnSp>
-        <p:cxnSp>
-          <p:nvCxnSpPr>
-            <p:cNvPr id="33" name="Straight Arrow Connector 32">
-              <a:extLst>
-                <a:ext uri="{FF2B5EF4-FFF2-40B4-BE49-F238E27FC236}">
-                  <a16:creationId xmlns:a16="http://schemas.microsoft.com/office/drawing/2014/main" id="{02A46C1A-F072-B7B2-2106-12E382619F33}"/>
-                </a:ext>
-              </a:extLst>
-            </p:cNvPr>
-            <p:cNvCxnSpPr>
-              <a:cxnSpLocks/>
-              <a:endCxn id="6" idx="0"/>
-            </p:cNvCxnSpPr>
-            <p:nvPr/>
-          </p:nvCxnSpPr>
-          <p:spPr>
-            <a:xfrm>
-              <a:off x="6442367" y="5620473"/>
-              <a:ext cx="2" cy="664801"/>
-            </a:xfrm>
-            <a:prstGeom prst="straightConnector1">
-              <a:avLst/>
-            </a:prstGeom>
-            <a:ln>
-              <a:tailEnd type="triangle"/>
-            </a:ln>
-          </p:spPr>
-          <p:style>
-            <a:lnRef idx="2">
-              <a:schemeClr val="accent1"/>
-            </a:lnRef>
-            <a:fillRef idx="0">
-              <a:schemeClr val="accent1"/>
-            </a:fillRef>
-            <a:effectRef idx="1">
-              <a:schemeClr val="accent1"/>
-            </a:effectRef>
-            <a:fontRef idx="minor">
-              <a:schemeClr val="tx1"/>
-            </a:fontRef>
-          </p:style>
-        </p:cxnSp>
       </p:grpSp>
       <p:grpSp>
         <p:nvGrpSpPr>
@@ -14314,8 +14489,8 @@
           </a:p>
         </p:txBody>
       </p:sp>
-      <mc:AlternateContent xmlns:mc="http://schemas.openxmlformats.org/markup-compatibility/2006" xmlns:a14="http://schemas.microsoft.com/office/drawing/2010/main">
-        <mc:Choice Requires="a14">
+      <mc:AlternateContent xmlns:mc="http://schemas.openxmlformats.org/markup-compatibility/2006">
+        <mc:Choice xmlns:a14="http://schemas.microsoft.com/office/drawing/2010/main" Requires="a14">
           <p:sp>
             <p:nvSpPr>
               <p:cNvPr id="7" name="Rectangle 6">
@@ -14367,7 +14542,7 @@
                 </a:r>
                 <a:r>
                   <a:rPr lang="en-US" b="1" dirty="0"/>
-                  <a:t>det</a:t>
+                  <a:t>dis</a:t>
                 </a:r>
                 <a:r>
                   <a:rPr lang="en-US" dirty="0"/>
@@ -14419,7 +14594,7 @@
             </p:txBody>
           </p:sp>
         </mc:Choice>
-        <mc:Fallback xmlns="">
+        <mc:Fallback>
           <p:sp>
             <p:nvSpPr>
               <p:cNvPr id="7" name="Rectangle 6">
@@ -14516,7 +14691,7 @@
             <a:pPr algn="ctr"/>
             <a:r>
               <a:rPr lang="en-US" b="1" dirty="0"/>
-              <a:t>det</a:t>
+              <a:t>dis</a:t>
             </a:r>
             <a:r>
               <a:rPr lang="en-US" dirty="0">
@@ -15359,48 +15534,6 @@
             </a:fontRef>
           </p:style>
         </p:cxnSp>
-        <p:cxnSp>
-          <p:nvCxnSpPr>
-            <p:cNvPr id="33" name="Straight Arrow Connector 32">
-              <a:extLst>
-                <a:ext uri="{FF2B5EF4-FFF2-40B4-BE49-F238E27FC236}">
-                  <a16:creationId xmlns:a16="http://schemas.microsoft.com/office/drawing/2014/main" id="{02A46C1A-F072-B7B2-2106-12E382619F33}"/>
-                </a:ext>
-              </a:extLst>
-            </p:cNvPr>
-            <p:cNvCxnSpPr>
-              <a:cxnSpLocks/>
-              <a:endCxn id="6" idx="0"/>
-            </p:cNvCxnSpPr>
-            <p:nvPr/>
-          </p:nvCxnSpPr>
-          <p:spPr>
-            <a:xfrm>
-              <a:off x="6442367" y="5620473"/>
-              <a:ext cx="2" cy="664801"/>
-            </a:xfrm>
-            <a:prstGeom prst="straightConnector1">
-              <a:avLst/>
-            </a:prstGeom>
-            <a:ln>
-              <a:tailEnd type="triangle"/>
-            </a:ln>
-          </p:spPr>
-          <p:style>
-            <a:lnRef idx="2">
-              <a:schemeClr val="accent1"/>
-            </a:lnRef>
-            <a:fillRef idx="0">
-              <a:schemeClr val="accent1"/>
-            </a:fillRef>
-            <a:effectRef idx="1">
-              <a:schemeClr val="accent1"/>
-            </a:effectRef>
-            <a:fontRef idx="minor">
-              <a:schemeClr val="tx1"/>
-            </a:fontRef>
-          </p:style>
-        </p:cxnSp>
       </p:grpSp>
       <p:grpSp>
         <p:nvGrpSpPr>
@@ -15564,8 +15697,8 @@
           </a:p>
         </p:txBody>
       </p:sp>
-      <mc:AlternateContent xmlns:mc="http://schemas.openxmlformats.org/markup-compatibility/2006" xmlns:a14="http://schemas.microsoft.com/office/drawing/2010/main">
-        <mc:Choice Requires="a14">
+      <mc:AlternateContent xmlns:mc="http://schemas.openxmlformats.org/markup-compatibility/2006">
+        <mc:Choice xmlns:a14="http://schemas.microsoft.com/office/drawing/2010/main" Requires="a14">
           <p:sp>
             <p:nvSpPr>
               <p:cNvPr id="7" name="Rectangle 6">
@@ -15617,7 +15750,7 @@
                 </a:r>
                 <a:r>
                   <a:rPr lang="en-US" b="1" dirty="0"/>
-                  <a:t>det</a:t>
+                  <a:t>dis</a:t>
                 </a:r>
                 <a:r>
                   <a:rPr lang="en-US" dirty="0"/>
@@ -15669,7 +15802,7 @@
             </p:txBody>
           </p:sp>
         </mc:Choice>
-        <mc:Fallback xmlns="">
+        <mc:Fallback>
           <p:sp>
             <p:nvSpPr>
               <p:cNvPr id="7" name="Rectangle 6">
@@ -15766,7 +15899,7 @@
             <a:pPr algn="ctr"/>
             <a:r>
               <a:rPr lang="en-US" b="1" dirty="0"/>
-              <a:t>det</a:t>
+              <a:t>dis</a:t>
             </a:r>
             <a:r>
               <a:rPr lang="en-US" dirty="0">
@@ -16610,48 +16743,6 @@
             </a:fontRef>
           </p:style>
         </p:cxnSp>
-        <p:cxnSp>
-          <p:nvCxnSpPr>
-            <p:cNvPr id="33" name="Straight Arrow Connector 32">
-              <a:extLst>
-                <a:ext uri="{FF2B5EF4-FFF2-40B4-BE49-F238E27FC236}">
-                  <a16:creationId xmlns:a16="http://schemas.microsoft.com/office/drawing/2014/main" id="{02A46C1A-F072-B7B2-2106-12E382619F33}"/>
-                </a:ext>
-              </a:extLst>
-            </p:cNvPr>
-            <p:cNvCxnSpPr>
-              <a:cxnSpLocks/>
-              <a:endCxn id="6" idx="0"/>
-            </p:cNvCxnSpPr>
-            <p:nvPr/>
-          </p:nvCxnSpPr>
-          <p:spPr>
-            <a:xfrm>
-              <a:off x="6442367" y="5620473"/>
-              <a:ext cx="2" cy="664801"/>
-            </a:xfrm>
-            <a:prstGeom prst="straightConnector1">
-              <a:avLst/>
-            </a:prstGeom>
-            <a:ln>
-              <a:tailEnd type="triangle"/>
-            </a:ln>
-          </p:spPr>
-          <p:style>
-            <a:lnRef idx="2">
-              <a:schemeClr val="accent1"/>
-            </a:lnRef>
-            <a:fillRef idx="0">
-              <a:schemeClr val="accent1"/>
-            </a:fillRef>
-            <a:effectRef idx="1">
-              <a:schemeClr val="accent1"/>
-            </a:effectRef>
-            <a:fontRef idx="minor">
-              <a:schemeClr val="tx1"/>
-            </a:fontRef>
-          </p:style>
-        </p:cxnSp>
       </p:grpSp>
       <p:grpSp>
         <p:nvGrpSpPr>
@@ -17231,8 +17322,8 @@
           </a:p>
         </p:txBody>
       </p:sp>
-      <mc:AlternateContent xmlns:mc="http://schemas.openxmlformats.org/markup-compatibility/2006" xmlns:a14="http://schemas.microsoft.com/office/drawing/2010/main">
-        <mc:Choice Requires="a14">
+      <mc:AlternateContent xmlns:mc="http://schemas.openxmlformats.org/markup-compatibility/2006">
+        <mc:Choice xmlns:a14="http://schemas.microsoft.com/office/drawing/2010/main" Requires="a14">
           <p:sp>
             <p:nvSpPr>
               <p:cNvPr id="7" name="Rectangle 6">
@@ -17284,7 +17375,7 @@
                 </a:r>
                 <a:r>
                   <a:rPr lang="en-US" b="1" dirty="0"/>
-                  <a:t>det</a:t>
+                  <a:t>dis</a:t>
                 </a:r>
                 <a:r>
                   <a:rPr lang="en-US" dirty="0"/>
@@ -17336,7 +17427,7 @@
             </p:txBody>
           </p:sp>
         </mc:Choice>
-        <mc:Fallback xmlns="">
+        <mc:Fallback>
           <p:sp>
             <p:nvSpPr>
               <p:cNvPr id="7" name="Rectangle 6">
@@ -17433,7 +17524,7 @@
             <a:pPr algn="ctr"/>
             <a:r>
               <a:rPr lang="en-US" b="1" dirty="0"/>
-              <a:t>det</a:t>
+              <a:t>dis</a:t>
             </a:r>
             <a:r>
               <a:rPr lang="en-US" dirty="0">
@@ -18289,48 +18380,6 @@
             </a:fontRef>
           </p:style>
         </p:cxnSp>
-        <p:cxnSp>
-          <p:nvCxnSpPr>
-            <p:cNvPr id="33" name="Straight Arrow Connector 32">
-              <a:extLst>
-                <a:ext uri="{FF2B5EF4-FFF2-40B4-BE49-F238E27FC236}">
-                  <a16:creationId xmlns:a16="http://schemas.microsoft.com/office/drawing/2014/main" id="{02A46C1A-F072-B7B2-2106-12E382619F33}"/>
-                </a:ext>
-              </a:extLst>
-            </p:cNvPr>
-            <p:cNvCxnSpPr>
-              <a:cxnSpLocks/>
-              <a:endCxn id="6" idx="0"/>
-            </p:cNvCxnSpPr>
-            <p:nvPr/>
-          </p:nvCxnSpPr>
-          <p:spPr>
-            <a:xfrm>
-              <a:off x="6442367" y="5620473"/>
-              <a:ext cx="2" cy="664801"/>
-            </a:xfrm>
-            <a:prstGeom prst="straightConnector1">
-              <a:avLst/>
-            </a:prstGeom>
-            <a:ln>
-              <a:tailEnd type="triangle"/>
-            </a:ln>
-          </p:spPr>
-          <p:style>
-            <a:lnRef idx="2">
-              <a:schemeClr val="accent1"/>
-            </a:lnRef>
-            <a:fillRef idx="0">
-              <a:schemeClr val="accent1"/>
-            </a:fillRef>
-            <a:effectRef idx="1">
-              <a:schemeClr val="accent1"/>
-            </a:effectRef>
-            <a:fontRef idx="minor">
-              <a:schemeClr val="tx1"/>
-            </a:fontRef>
-          </p:style>
-        </p:cxnSp>
       </p:grpSp>
       <p:grpSp>
         <p:nvGrpSpPr>
@@ -18461,6 +18510,53 @@
           <a:chExt cx="0" cy="0"/>
         </a:xfrm>
       </p:grpSpPr>
+      <p:cxnSp>
+        <p:nvCxnSpPr>
+          <p:cNvPr id="17" name="Straight Connector 16">
+            <a:extLst>
+              <a:ext uri="{FF2B5EF4-FFF2-40B4-BE49-F238E27FC236}">
+                <a16:creationId xmlns:a16="http://schemas.microsoft.com/office/drawing/2014/main" id="{15BA65B9-00E1-3889-28F0-952E54A4DCB1}"/>
+              </a:ext>
+            </a:extLst>
+          </p:cNvPr>
+          <p:cNvCxnSpPr>
+            <a:cxnSpLocks/>
+          </p:cNvCxnSpPr>
+          <p:nvPr/>
+        </p:nvCxnSpPr>
+        <p:spPr>
+          <a:xfrm flipH="1">
+            <a:off x="2497096" y="4256644"/>
+            <a:ext cx="5987455" cy="0"/>
+          </a:xfrm>
+          <a:prstGeom prst="line">
+            <a:avLst/>
+          </a:prstGeom>
+          <a:ln w="19050" cap="flat" cmpd="sng" algn="ctr">
+            <a:solidFill>
+              <a:schemeClr val="accent1"/>
+            </a:solidFill>
+            <a:prstDash val="dash"/>
+            <a:round/>
+            <a:headEnd type="none" w="med" len="med"/>
+            <a:tailEnd type="none" w="med" len="med"/>
+          </a:ln>
+        </p:spPr>
+        <p:style>
+          <a:lnRef idx="0">
+            <a:scrgbClr r="0" g="0" b="0"/>
+          </a:lnRef>
+          <a:fillRef idx="0">
+            <a:scrgbClr r="0" g="0" b="0"/>
+          </a:fillRef>
+          <a:effectRef idx="0">
+            <a:scrgbClr r="0" g="0" b="0"/>
+          </a:effectRef>
+          <a:fontRef idx="minor">
+            <a:schemeClr val="tx1"/>
+          </a:fontRef>
+        </p:style>
+      </p:cxnSp>
       <p:sp>
         <p:nvSpPr>
           <p:cNvPr id="6" name="Oval 5">
@@ -18475,7 +18571,7 @@
         </p:nvSpPr>
         <p:spPr>
           <a:xfrm>
-            <a:off x="3463634" y="5865894"/>
+            <a:off x="9035979" y="5904019"/>
             <a:ext cx="2632366" cy="415202"/>
           </a:xfrm>
           <a:prstGeom prst="ellipse">
@@ -18507,7 +18603,10 @@
           <a:lstStyle/>
           <a:p>
             <a:pPr algn="ctr"/>
-            <a:endParaRPr lang="en-US" dirty="0"/>
+            <a:r>
+              <a:rPr lang="en-US" dirty="0"/>
+              <a:t>stop</a:t>
+            </a:r>
           </a:p>
         </p:txBody>
       </p:sp>
@@ -18629,7 +18728,7 @@
         </p:nvSpPr>
         <p:spPr>
           <a:xfrm>
-            <a:off x="5274959" y="922219"/>
+            <a:off x="8612431" y="854019"/>
             <a:ext cx="2798613" cy="415202"/>
           </a:xfrm>
           <a:prstGeom prst="ellipse">
@@ -18664,7 +18763,10 @@
           <a:lstStyle/>
           <a:p>
             <a:pPr algn="ctr"/>
-            <a:endParaRPr lang="en-US" dirty="0"/>
+            <a:r>
+              <a:rPr lang="en-US" dirty="0"/>
+              <a:t>start</a:t>
+            </a:r>
           </a:p>
         </p:txBody>
       </p:sp>
@@ -18731,17 +18833,23 @@
           <a:p>
             <a:r>
               <a:rPr lang="en-US" sz="2000" b="1" dirty="0">
+                <a:highlight>
+                  <a:srgbClr val="00FF00"/>
+                </a:highlight>
                 <a:latin typeface="Courier New" panose="02070309020205020404" pitchFamily="49" charset="0"/>
                 <a:cs typeface="Courier New" panose="02070309020205020404" pitchFamily="49" charset="0"/>
               </a:rPr>
-              <a:t>int main(){  // program starts here</a:t>
+              <a:t>int main(){  </a:t>
             </a:r>
-            <a:br>
-              <a:rPr lang="en-US" sz="2000" dirty="0">
+            <a:r>
+              <a:rPr lang="en-US" sz="2000" b="1" dirty="0">
                 <a:latin typeface="Courier New" panose="02070309020205020404" pitchFamily="49" charset="0"/>
                 <a:cs typeface="Courier New" panose="02070309020205020404" pitchFamily="49" charset="0"/>
               </a:rPr>
-            </a:br>
+              <a:t>// program starts here</a:t>
+            </a:r>
+          </a:p>
+          <a:p>
             <a:r>
               <a:rPr lang="en-US" sz="2000" dirty="0">
                 <a:latin typeface="Courier New" panose="02070309020205020404" pitchFamily="49" charset="0"/>
@@ -18869,7 +18977,7 @@
                 <a:latin typeface="Courier New" panose="02070309020205020404" pitchFamily="49" charset="0"/>
                 <a:cs typeface="Courier New" panose="02070309020205020404" pitchFamily="49" charset="0"/>
               </a:rPr>
-              <a:t>// det is the determinant</a:t>
+              <a:t>// det is the discriminant</a:t>
             </a:r>
           </a:p>
           <a:p>
@@ -18878,7 +18986,7 @@
                 <a:latin typeface="Courier New" panose="02070309020205020404" pitchFamily="49" charset="0"/>
                 <a:cs typeface="Courier New" panose="02070309020205020404" pitchFamily="49" charset="0"/>
               </a:rPr>
-              <a:t>   float det;</a:t>
+              <a:t>   float dis;</a:t>
             </a:r>
           </a:p>
           <a:p>
@@ -18887,7 +18995,7 @@
                 <a:latin typeface="Courier New" panose="02070309020205020404" pitchFamily="49" charset="0"/>
                 <a:cs typeface="Courier New" panose="02070309020205020404" pitchFamily="49" charset="0"/>
               </a:rPr>
-              <a:t>   det = b*b – 4*a*c;</a:t>
+              <a:t>   dis = b*b – 4*a*c;</a:t>
             </a:r>
           </a:p>
           <a:p>
@@ -18911,7 +19019,7 @@
                 <a:latin typeface="Courier New" panose="02070309020205020404" pitchFamily="49" charset="0"/>
                 <a:cs typeface="Courier New" panose="02070309020205020404" pitchFamily="49" charset="0"/>
               </a:rPr>
-              <a:t>   if (det &gt; 0 ) </a:t>
+              <a:t>   if (dis &gt; 0 ) </a:t>
             </a:r>
           </a:p>
           <a:p>
@@ -18972,10 +19080,20 @@
           <a:p>
             <a:r>
               <a:rPr lang="en-US" sz="2000" b="1" dirty="0">
+                <a:highlight>
+                  <a:srgbClr val="FF0000"/>
+                </a:highlight>
                 <a:latin typeface="Courier New" panose="02070309020205020404" pitchFamily="49" charset="0"/>
                 <a:cs typeface="Courier New" panose="02070309020205020404" pitchFamily="49" charset="0"/>
               </a:rPr>
-              <a:t>} // program ends here</a:t>
+              <a:t>} </a:t>
+            </a:r>
+            <a:r>
+              <a:rPr lang="en-US" sz="2000" b="1" dirty="0">
+                <a:latin typeface="Courier New" panose="02070309020205020404" pitchFamily="49" charset="0"/>
+                <a:cs typeface="Courier New" panose="02070309020205020404" pitchFamily="49" charset="0"/>
+              </a:rPr>
+              <a:t>// program ends here</a:t>
             </a:r>
           </a:p>
         </p:txBody>
@@ -19212,8 +19330,8 @@
           </p:sp>
         </mc:Fallback>
       </mc:AlternateContent>
-      <mc:AlternateContent xmlns:mc="http://schemas.openxmlformats.org/markup-compatibility/2006" xmlns:a14="http://schemas.microsoft.com/office/drawing/2010/main">
-        <mc:Choice Requires="a14">
+      <mc:AlternateContent xmlns:mc="http://schemas.openxmlformats.org/markup-compatibility/2006">
+        <mc:Choice xmlns:a14="http://schemas.microsoft.com/office/drawing/2010/main" Requires="a14">
           <p:sp>
             <p:nvSpPr>
               <p:cNvPr id="11" name="Rectangle 10">
@@ -19265,7 +19383,7 @@
                 </a:r>
                 <a:r>
                   <a:rPr lang="en-US" b="1" dirty="0"/>
-                  <a:t>det</a:t>
+                  <a:t>dis</a:t>
                 </a:r>
                 <a:r>
                   <a:rPr lang="en-US" dirty="0"/>
@@ -19317,7 +19435,7 @@
             </p:txBody>
           </p:sp>
         </mc:Choice>
-        <mc:Fallback xmlns="">
+        <mc:Fallback>
           <p:sp>
             <p:nvSpPr>
               <p:cNvPr id="11" name="Rectangle 10">
@@ -19413,8 +19531,16 @@
           <a:p>
             <a:pPr algn="ctr"/>
             <a:r>
-              <a:rPr lang="en-US" b="1" dirty="0"/>
-              <a:t>det</a:t>
+              <a:rPr lang="en-US" b="1"/>
+              <a:t>dis</a:t>
+            </a:r>
+            <a:r>
+              <a:rPr lang="en-US">
+                <a:solidFill>
+                  <a:schemeClr val="dk1"/>
+                </a:solidFill>
+              </a:rPr>
+              <a:t> </a:t>
             </a:r>
             <a:r>
               <a:rPr lang="en-US" dirty="0">
@@ -19422,7 +19548,7 @@
                   <a:schemeClr val="dk1"/>
                 </a:solidFill>
               </a:rPr>
-              <a:t> &gt; 0  ?</a:t>
+              <a:t>&gt; 0  ?</a:t>
             </a:r>
           </a:p>
         </p:txBody>
@@ -19743,9 +19869,9 @@
           <p:nvPr/>
         </p:nvSpPr>
         <p:spPr>
-          <a:xfrm rot="18887357">
-            <a:off x="-172984" y="3320377"/>
-            <a:ext cx="2863861" cy="646331"/>
+          <a:xfrm>
+            <a:off x="-48289" y="2729350"/>
+            <a:ext cx="2749927" cy="2808357"/>
           </a:xfrm>
           <a:prstGeom prst="rect">
             <a:avLst/>
@@ -19853,8 +19979,17 @@
             </a:lvl9pPr>
           </a:lstStyle>
           <a:p>
+            <a:pPr algn="l"/>
+            <a:endParaRPr lang="en-US" sz="1600" dirty="0">
+              <a:solidFill>
+                <a:schemeClr val="tx1"/>
+              </a:solidFill>
+            </a:endParaRPr>
+          </a:p>
+          <a:p>
+            <a:pPr algn="l"/>
             <a:r>
-              <a:rPr lang="en-US" dirty="0">
+              <a:rPr lang="en-US" sz="1600" dirty="0">
                 <a:solidFill>
                   <a:schemeClr val="tx1"/>
                 </a:solidFill>
@@ -19863,14 +19998,126 @@
             </a:r>
           </a:p>
           <a:p>
-            <a:endParaRPr lang="en-US" dirty="0">
+            <a:pPr algn="l"/>
+            <a:endParaRPr lang="en-US" sz="1600" dirty="0">
               <a:solidFill>
                 <a:schemeClr val="tx1"/>
               </a:solidFill>
             </a:endParaRPr>
           </a:p>
+          <a:p>
+            <a:pPr algn="l"/>
+            <a:r>
+              <a:rPr lang="en-US" sz="1600" dirty="0">
+                <a:solidFill>
+                  <a:schemeClr val="tx1"/>
+                </a:solidFill>
+              </a:rPr>
+              <a:t>The idea is NOT:</a:t>
+            </a:r>
+            <a:br>
+              <a:rPr lang="en-US" sz="1600" dirty="0">
+                <a:solidFill>
+                  <a:schemeClr val="tx1"/>
+                </a:solidFill>
+              </a:rPr>
+            </a:br>
+            <a:r>
+              <a:rPr lang="en-US" sz="1600" dirty="0">
+                <a:solidFill>
+                  <a:schemeClr val="tx1"/>
+                </a:solidFill>
+              </a:rPr>
+              <a:t>about a language like C</a:t>
+            </a:r>
+            <a:br>
+              <a:rPr lang="en-US" sz="1600" dirty="0">
+                <a:solidFill>
+                  <a:schemeClr val="tx1"/>
+                </a:solidFill>
+              </a:rPr>
+            </a:br>
+            <a:endParaRPr lang="en-US" sz="1600" dirty="0">
+              <a:solidFill>
+                <a:schemeClr val="tx1"/>
+              </a:solidFill>
+            </a:endParaRPr>
+          </a:p>
+          <a:p>
+            <a:pPr algn="l"/>
+            <a:r>
+              <a:rPr lang="en-US" sz="1600" dirty="0">
+                <a:solidFill>
+                  <a:schemeClr val="tx1"/>
+                </a:solidFill>
+              </a:rPr>
+              <a:t>The idea IS:</a:t>
+            </a:r>
+            <a:br>
+              <a:rPr lang="en-US" sz="1600" dirty="0">
+                <a:solidFill>
+                  <a:schemeClr val="tx1"/>
+                </a:solidFill>
+              </a:rPr>
+            </a:br>
+            <a:r>
+              <a:rPr lang="en-US" sz="1600" dirty="0">
+                <a:solidFill>
+                  <a:schemeClr val="tx1"/>
+                </a:solidFill>
+              </a:rPr>
+              <a:t>to show that the logic  for programs is similar to the logic for flowcharts</a:t>
+            </a:r>
+          </a:p>
         </p:txBody>
       </p:sp>
+      <p:cxnSp>
+        <p:nvCxnSpPr>
+          <p:cNvPr id="9" name="Straight Connector 8">
+            <a:extLst>
+              <a:ext uri="{FF2B5EF4-FFF2-40B4-BE49-F238E27FC236}">
+                <a16:creationId xmlns:a16="http://schemas.microsoft.com/office/drawing/2014/main" id="{9CD5B3FD-AA19-9188-EC4A-26B8542DBE11}"/>
+              </a:ext>
+            </a:extLst>
+          </p:cNvPr>
+          <p:cNvCxnSpPr>
+            <a:cxnSpLocks/>
+          </p:cNvCxnSpPr>
+          <p:nvPr/>
+        </p:nvCxnSpPr>
+        <p:spPr>
+          <a:xfrm flipH="1">
+            <a:off x="2604655" y="2937163"/>
+            <a:ext cx="5987455" cy="0"/>
+          </a:xfrm>
+          <a:prstGeom prst="line">
+            <a:avLst/>
+          </a:prstGeom>
+          <a:ln w="19050" cap="flat" cmpd="sng" algn="ctr">
+            <a:solidFill>
+              <a:schemeClr val="accent1"/>
+            </a:solidFill>
+            <a:prstDash val="dash"/>
+            <a:round/>
+            <a:headEnd type="none" w="med" len="med"/>
+            <a:tailEnd type="none" w="med" len="med"/>
+          </a:ln>
+        </p:spPr>
+        <p:style>
+          <a:lnRef idx="0">
+            <a:scrgbClr r="0" g="0" b="0"/>
+          </a:lnRef>
+          <a:fillRef idx="0">
+            <a:scrgbClr r="0" g="0" b="0"/>
+          </a:fillRef>
+          <a:effectRef idx="0">
+            <a:scrgbClr r="0" g="0" b="0"/>
+          </a:effectRef>
+          <a:fontRef idx="minor">
+            <a:schemeClr val="tx1"/>
+          </a:fontRef>
+        </p:style>
+      </p:cxnSp>
     </p:spTree>
     <p:extLst>
       <p:ext uri="{BB962C8B-B14F-4D97-AF65-F5344CB8AC3E}">
@@ -19955,7 +20202,7 @@
                             </p:stCondLst>
                             <p:childTnLst>
                               <p:par>
-                                <p:cTn id="10" presetID="22" presetClass="entr" presetSubtype="1" fill="hold" nodeType="clickEffect">
+                                <p:cTn id="10" presetID="1" presetClass="entr" presetSubtype="0" fill="hold" grpId="0" nodeType="clickEffect">
                                   <p:stCondLst>
                                     <p:cond delay="0"/>
                                   </p:stCondLst>
@@ -19963,6 +20210,55 @@
                                     <p:set>
                                       <p:cBhvr>
                                         <p:cTn id="11" dur="1" fill="hold">
+                                          <p:stCondLst>
+                                            <p:cond delay="0"/>
+                                          </p:stCondLst>
+                                        </p:cTn>
+                                        <p:tgtEl>
+                                          <p:spTgt spid="10">
+                                            <p:txEl>
+                                              <p:pRg st="0" end="0"/>
+                                            </p:txEl>
+                                          </p:spTgt>
+                                        </p:tgtEl>
+                                        <p:attrNameLst>
+                                          <p:attrName>style.visibility</p:attrName>
+                                        </p:attrNameLst>
+                                      </p:cBhvr>
+                                      <p:to>
+                                        <p:strVal val="visible"/>
+                                      </p:to>
+                                    </p:set>
+                                  </p:childTnLst>
+                                </p:cTn>
+                              </p:par>
+                            </p:childTnLst>
+                          </p:cTn>
+                        </p:par>
+                      </p:childTnLst>
+                    </p:cTn>
+                  </p:par>
+                  <p:par>
+                    <p:cTn id="12" fill="hold">
+                      <p:stCondLst>
+                        <p:cond delay="indefinite"/>
+                      </p:stCondLst>
+                      <p:childTnLst>
+                        <p:par>
+                          <p:cTn id="13" fill="hold">
+                            <p:stCondLst>
+                              <p:cond delay="0"/>
+                            </p:stCondLst>
+                            <p:childTnLst>
+                              <p:par>
+                                <p:cTn id="14" presetID="22" presetClass="entr" presetSubtype="1" fill="hold" nodeType="clickEffect">
+                                  <p:stCondLst>
+                                    <p:cond delay="0"/>
+                                  </p:stCondLst>
+                                  <p:childTnLst>
+                                    <p:set>
+                                      <p:cBhvr>
+                                        <p:cTn id="15" dur="1" fill="hold">
                                           <p:stCondLst>
                                             <p:cond delay="0"/>
                                           </p:stCondLst>
@@ -19980,7 +20276,7 @@
                                     </p:set>
                                     <p:animEffect transition="in" filter="wipe(up)">
                                       <p:cBhvr>
-                                        <p:cTn id="12" dur="500"/>
+                                        <p:cTn id="16" dur="500"/>
                                         <p:tgtEl>
                                           <p:spTgt spid="20"/>
                                         </p:tgtEl>
@@ -19990,14 +20286,14 @@
                                 </p:cTn>
                               </p:par>
                               <p:par>
-                                <p:cTn id="13" presetID="22" presetClass="entr" presetSubtype="1" fill="hold" grpId="0" nodeType="withEffect">
+                                <p:cTn id="17" presetID="22" presetClass="entr" presetSubtype="1" fill="hold" grpId="0" nodeType="withEffect">
                                   <p:stCondLst>
                                     <p:cond delay="0"/>
                                   </p:stCondLst>
                                   <p:childTnLst>
                                     <p:set>
                                       <p:cBhvr>
-                                        <p:cTn id="14" dur="1" fill="hold">
+                                        <p:cTn id="18" dur="1" fill="hold">
                                           <p:stCondLst>
                                             <p:cond delay="0"/>
                                           </p:stCondLst>
@@ -20015,7 +20311,7 @@
                                     </p:set>
                                     <p:animEffect transition="in" filter="wipe(up)">
                                       <p:cBhvr>
-                                        <p:cTn id="15" dur="500"/>
+                                        <p:cTn id="19" dur="500"/>
                                         <p:tgtEl>
                                           <p:spTgt spid="8"/>
                                         </p:tgtEl>
@@ -20031,32 +20327,36 @@
                     </p:cTn>
                   </p:par>
                   <p:par>
-                    <p:cTn id="16" fill="hold">
+                    <p:cTn id="20" fill="hold">
                       <p:stCondLst>
                         <p:cond delay="indefinite"/>
                       </p:stCondLst>
                       <p:childTnLst>
                         <p:par>
-                          <p:cTn id="17" fill="hold">
+                          <p:cTn id="21" fill="hold">
                             <p:stCondLst>
                               <p:cond delay="0"/>
                             </p:stCondLst>
                             <p:childTnLst>
                               <p:par>
-                                <p:cTn id="18" presetID="22" presetClass="entr" presetSubtype="1" fill="hold" nodeType="clickEffect">
+                                <p:cTn id="22" presetID="1" presetClass="entr" presetSubtype="0" fill="hold" grpId="0" nodeType="clickEffect">
                                   <p:stCondLst>
                                     <p:cond delay="0"/>
                                   </p:stCondLst>
                                   <p:childTnLst>
                                     <p:set>
                                       <p:cBhvr>
-                                        <p:cTn id="19" dur="1" fill="hold">
+                                        <p:cTn id="23" dur="1" fill="hold">
                                           <p:stCondLst>
                                             <p:cond delay="0"/>
                                           </p:stCondLst>
                                         </p:cTn>
                                         <p:tgtEl>
-                                          <p:spTgt spid="21"/>
+                                          <p:spTgt spid="10">
+                                            <p:txEl>
+                                              <p:pRg st="1" end="1"/>
+                                            </p:txEl>
+                                          </p:spTgt>
                                         </p:tgtEl>
                                         <p:attrNameLst>
                                           <p:attrName>style.visibility</p:attrName>
@@ -20066,49 +20366,6 @@
                                         <p:strVal val="visible"/>
                                       </p:to>
                                     </p:set>
-                                    <p:animEffect transition="in" filter="wipe(up)">
-                                      <p:cBhvr>
-                                        <p:cTn id="20" dur="500"/>
-                                        <p:tgtEl>
-                                          <p:spTgt spid="21"/>
-                                        </p:tgtEl>
-                                      </p:cBhvr>
-                                    </p:animEffect>
-                                  </p:childTnLst>
-                                </p:cTn>
-                              </p:par>
-                              <p:par>
-                                <p:cTn id="21" presetID="22" presetClass="entr" presetSubtype="1" fill="hold" grpId="0" nodeType="withEffect">
-                                  <p:stCondLst>
-                                    <p:cond delay="0"/>
-                                  </p:stCondLst>
-                                  <p:childTnLst>
-                                    <p:set>
-                                      <p:cBhvr>
-                                        <p:cTn id="22" dur="1" fill="hold">
-                                          <p:stCondLst>
-                                            <p:cond delay="0"/>
-                                          </p:stCondLst>
-                                        </p:cTn>
-                                        <p:tgtEl>
-                                          <p:spTgt spid="11"/>
-                                        </p:tgtEl>
-                                        <p:attrNameLst>
-                                          <p:attrName>style.visibility</p:attrName>
-                                        </p:attrNameLst>
-                                      </p:cBhvr>
-                                      <p:to>
-                                        <p:strVal val="visible"/>
-                                      </p:to>
-                                    </p:set>
-                                    <p:animEffect transition="in" filter="wipe(up)">
-                                      <p:cBhvr>
-                                        <p:cTn id="23" dur="500"/>
-                                        <p:tgtEl>
-                                          <p:spTgt spid="11"/>
-                                        </p:tgtEl>
-                                      </p:cBhvr>
-                                    </p:animEffect>
                                   </p:childTnLst>
                                 </p:cTn>
                               </p:par>
@@ -20131,7 +20388,7 @@
                             </p:stCondLst>
                             <p:childTnLst>
                               <p:par>
-                                <p:cTn id="26" presetID="22" presetClass="entr" presetSubtype="1" fill="hold" nodeType="clickEffect">
+                                <p:cTn id="26" presetID="1" presetClass="entr" presetSubtype="0" fill="hold" grpId="0" nodeType="clickEffect">
                                   <p:stCondLst>
                                     <p:cond delay="0"/>
                                   </p:stCondLst>
@@ -20144,7 +20401,199 @@
                                           </p:stCondLst>
                                         </p:cTn>
                                         <p:tgtEl>
-                                          <p:spTgt spid="22"/>
+                                          <p:spTgt spid="10">
+                                            <p:txEl>
+                                              <p:pRg st="2" end="2"/>
+                                            </p:txEl>
+                                          </p:spTgt>
+                                        </p:tgtEl>
+                                        <p:attrNameLst>
+                                          <p:attrName>style.visibility</p:attrName>
+                                        </p:attrNameLst>
+                                      </p:cBhvr>
+                                      <p:to>
+                                        <p:strVal val="visible"/>
+                                      </p:to>
+                                    </p:set>
+                                  </p:childTnLst>
+                                </p:cTn>
+                              </p:par>
+                            </p:childTnLst>
+                          </p:cTn>
+                        </p:par>
+                      </p:childTnLst>
+                    </p:cTn>
+                  </p:par>
+                  <p:par>
+                    <p:cTn id="28" fill="hold">
+                      <p:stCondLst>
+                        <p:cond delay="indefinite"/>
+                      </p:stCondLst>
+                      <p:childTnLst>
+                        <p:par>
+                          <p:cTn id="29" fill="hold">
+                            <p:stCondLst>
+                              <p:cond delay="0"/>
+                            </p:stCondLst>
+                            <p:childTnLst>
+                              <p:par>
+                                <p:cTn id="30" presetID="1" presetClass="entr" presetSubtype="0" fill="hold" grpId="0" nodeType="clickEffect">
+                                  <p:stCondLst>
+                                    <p:cond delay="0"/>
+                                  </p:stCondLst>
+                                  <p:childTnLst>
+                                    <p:set>
+                                      <p:cBhvr>
+                                        <p:cTn id="31" dur="1" fill="hold">
+                                          <p:stCondLst>
+                                            <p:cond delay="0"/>
+                                          </p:stCondLst>
+                                        </p:cTn>
+                                        <p:tgtEl>
+                                          <p:spTgt spid="10">
+                                            <p:txEl>
+                                              <p:pRg st="3" end="3"/>
+                                            </p:txEl>
+                                          </p:spTgt>
+                                        </p:tgtEl>
+                                        <p:attrNameLst>
+                                          <p:attrName>style.visibility</p:attrName>
+                                        </p:attrNameLst>
+                                      </p:cBhvr>
+                                      <p:to>
+                                        <p:strVal val="visible"/>
+                                      </p:to>
+                                    </p:set>
+                                  </p:childTnLst>
+                                </p:cTn>
+                              </p:par>
+                            </p:childTnLst>
+                          </p:cTn>
+                        </p:par>
+                      </p:childTnLst>
+                    </p:cTn>
+                  </p:par>
+                  <p:par>
+                    <p:cTn id="32" fill="hold">
+                      <p:stCondLst>
+                        <p:cond delay="indefinite"/>
+                      </p:stCondLst>
+                      <p:childTnLst>
+                        <p:par>
+                          <p:cTn id="33" fill="hold">
+                            <p:stCondLst>
+                              <p:cond delay="0"/>
+                            </p:stCondLst>
+                            <p:childTnLst>
+                              <p:par>
+                                <p:cTn id="34" presetID="1" presetClass="entr" presetSubtype="0" fill="hold" grpId="0" nodeType="clickEffect">
+                                  <p:stCondLst>
+                                    <p:cond delay="0"/>
+                                  </p:stCondLst>
+                                  <p:childTnLst>
+                                    <p:set>
+                                      <p:cBhvr>
+                                        <p:cTn id="35" dur="1" fill="hold">
+                                          <p:stCondLst>
+                                            <p:cond delay="0"/>
+                                          </p:stCondLst>
+                                        </p:cTn>
+                                        <p:tgtEl>
+                                          <p:spTgt spid="10">
+                                            <p:txEl>
+                                              <p:pRg st="4" end="4"/>
+                                            </p:txEl>
+                                          </p:spTgt>
+                                        </p:tgtEl>
+                                        <p:attrNameLst>
+                                          <p:attrName>style.visibility</p:attrName>
+                                        </p:attrNameLst>
+                                      </p:cBhvr>
+                                      <p:to>
+                                        <p:strVal val="visible"/>
+                                      </p:to>
+                                    </p:set>
+                                  </p:childTnLst>
+                                </p:cTn>
+                              </p:par>
+                            </p:childTnLst>
+                          </p:cTn>
+                        </p:par>
+                      </p:childTnLst>
+                    </p:cTn>
+                  </p:par>
+                  <p:par>
+                    <p:cTn id="36" fill="hold">
+                      <p:stCondLst>
+                        <p:cond delay="indefinite"/>
+                      </p:stCondLst>
+                      <p:childTnLst>
+                        <p:par>
+                          <p:cTn id="37" fill="hold">
+                            <p:stCondLst>
+                              <p:cond delay="0"/>
+                            </p:stCondLst>
+                            <p:childTnLst>
+                              <p:par>
+                                <p:cTn id="38" presetID="1" presetClass="entr" presetSubtype="0" fill="hold" nodeType="clickEffect">
+                                  <p:stCondLst>
+                                    <p:cond delay="0"/>
+                                  </p:stCondLst>
+                                  <p:childTnLst>
+                                    <p:set>
+                                      <p:cBhvr>
+                                        <p:cTn id="39" dur="1" fill="hold">
+                                          <p:stCondLst>
+                                            <p:cond delay="0"/>
+                                          </p:stCondLst>
+                                        </p:cTn>
+                                        <p:tgtEl>
+                                          <p:spTgt spid="9"/>
+                                        </p:tgtEl>
+                                        <p:attrNameLst>
+                                          <p:attrName>style.visibility</p:attrName>
+                                        </p:attrNameLst>
+                                      </p:cBhvr>
+                                      <p:to>
+                                        <p:strVal val="visible"/>
+                                      </p:to>
+                                    </p:set>
+                                  </p:childTnLst>
+                                </p:cTn>
+                              </p:par>
+                            </p:childTnLst>
+                          </p:cTn>
+                        </p:par>
+                      </p:childTnLst>
+                    </p:cTn>
+                  </p:par>
+                  <p:par>
+                    <p:cTn id="40" fill="hold">
+                      <p:stCondLst>
+                        <p:cond delay="indefinite"/>
+                      </p:stCondLst>
+                      <p:childTnLst>
+                        <p:par>
+                          <p:cTn id="41" fill="hold">
+                            <p:stCondLst>
+                              <p:cond delay="0"/>
+                            </p:stCondLst>
+                            <p:childTnLst>
+                              <p:par>
+                                <p:cTn id="42" presetID="22" presetClass="entr" presetSubtype="1" fill="hold" nodeType="clickEffect">
+                                  <p:stCondLst>
+                                    <p:cond delay="0"/>
+                                  </p:stCondLst>
+                                  <p:childTnLst>
+                                    <p:set>
+                                      <p:cBhvr>
+                                        <p:cTn id="43" dur="1" fill="hold">
+                                          <p:stCondLst>
+                                            <p:cond delay="0"/>
+                                          </p:stCondLst>
+                                        </p:cTn>
+                                        <p:tgtEl>
+                                          <p:spTgt spid="21"/>
                                         </p:tgtEl>
                                         <p:attrNameLst>
                                           <p:attrName>style.visibility</p:attrName>
@@ -20156,185 +20605,17 @@
                                     </p:set>
                                     <p:animEffect transition="in" filter="wipe(up)">
                                       <p:cBhvr>
-                                        <p:cTn id="28" dur="500"/>
+                                        <p:cTn id="44" dur="500"/>
                                         <p:tgtEl>
-                                          <p:spTgt spid="22"/>
+                                          <p:spTgt spid="21"/>
                                         </p:tgtEl>
                                       </p:cBhvr>
                                     </p:animEffect>
                                   </p:childTnLst>
                                 </p:cTn>
                               </p:par>
-                            </p:childTnLst>
-                          </p:cTn>
-                        </p:par>
-                      </p:childTnLst>
-                    </p:cTn>
-                  </p:par>
-                  <p:par>
-                    <p:cTn id="29" fill="hold">
-                      <p:stCondLst>
-                        <p:cond delay="indefinite"/>
-                      </p:stCondLst>
-                      <p:childTnLst>
-                        <p:par>
-                          <p:cTn id="30" fill="hold">
-                            <p:stCondLst>
-                              <p:cond delay="0"/>
-                            </p:stCondLst>
-                            <p:childTnLst>
                               <p:par>
-                                <p:cTn id="31" presetID="16" presetClass="entr" presetSubtype="37" fill="hold" grpId="0" nodeType="clickEffect">
-                                  <p:stCondLst>
-                                    <p:cond delay="0"/>
-                                  </p:stCondLst>
-                                  <p:childTnLst>
-                                    <p:set>
-                                      <p:cBhvr>
-                                        <p:cTn id="32" dur="1" fill="hold">
-                                          <p:stCondLst>
-                                            <p:cond delay="0"/>
-                                          </p:stCondLst>
-                                        </p:cTn>
-                                        <p:tgtEl>
-                                          <p:spTgt spid="12"/>
-                                        </p:tgtEl>
-                                        <p:attrNameLst>
-                                          <p:attrName>style.visibility</p:attrName>
-                                        </p:attrNameLst>
-                                      </p:cBhvr>
-                                      <p:to>
-                                        <p:strVal val="visible"/>
-                                      </p:to>
-                                    </p:set>
-                                    <p:animEffect transition="in" filter="barn(outVertical)">
-                                      <p:cBhvr>
-                                        <p:cTn id="33" dur="500"/>
-                                        <p:tgtEl>
-                                          <p:spTgt spid="12"/>
-                                        </p:tgtEl>
-                                      </p:cBhvr>
-                                    </p:animEffect>
-                                  </p:childTnLst>
-                                </p:cTn>
-                              </p:par>
-                            </p:childTnLst>
-                          </p:cTn>
-                        </p:par>
-                        <p:par>
-                          <p:cTn id="34" fill="hold">
-                            <p:stCondLst>
-                              <p:cond delay="500"/>
-                            </p:stCondLst>
-                            <p:childTnLst>
-                              <p:par>
-                                <p:cTn id="35" presetID="16" presetClass="entr" presetSubtype="37" fill="hold" nodeType="afterEffect">
-                                  <p:stCondLst>
-                                    <p:cond delay="0"/>
-                                  </p:stCondLst>
-                                  <p:childTnLst>
-                                    <p:set>
-                                      <p:cBhvr>
-                                        <p:cTn id="36" dur="1" fill="hold">
-                                          <p:stCondLst>
-                                            <p:cond delay="0"/>
-                                          </p:stCondLst>
-                                        </p:cTn>
-                                        <p:tgtEl>
-                                          <p:spTgt spid="25"/>
-                                        </p:tgtEl>
-                                        <p:attrNameLst>
-                                          <p:attrName>style.visibility</p:attrName>
-                                        </p:attrNameLst>
-                                      </p:cBhvr>
-                                      <p:to>
-                                        <p:strVal val="visible"/>
-                                      </p:to>
-                                    </p:set>
-                                    <p:animEffect transition="in" filter="barn(outVertical)">
-                                      <p:cBhvr>
-                                        <p:cTn id="37" dur="500"/>
-                                        <p:tgtEl>
-                                          <p:spTgt spid="25"/>
-                                        </p:tgtEl>
-                                      </p:cBhvr>
-                                    </p:animEffect>
-                                  </p:childTnLst>
-                                </p:cTn>
-                              </p:par>
-                            </p:childTnLst>
-                          </p:cTn>
-                        </p:par>
-                      </p:childTnLst>
-                    </p:cTn>
-                  </p:par>
-                  <p:par>
-                    <p:cTn id="38" fill="hold">
-                      <p:stCondLst>
-                        <p:cond delay="indefinite"/>
-                      </p:stCondLst>
-                      <p:childTnLst>
-                        <p:par>
-                          <p:cTn id="39" fill="hold">
-                            <p:stCondLst>
-                              <p:cond delay="0"/>
-                            </p:stCondLst>
-                            <p:childTnLst>
-                              <p:par>
-                                <p:cTn id="40" presetID="10" presetClass="entr" presetSubtype="0" fill="hold" grpId="0" nodeType="clickEffect">
-                                  <p:stCondLst>
-                                    <p:cond delay="0"/>
-                                  </p:stCondLst>
-                                  <p:childTnLst>
-                                    <p:set>
-                                      <p:cBhvr>
-                                        <p:cTn id="41" dur="1" fill="hold">
-                                          <p:stCondLst>
-                                            <p:cond delay="0"/>
-                                          </p:stCondLst>
-                                        </p:cTn>
-                                        <p:tgtEl>
-                                          <p:spTgt spid="13"/>
-                                        </p:tgtEl>
-                                        <p:attrNameLst>
-                                          <p:attrName>style.visibility</p:attrName>
-                                        </p:attrNameLst>
-                                      </p:cBhvr>
-                                      <p:to>
-                                        <p:strVal val="visible"/>
-                                      </p:to>
-                                    </p:set>
-                                    <p:animEffect transition="in" filter="fade">
-                                      <p:cBhvr>
-                                        <p:cTn id="42" dur="500"/>
-                                        <p:tgtEl>
-                                          <p:spTgt spid="13"/>
-                                        </p:tgtEl>
-                                      </p:cBhvr>
-                                    </p:animEffect>
-                                  </p:childTnLst>
-                                </p:cTn>
-                              </p:par>
-                            </p:childTnLst>
-                          </p:cTn>
-                        </p:par>
-                      </p:childTnLst>
-                    </p:cTn>
-                  </p:par>
-                  <p:par>
-                    <p:cTn id="43" fill="hold">
-                      <p:stCondLst>
-                        <p:cond delay="indefinite"/>
-                      </p:stCondLst>
-                      <p:childTnLst>
-                        <p:par>
-                          <p:cTn id="44" fill="hold">
-                            <p:stCondLst>
-                              <p:cond delay="0"/>
-                            </p:stCondLst>
-                            <p:childTnLst>
-                              <p:par>
-                                <p:cTn id="45" presetID="10" presetClass="entr" presetSubtype="0" fill="hold" grpId="0" nodeType="clickEffect">
+                                <p:cTn id="45" presetID="22" presetClass="entr" presetSubtype="1" fill="hold" grpId="0" nodeType="withEffect">
                                   <p:stCondLst>
                                     <p:cond delay="0"/>
                                   </p:stCondLst>
@@ -20347,7 +20628,7 @@
                                           </p:stCondLst>
                                         </p:cTn>
                                         <p:tgtEl>
-                                          <p:spTgt spid="15"/>
+                                          <p:spTgt spid="11"/>
                                         </p:tgtEl>
                                         <p:attrNameLst>
                                           <p:attrName>style.visibility</p:attrName>
@@ -20357,11 +20638,11 @@
                                         <p:strVal val="visible"/>
                                       </p:to>
                                     </p:set>
-                                    <p:animEffect transition="in" filter="fade">
+                                    <p:animEffect transition="in" filter="wipe(up)">
                                       <p:cBhvr>
                                         <p:cTn id="47" dur="500"/>
                                         <p:tgtEl>
-                                          <p:spTgt spid="15"/>
+                                          <p:spTgt spid="11"/>
                                         </p:tgtEl>
                                       </p:cBhvr>
                                     </p:animEffect>
@@ -20387,7 +20668,7 @@
                             </p:stCondLst>
                             <p:childTnLst>
                               <p:par>
-                                <p:cTn id="50" presetID="10" presetClass="entr" presetSubtype="0" fill="hold" grpId="0" nodeType="clickEffect">
+                                <p:cTn id="50" presetID="1" presetClass="entr" presetSubtype="0" fill="hold" grpId="0" nodeType="clickEffect">
                                   <p:stCondLst>
                                     <p:cond delay="0"/>
                                   </p:stCondLst>
@@ -20395,6 +20676,663 @@
                                     <p:set>
                                       <p:cBhvr>
                                         <p:cTn id="51" dur="1" fill="hold">
+                                          <p:stCondLst>
+                                            <p:cond delay="0"/>
+                                          </p:stCondLst>
+                                        </p:cTn>
+                                        <p:tgtEl>
+                                          <p:spTgt spid="10">
+                                            <p:txEl>
+                                              <p:pRg st="6" end="6"/>
+                                            </p:txEl>
+                                          </p:spTgt>
+                                        </p:tgtEl>
+                                        <p:attrNameLst>
+                                          <p:attrName>style.visibility</p:attrName>
+                                        </p:attrNameLst>
+                                      </p:cBhvr>
+                                      <p:to>
+                                        <p:strVal val="visible"/>
+                                      </p:to>
+                                    </p:set>
+                                  </p:childTnLst>
+                                </p:cTn>
+                              </p:par>
+                            </p:childTnLst>
+                          </p:cTn>
+                        </p:par>
+                      </p:childTnLst>
+                    </p:cTn>
+                  </p:par>
+                  <p:par>
+                    <p:cTn id="52" fill="hold">
+                      <p:stCondLst>
+                        <p:cond delay="indefinite"/>
+                      </p:stCondLst>
+                      <p:childTnLst>
+                        <p:par>
+                          <p:cTn id="53" fill="hold">
+                            <p:stCondLst>
+                              <p:cond delay="0"/>
+                            </p:stCondLst>
+                            <p:childTnLst>
+                              <p:par>
+                                <p:cTn id="54" presetID="1" presetClass="entr" presetSubtype="0" fill="hold" grpId="0" nodeType="clickEffect">
+                                  <p:stCondLst>
+                                    <p:cond delay="0"/>
+                                  </p:stCondLst>
+                                  <p:childTnLst>
+                                    <p:set>
+                                      <p:cBhvr>
+                                        <p:cTn id="55" dur="1" fill="hold">
+                                          <p:stCondLst>
+                                            <p:cond delay="0"/>
+                                          </p:stCondLst>
+                                        </p:cTn>
+                                        <p:tgtEl>
+                                          <p:spTgt spid="10">
+                                            <p:txEl>
+                                              <p:pRg st="7" end="7"/>
+                                            </p:txEl>
+                                          </p:spTgt>
+                                        </p:tgtEl>
+                                        <p:attrNameLst>
+                                          <p:attrName>style.visibility</p:attrName>
+                                        </p:attrNameLst>
+                                      </p:cBhvr>
+                                      <p:to>
+                                        <p:strVal val="visible"/>
+                                      </p:to>
+                                    </p:set>
+                                  </p:childTnLst>
+                                </p:cTn>
+                              </p:par>
+                            </p:childTnLst>
+                          </p:cTn>
+                        </p:par>
+                      </p:childTnLst>
+                    </p:cTn>
+                  </p:par>
+                  <p:par>
+                    <p:cTn id="56" fill="hold">
+                      <p:stCondLst>
+                        <p:cond delay="indefinite"/>
+                      </p:stCondLst>
+                      <p:childTnLst>
+                        <p:par>
+                          <p:cTn id="57" fill="hold">
+                            <p:stCondLst>
+                              <p:cond delay="0"/>
+                            </p:stCondLst>
+                            <p:childTnLst>
+                              <p:par>
+                                <p:cTn id="58" presetID="1" presetClass="entr" presetSubtype="0" fill="hold" grpId="0" nodeType="clickEffect">
+                                  <p:stCondLst>
+                                    <p:cond delay="0"/>
+                                  </p:stCondLst>
+                                  <p:childTnLst>
+                                    <p:set>
+                                      <p:cBhvr>
+                                        <p:cTn id="59" dur="1" fill="hold">
+                                          <p:stCondLst>
+                                            <p:cond delay="0"/>
+                                          </p:stCondLst>
+                                        </p:cTn>
+                                        <p:tgtEl>
+                                          <p:spTgt spid="10">
+                                            <p:txEl>
+                                              <p:pRg st="8" end="8"/>
+                                            </p:txEl>
+                                          </p:spTgt>
+                                        </p:tgtEl>
+                                        <p:attrNameLst>
+                                          <p:attrName>style.visibility</p:attrName>
+                                        </p:attrNameLst>
+                                      </p:cBhvr>
+                                      <p:to>
+                                        <p:strVal val="visible"/>
+                                      </p:to>
+                                    </p:set>
+                                  </p:childTnLst>
+                                </p:cTn>
+                              </p:par>
+                            </p:childTnLst>
+                          </p:cTn>
+                        </p:par>
+                      </p:childTnLst>
+                    </p:cTn>
+                  </p:par>
+                  <p:par>
+                    <p:cTn id="60" fill="hold">
+                      <p:stCondLst>
+                        <p:cond delay="indefinite"/>
+                      </p:stCondLst>
+                      <p:childTnLst>
+                        <p:par>
+                          <p:cTn id="61" fill="hold">
+                            <p:stCondLst>
+                              <p:cond delay="0"/>
+                            </p:stCondLst>
+                            <p:childTnLst>
+                              <p:par>
+                                <p:cTn id="62" presetID="1" presetClass="entr" presetSubtype="0" fill="hold" nodeType="clickEffect">
+                                  <p:stCondLst>
+                                    <p:cond delay="0"/>
+                                  </p:stCondLst>
+                                  <p:childTnLst>
+                                    <p:set>
+                                      <p:cBhvr>
+                                        <p:cTn id="63" dur="1" fill="hold">
+                                          <p:stCondLst>
+                                            <p:cond delay="0"/>
+                                          </p:stCondLst>
+                                        </p:cTn>
+                                        <p:tgtEl>
+                                          <p:spTgt spid="17"/>
+                                        </p:tgtEl>
+                                        <p:attrNameLst>
+                                          <p:attrName>style.visibility</p:attrName>
+                                        </p:attrNameLst>
+                                      </p:cBhvr>
+                                      <p:to>
+                                        <p:strVal val="visible"/>
+                                      </p:to>
+                                    </p:set>
+                                  </p:childTnLst>
+                                </p:cTn>
+                              </p:par>
+                            </p:childTnLst>
+                          </p:cTn>
+                        </p:par>
+                      </p:childTnLst>
+                    </p:cTn>
+                  </p:par>
+                  <p:par>
+                    <p:cTn id="64" fill="hold">
+                      <p:stCondLst>
+                        <p:cond delay="indefinite"/>
+                      </p:stCondLst>
+                      <p:childTnLst>
+                        <p:par>
+                          <p:cTn id="65" fill="hold">
+                            <p:stCondLst>
+                              <p:cond delay="0"/>
+                            </p:stCondLst>
+                            <p:childTnLst>
+                              <p:par>
+                                <p:cTn id="66" presetID="22" presetClass="entr" presetSubtype="1" fill="hold" nodeType="clickEffect">
+                                  <p:stCondLst>
+                                    <p:cond delay="0"/>
+                                  </p:stCondLst>
+                                  <p:childTnLst>
+                                    <p:set>
+                                      <p:cBhvr>
+                                        <p:cTn id="67" dur="1" fill="hold">
+                                          <p:stCondLst>
+                                            <p:cond delay="0"/>
+                                          </p:stCondLst>
+                                        </p:cTn>
+                                        <p:tgtEl>
+                                          <p:spTgt spid="22"/>
+                                        </p:tgtEl>
+                                        <p:attrNameLst>
+                                          <p:attrName>style.visibility</p:attrName>
+                                        </p:attrNameLst>
+                                      </p:cBhvr>
+                                      <p:to>
+                                        <p:strVal val="visible"/>
+                                      </p:to>
+                                    </p:set>
+                                    <p:animEffect transition="in" filter="wipe(up)">
+                                      <p:cBhvr>
+                                        <p:cTn id="68" dur="500"/>
+                                        <p:tgtEl>
+                                          <p:spTgt spid="22"/>
+                                        </p:tgtEl>
+                                      </p:cBhvr>
+                                    </p:animEffect>
+                                  </p:childTnLst>
+                                </p:cTn>
+                              </p:par>
+                            </p:childTnLst>
+                          </p:cTn>
+                        </p:par>
+                      </p:childTnLst>
+                    </p:cTn>
+                  </p:par>
+                  <p:par>
+                    <p:cTn id="69" fill="hold">
+                      <p:stCondLst>
+                        <p:cond delay="indefinite"/>
+                      </p:stCondLst>
+                      <p:childTnLst>
+                        <p:par>
+                          <p:cTn id="70" fill="hold">
+                            <p:stCondLst>
+                              <p:cond delay="0"/>
+                            </p:stCondLst>
+                            <p:childTnLst>
+                              <p:par>
+                                <p:cTn id="71" presetID="16" presetClass="entr" presetSubtype="37" fill="hold" grpId="0" nodeType="clickEffect">
+                                  <p:stCondLst>
+                                    <p:cond delay="0"/>
+                                  </p:stCondLst>
+                                  <p:childTnLst>
+                                    <p:set>
+                                      <p:cBhvr>
+                                        <p:cTn id="72" dur="1" fill="hold">
+                                          <p:stCondLst>
+                                            <p:cond delay="0"/>
+                                          </p:stCondLst>
+                                        </p:cTn>
+                                        <p:tgtEl>
+                                          <p:spTgt spid="12"/>
+                                        </p:tgtEl>
+                                        <p:attrNameLst>
+                                          <p:attrName>style.visibility</p:attrName>
+                                        </p:attrNameLst>
+                                      </p:cBhvr>
+                                      <p:to>
+                                        <p:strVal val="visible"/>
+                                      </p:to>
+                                    </p:set>
+                                    <p:animEffect transition="in" filter="barn(outVertical)">
+                                      <p:cBhvr>
+                                        <p:cTn id="73" dur="500"/>
+                                        <p:tgtEl>
+                                          <p:spTgt spid="12"/>
+                                        </p:tgtEl>
+                                      </p:cBhvr>
+                                    </p:animEffect>
+                                  </p:childTnLst>
+                                </p:cTn>
+                              </p:par>
+                            </p:childTnLst>
+                          </p:cTn>
+                        </p:par>
+                        <p:par>
+                          <p:cTn id="74" fill="hold">
+                            <p:stCondLst>
+                              <p:cond delay="500"/>
+                            </p:stCondLst>
+                            <p:childTnLst>
+                              <p:par>
+                                <p:cTn id="75" presetID="16" presetClass="entr" presetSubtype="37" fill="hold" nodeType="afterEffect">
+                                  <p:stCondLst>
+                                    <p:cond delay="0"/>
+                                  </p:stCondLst>
+                                  <p:childTnLst>
+                                    <p:set>
+                                      <p:cBhvr>
+                                        <p:cTn id="76" dur="1" fill="hold">
+                                          <p:stCondLst>
+                                            <p:cond delay="0"/>
+                                          </p:stCondLst>
+                                        </p:cTn>
+                                        <p:tgtEl>
+                                          <p:spTgt spid="25"/>
+                                        </p:tgtEl>
+                                        <p:attrNameLst>
+                                          <p:attrName>style.visibility</p:attrName>
+                                        </p:attrNameLst>
+                                      </p:cBhvr>
+                                      <p:to>
+                                        <p:strVal val="visible"/>
+                                      </p:to>
+                                    </p:set>
+                                    <p:animEffect transition="in" filter="barn(outVertical)">
+                                      <p:cBhvr>
+                                        <p:cTn id="77" dur="500"/>
+                                        <p:tgtEl>
+                                          <p:spTgt spid="25"/>
+                                        </p:tgtEl>
+                                      </p:cBhvr>
+                                    </p:animEffect>
+                                  </p:childTnLst>
+                                </p:cTn>
+                              </p:par>
+                            </p:childTnLst>
+                          </p:cTn>
+                        </p:par>
+                      </p:childTnLst>
+                    </p:cTn>
+                  </p:par>
+                  <p:par>
+                    <p:cTn id="78" fill="hold">
+                      <p:stCondLst>
+                        <p:cond delay="indefinite"/>
+                      </p:stCondLst>
+                      <p:childTnLst>
+                        <p:par>
+                          <p:cTn id="79" fill="hold">
+                            <p:stCondLst>
+                              <p:cond delay="0"/>
+                            </p:stCondLst>
+                            <p:childTnLst>
+                              <p:par>
+                                <p:cTn id="80" presetID="1" presetClass="entr" presetSubtype="0" fill="hold" grpId="0" nodeType="clickEffect">
+                                  <p:stCondLst>
+                                    <p:cond delay="0"/>
+                                  </p:stCondLst>
+                                  <p:childTnLst>
+                                    <p:set>
+                                      <p:cBhvr>
+                                        <p:cTn id="81" dur="1" fill="hold">
+                                          <p:stCondLst>
+                                            <p:cond delay="0"/>
+                                          </p:stCondLst>
+                                        </p:cTn>
+                                        <p:tgtEl>
+                                          <p:spTgt spid="10">
+                                            <p:txEl>
+                                              <p:pRg st="10" end="10"/>
+                                            </p:txEl>
+                                          </p:spTgt>
+                                        </p:tgtEl>
+                                        <p:attrNameLst>
+                                          <p:attrName>style.visibility</p:attrName>
+                                        </p:attrNameLst>
+                                      </p:cBhvr>
+                                      <p:to>
+                                        <p:strVal val="visible"/>
+                                      </p:to>
+                                    </p:set>
+                                  </p:childTnLst>
+                                </p:cTn>
+                              </p:par>
+                            </p:childTnLst>
+                          </p:cTn>
+                        </p:par>
+                      </p:childTnLst>
+                    </p:cTn>
+                  </p:par>
+                  <p:par>
+                    <p:cTn id="82" fill="hold">
+                      <p:stCondLst>
+                        <p:cond delay="indefinite"/>
+                      </p:stCondLst>
+                      <p:childTnLst>
+                        <p:par>
+                          <p:cTn id="83" fill="hold">
+                            <p:stCondLst>
+                              <p:cond delay="0"/>
+                            </p:stCondLst>
+                            <p:childTnLst>
+                              <p:par>
+                                <p:cTn id="84" presetID="1" presetClass="entr" presetSubtype="0" fill="hold" grpId="0" nodeType="clickEffect">
+                                  <p:stCondLst>
+                                    <p:cond delay="0"/>
+                                  </p:stCondLst>
+                                  <p:childTnLst>
+                                    <p:set>
+                                      <p:cBhvr>
+                                        <p:cTn id="85" dur="1" fill="hold">
+                                          <p:stCondLst>
+                                            <p:cond delay="0"/>
+                                          </p:stCondLst>
+                                        </p:cTn>
+                                        <p:tgtEl>
+                                          <p:spTgt spid="10">
+                                            <p:txEl>
+                                              <p:pRg st="11" end="11"/>
+                                            </p:txEl>
+                                          </p:spTgt>
+                                        </p:tgtEl>
+                                        <p:attrNameLst>
+                                          <p:attrName>style.visibility</p:attrName>
+                                        </p:attrNameLst>
+                                      </p:cBhvr>
+                                      <p:to>
+                                        <p:strVal val="visible"/>
+                                      </p:to>
+                                    </p:set>
+                                  </p:childTnLst>
+                                </p:cTn>
+                              </p:par>
+                            </p:childTnLst>
+                          </p:cTn>
+                        </p:par>
+                      </p:childTnLst>
+                    </p:cTn>
+                  </p:par>
+                  <p:par>
+                    <p:cTn id="86" fill="hold">
+                      <p:stCondLst>
+                        <p:cond delay="indefinite"/>
+                      </p:stCondLst>
+                      <p:childTnLst>
+                        <p:par>
+                          <p:cTn id="87" fill="hold">
+                            <p:stCondLst>
+                              <p:cond delay="0"/>
+                            </p:stCondLst>
+                            <p:childTnLst>
+                              <p:par>
+                                <p:cTn id="88" presetID="1" presetClass="entr" presetSubtype="0" fill="hold" grpId="0" nodeType="clickEffect">
+                                  <p:stCondLst>
+                                    <p:cond delay="0"/>
+                                  </p:stCondLst>
+                                  <p:childTnLst>
+                                    <p:set>
+                                      <p:cBhvr>
+                                        <p:cTn id="89" dur="1" fill="hold">
+                                          <p:stCondLst>
+                                            <p:cond delay="0"/>
+                                          </p:stCondLst>
+                                        </p:cTn>
+                                        <p:tgtEl>
+                                          <p:spTgt spid="10">
+                                            <p:txEl>
+                                              <p:pRg st="12" end="12"/>
+                                            </p:txEl>
+                                          </p:spTgt>
+                                        </p:tgtEl>
+                                        <p:attrNameLst>
+                                          <p:attrName>style.visibility</p:attrName>
+                                        </p:attrNameLst>
+                                      </p:cBhvr>
+                                      <p:to>
+                                        <p:strVal val="visible"/>
+                                      </p:to>
+                                    </p:set>
+                                  </p:childTnLst>
+                                </p:cTn>
+                              </p:par>
+                              <p:par>
+                                <p:cTn id="90" presetID="10" presetClass="entr" presetSubtype="0" fill="hold" grpId="0" nodeType="withEffect">
+                                  <p:stCondLst>
+                                    <p:cond delay="0"/>
+                                  </p:stCondLst>
+                                  <p:childTnLst>
+                                    <p:set>
+                                      <p:cBhvr>
+                                        <p:cTn id="91" dur="1" fill="hold">
+                                          <p:stCondLst>
+                                            <p:cond delay="0"/>
+                                          </p:stCondLst>
+                                        </p:cTn>
+                                        <p:tgtEl>
+                                          <p:spTgt spid="13"/>
+                                        </p:tgtEl>
+                                        <p:attrNameLst>
+                                          <p:attrName>style.visibility</p:attrName>
+                                        </p:attrNameLst>
+                                      </p:cBhvr>
+                                      <p:to>
+                                        <p:strVal val="visible"/>
+                                      </p:to>
+                                    </p:set>
+                                    <p:animEffect transition="in" filter="fade">
+                                      <p:cBhvr>
+                                        <p:cTn id="92" dur="500"/>
+                                        <p:tgtEl>
+                                          <p:spTgt spid="13"/>
+                                        </p:tgtEl>
+                                      </p:cBhvr>
+                                    </p:animEffect>
+                                  </p:childTnLst>
+                                </p:cTn>
+                              </p:par>
+                            </p:childTnLst>
+                          </p:cTn>
+                        </p:par>
+                      </p:childTnLst>
+                    </p:cTn>
+                  </p:par>
+                  <p:par>
+                    <p:cTn id="93" fill="hold">
+                      <p:stCondLst>
+                        <p:cond delay="indefinite"/>
+                      </p:stCondLst>
+                      <p:childTnLst>
+                        <p:par>
+                          <p:cTn id="94" fill="hold">
+                            <p:stCondLst>
+                              <p:cond delay="0"/>
+                            </p:stCondLst>
+                            <p:childTnLst>
+                              <p:par>
+                                <p:cTn id="95" presetID="1" presetClass="entr" presetSubtype="0" fill="hold" grpId="0" nodeType="clickEffect">
+                                  <p:stCondLst>
+                                    <p:cond delay="0"/>
+                                  </p:stCondLst>
+                                  <p:childTnLst>
+                                    <p:set>
+                                      <p:cBhvr>
+                                        <p:cTn id="96" dur="1" fill="hold">
+                                          <p:stCondLst>
+                                            <p:cond delay="0"/>
+                                          </p:stCondLst>
+                                        </p:cTn>
+                                        <p:tgtEl>
+                                          <p:spTgt spid="10">
+                                            <p:txEl>
+                                              <p:pRg st="13" end="13"/>
+                                            </p:txEl>
+                                          </p:spTgt>
+                                        </p:tgtEl>
+                                        <p:attrNameLst>
+                                          <p:attrName>style.visibility</p:attrName>
+                                        </p:attrNameLst>
+                                      </p:cBhvr>
+                                      <p:to>
+                                        <p:strVal val="visible"/>
+                                      </p:to>
+                                    </p:set>
+                                  </p:childTnLst>
+                                </p:cTn>
+                              </p:par>
+                            </p:childTnLst>
+                          </p:cTn>
+                        </p:par>
+                      </p:childTnLst>
+                    </p:cTn>
+                  </p:par>
+                  <p:par>
+                    <p:cTn id="97" fill="hold">
+                      <p:stCondLst>
+                        <p:cond delay="indefinite"/>
+                      </p:stCondLst>
+                      <p:childTnLst>
+                        <p:par>
+                          <p:cTn id="98" fill="hold">
+                            <p:stCondLst>
+                              <p:cond delay="0"/>
+                            </p:stCondLst>
+                            <p:childTnLst>
+                              <p:par>
+                                <p:cTn id="99" presetID="1" presetClass="entr" presetSubtype="0" fill="hold" grpId="0" nodeType="clickEffect">
+                                  <p:stCondLst>
+                                    <p:cond delay="0"/>
+                                  </p:stCondLst>
+                                  <p:childTnLst>
+                                    <p:set>
+                                      <p:cBhvr>
+                                        <p:cTn id="100" dur="1" fill="hold">
+                                          <p:stCondLst>
+                                            <p:cond delay="0"/>
+                                          </p:stCondLst>
+                                        </p:cTn>
+                                        <p:tgtEl>
+                                          <p:spTgt spid="10">
+                                            <p:txEl>
+                                              <p:pRg st="14" end="14"/>
+                                            </p:txEl>
+                                          </p:spTgt>
+                                        </p:tgtEl>
+                                        <p:attrNameLst>
+                                          <p:attrName>style.visibility</p:attrName>
+                                        </p:attrNameLst>
+                                      </p:cBhvr>
+                                      <p:to>
+                                        <p:strVal val="visible"/>
+                                      </p:to>
+                                    </p:set>
+                                  </p:childTnLst>
+                                </p:cTn>
+                              </p:par>
+                              <p:par>
+                                <p:cTn id="101" presetID="10" presetClass="entr" presetSubtype="0" fill="hold" grpId="0" nodeType="withEffect">
+                                  <p:stCondLst>
+                                    <p:cond delay="0"/>
+                                  </p:stCondLst>
+                                  <p:childTnLst>
+                                    <p:set>
+                                      <p:cBhvr>
+                                        <p:cTn id="102" dur="1" fill="hold">
+                                          <p:stCondLst>
+                                            <p:cond delay="0"/>
+                                          </p:stCondLst>
+                                        </p:cTn>
+                                        <p:tgtEl>
+                                          <p:spTgt spid="15"/>
+                                        </p:tgtEl>
+                                        <p:attrNameLst>
+                                          <p:attrName>style.visibility</p:attrName>
+                                        </p:attrNameLst>
+                                      </p:cBhvr>
+                                      <p:to>
+                                        <p:strVal val="visible"/>
+                                      </p:to>
+                                    </p:set>
+                                    <p:animEffect transition="in" filter="fade">
+                                      <p:cBhvr>
+                                        <p:cTn id="103" dur="500"/>
+                                        <p:tgtEl>
+                                          <p:spTgt spid="15"/>
+                                        </p:tgtEl>
+                                      </p:cBhvr>
+                                    </p:animEffect>
+                                  </p:childTnLst>
+                                </p:cTn>
+                              </p:par>
+                            </p:childTnLst>
+                          </p:cTn>
+                        </p:par>
+                      </p:childTnLst>
+                    </p:cTn>
+                  </p:par>
+                  <p:par>
+                    <p:cTn id="104" fill="hold">
+                      <p:stCondLst>
+                        <p:cond delay="indefinite"/>
+                      </p:stCondLst>
+                      <p:childTnLst>
+                        <p:par>
+                          <p:cTn id="105" fill="hold">
+                            <p:stCondLst>
+                              <p:cond delay="0"/>
+                            </p:stCondLst>
+                            <p:childTnLst>
+                              <p:par>
+                                <p:cTn id="106" presetID="10" presetClass="entr" presetSubtype="0" fill="hold" grpId="0" nodeType="clickEffect">
+                                  <p:stCondLst>
+                                    <p:cond delay="0"/>
+                                  </p:stCondLst>
+                                  <p:childTnLst>
+                                    <p:set>
+                                      <p:cBhvr>
+                                        <p:cTn id="107" dur="1" fill="hold">
                                           <p:stCondLst>
                                             <p:cond delay="0"/>
                                           </p:stCondLst>
@@ -20412,12 +21350,61 @@
                                     </p:set>
                                     <p:animEffect transition="in" filter="fade">
                                       <p:cBhvr>
-                                        <p:cTn id="52" dur="500"/>
+                                        <p:cTn id="108" dur="500"/>
                                         <p:tgtEl>
                                           <p:spTgt spid="6"/>
                                         </p:tgtEl>
                                       </p:cBhvr>
                                     </p:animEffect>
+                                  </p:childTnLst>
+                                </p:cTn>
+                              </p:par>
+                            </p:childTnLst>
+                          </p:cTn>
+                        </p:par>
+                      </p:childTnLst>
+                    </p:cTn>
+                  </p:par>
+                  <p:par>
+                    <p:cTn id="109" fill="hold">
+                      <p:stCondLst>
+                        <p:cond delay="indefinite"/>
+                      </p:stCondLst>
+                      <p:childTnLst>
+                        <p:par>
+                          <p:cTn id="110" fill="hold">
+                            <p:stCondLst>
+                              <p:cond delay="0"/>
+                            </p:stCondLst>
+                            <p:childTnLst>
+                              <p:par>
+                                <p:cTn id="111" presetID="1" presetClass="entr" presetSubtype="0" fill="hold" grpId="0" nodeType="clickEffect">
+                                  <p:stCondLst>
+                                    <p:cond delay="0"/>
+                                  </p:stCondLst>
+                                  <p:childTnLst>
+                                    <p:set>
+                                      <p:cBhvr>
+                                        <p:cTn id="112" dur="1" fill="hold">
+                                          <p:stCondLst>
+                                            <p:cond delay="0"/>
+                                          </p:stCondLst>
+                                        </p:cTn>
+                                        <p:tgtEl>
+                                          <p:spTgt spid="10">
+                                            <p:txEl>
+                                              <p:pRg st="15" end="15"/>
+                                            </p:txEl>
+                                          </p:spTgt>
+                                        </p:tgtEl>
+                                        <p:attrNameLst>
+                                          <p:attrName>style.visibility</p:attrName>
+                                        </p:attrNameLst>
+                                      </p:cBhvr>
+                                      <p:to>
+                                        <p:strVal val="visible"/>
+                                      </p:to>
+                                    </p:set>
                                   </p:childTnLst>
                                 </p:cTn>
                               </p:par>
@@ -20453,6 +21440,7 @@
       <p:bldP spid="13" grpId="0" animBg="1"/>
       <p:bldP spid="15" grpId="0" animBg="1"/>
       <p:bldP spid="5" grpId="0" animBg="1"/>
+      <p:bldP spid="10" grpId="0" uiExpand="1" build="p"/>
       <p:bldP spid="8" grpId="0" animBg="1"/>
       <p:bldP spid="11" grpId="0" animBg="1"/>
       <p:bldP spid="12" grpId="0" animBg="1"/>

--- a/slides/00-x-Flowcharts-to-code.pptx
+++ b/slides/00-x-Flowcharts-to-code.pptx
@@ -14,10 +14,11 @@
     <p:sldId id="260" r:id="rId8"/>
     <p:sldId id="263" r:id="rId9"/>
     <p:sldId id="264" r:id="rId10"/>
-    <p:sldId id="266" r:id="rId11"/>
-    <p:sldId id="268" r:id="rId12"/>
-    <p:sldId id="267" r:id="rId13"/>
-    <p:sldId id="265" r:id="rId14"/>
+    <p:sldId id="269" r:id="rId11"/>
+    <p:sldId id="266" r:id="rId12"/>
+    <p:sldId id="268" r:id="rId13"/>
+    <p:sldId id="267" r:id="rId14"/>
+    <p:sldId id="265" r:id="rId15"/>
   </p:sldIdLst>
   <p:sldSz cx="12192000" cy="6858000"/>
   <p:notesSz cx="6858000" cy="9144000"/>
@@ -130,6 +131,7 @@
             <p14:sldId id="260"/>
             <p14:sldId id="263"/>
             <p14:sldId id="264"/>
+            <p14:sldId id="269"/>
             <p14:sldId id="266"/>
           </p14:sldIdLst>
         </p14:section>
@@ -153,8 +155,8 @@
 <pc:chgInfo xmlns:a="http://schemas.openxmlformats.org/drawingml/2006/main" xmlns:r="http://schemas.openxmlformats.org/officeDocument/2006/relationships" xmlns:ac="http://schemas.microsoft.com/office/drawing/2013/main/command" xmlns:pc="http://schemas.microsoft.com/office/powerpoint/2013/main/command">
   <pc:docChgLst>
     <pc:chgData name="Badrinath R" userId="155a43e7-1f5f-414f-9bca-c8a1af989a19" providerId="ADAL" clId="{89DAD32D-81BC-409C-9D7C-795C59BEF938}"/>
-    <pc:docChg chg="undo custSel modSld">
-      <pc:chgData name="Badrinath R" userId="155a43e7-1f5f-414f-9bca-c8a1af989a19" providerId="ADAL" clId="{89DAD32D-81BC-409C-9D7C-795C59BEF938}" dt="2025-06-28T10:22:37.816" v="509" actId="20577"/>
+    <pc:docChg chg="undo custSel addSld modSld">
+      <pc:chgData name="Badrinath R" userId="155a43e7-1f5f-414f-9bca-c8a1af989a19" providerId="ADAL" clId="{89DAD32D-81BC-409C-9D7C-795C59BEF938}" dt="2025-07-14T11:09:29.899" v="1078" actId="20577"/>
       <pc:docMkLst>
         <pc:docMk/>
       </pc:docMkLst>
@@ -283,7 +285,7 @@
         </pc:cxnChg>
       </pc:sldChg>
       <pc:sldChg chg="addSp delSp modSp mod modAnim">
-        <pc:chgData name="Badrinath R" userId="155a43e7-1f5f-414f-9bca-c8a1af989a19" providerId="ADAL" clId="{89DAD32D-81BC-409C-9D7C-795C59BEF938}" dt="2025-06-28T10:22:37.816" v="509" actId="20577"/>
+        <pc:chgData name="Badrinath R" userId="155a43e7-1f5f-414f-9bca-c8a1af989a19" providerId="ADAL" clId="{89DAD32D-81BC-409C-9D7C-795C59BEF938}" dt="2025-07-09T06:54:37.900" v="591"/>
         <pc:sldMkLst>
           <pc:docMk/>
           <pc:sldMk cId="874824401" sldId="264"/>
@@ -305,7 +307,7 @@
           </ac:spMkLst>
         </pc:spChg>
         <pc:spChg chg="mod">
-          <ac:chgData name="Badrinath R" userId="155a43e7-1f5f-414f-9bca-c8a1af989a19" providerId="ADAL" clId="{89DAD32D-81BC-409C-9D7C-795C59BEF938}" dt="2025-06-28T10:22:23.705" v="501"/>
+          <ac:chgData name="Badrinath R" userId="155a43e7-1f5f-414f-9bca-c8a1af989a19" providerId="ADAL" clId="{89DAD32D-81BC-409C-9D7C-795C59BEF938}" dt="2025-07-09T06:50:32.543" v="567" actId="20577"/>
           <ac:spMkLst>
             <pc:docMk/>
             <pc:sldMk cId="874824401" sldId="264"/>
@@ -336,12 +338,36 @@
             <ac:spMk id="16" creationId="{AF02719C-1CEA-BDD6-F791-7A12A19D6A19}"/>
           </ac:spMkLst>
         </pc:spChg>
+        <pc:grpChg chg="add mod">
+          <ac:chgData name="Badrinath R" userId="155a43e7-1f5f-414f-9bca-c8a1af989a19" providerId="ADAL" clId="{89DAD32D-81BC-409C-9D7C-795C59BEF938}" dt="2025-07-09T06:52:12.268" v="578" actId="14100"/>
+          <ac:grpSpMkLst>
+            <pc:docMk/>
+            <pc:sldMk cId="874824401" sldId="264"/>
+            <ac:grpSpMk id="3" creationId="{2B8E4FFC-4FF0-7CD9-4EC0-24A93DEFA720}"/>
+          </ac:grpSpMkLst>
+        </pc:grpChg>
+        <pc:cxnChg chg="mod">
+          <ac:chgData name="Badrinath R" userId="155a43e7-1f5f-414f-9bca-c8a1af989a19" providerId="ADAL" clId="{89DAD32D-81BC-409C-9D7C-795C59BEF938}" dt="2025-07-09T06:52:29.133" v="580" actId="14100"/>
+          <ac:cxnSpMkLst>
+            <pc:docMk/>
+            <pc:sldMk cId="874824401" sldId="264"/>
+            <ac:cxnSpMk id="4" creationId="{02400338-ECB4-8AE5-650E-78014E361443}"/>
+          </ac:cxnSpMkLst>
+        </pc:cxnChg>
         <pc:cxnChg chg="add del">
           <ac:chgData name="Badrinath R" userId="155a43e7-1f5f-414f-9bca-c8a1af989a19" providerId="ADAL" clId="{89DAD32D-81BC-409C-9D7C-795C59BEF938}" dt="2025-06-28T09:59:25.561" v="25" actId="11529"/>
           <ac:cxnSpMkLst>
             <pc:docMk/>
             <pc:sldMk cId="874824401" sldId="264"/>
             <ac:cxnSpMk id="4" creationId="{79F90E4D-DFEB-D30A-4F04-F1DA7F1828A6}"/>
+          </ac:cxnSpMkLst>
+        </pc:cxnChg>
+        <pc:cxnChg chg="mod">
+          <ac:chgData name="Badrinath R" userId="155a43e7-1f5f-414f-9bca-c8a1af989a19" providerId="ADAL" clId="{89DAD32D-81BC-409C-9D7C-795C59BEF938}" dt="2025-07-09T06:52:47.717" v="584" actId="14100"/>
+          <ac:cxnSpMkLst>
+            <pc:docMk/>
+            <pc:sldMk cId="874824401" sldId="264"/>
+            <ac:cxnSpMk id="7" creationId="{2E48799D-F4A9-41FB-C675-24A90B43C48F}"/>
           </ac:cxnSpMkLst>
         </pc:cxnChg>
         <pc:cxnChg chg="add mod">
@@ -358,6 +384,324 @@
             <pc:docMk/>
             <pc:sldMk cId="874824401" sldId="264"/>
             <ac:cxnSpMk id="17" creationId="{15BA65B9-00E1-3889-28F0-952E54A4DCB1}"/>
+          </ac:cxnSpMkLst>
+        </pc:cxnChg>
+        <pc:cxnChg chg="add">
+          <ac:chgData name="Badrinath R" userId="155a43e7-1f5f-414f-9bca-c8a1af989a19" providerId="ADAL" clId="{89DAD32D-81BC-409C-9D7C-795C59BEF938}" dt="2025-07-09T06:52:59.178" v="585" actId="11529"/>
+          <ac:cxnSpMkLst>
+            <pc:docMk/>
+            <pc:sldMk cId="874824401" sldId="264"/>
+            <ac:cxnSpMk id="33" creationId="{FB3EAFBF-14E7-6392-A8EE-636ED7EEECDF}"/>
+          </ac:cxnSpMkLst>
+        </pc:cxnChg>
+      </pc:sldChg>
+      <pc:sldChg chg="modSp">
+        <pc:chgData name="Badrinath R" userId="155a43e7-1f5f-414f-9bca-c8a1af989a19" providerId="ADAL" clId="{89DAD32D-81BC-409C-9D7C-795C59BEF938}" dt="2025-07-14T11:09:29.899" v="1078" actId="20577"/>
+        <pc:sldMkLst>
+          <pc:docMk/>
+          <pc:sldMk cId="3512481529" sldId="267"/>
+        </pc:sldMkLst>
+        <pc:spChg chg="mod">
+          <ac:chgData name="Badrinath R" userId="155a43e7-1f5f-414f-9bca-c8a1af989a19" providerId="ADAL" clId="{89DAD32D-81BC-409C-9D7C-795C59BEF938}" dt="2025-07-14T11:09:29.899" v="1078" actId="20577"/>
+          <ac:spMkLst>
+            <pc:docMk/>
+            <pc:sldMk cId="3512481529" sldId="267"/>
+            <ac:spMk id="19" creationId="{061710DA-49D8-6828-773B-971BE742C2F8}"/>
+          </ac:spMkLst>
+        </pc:spChg>
+      </pc:sldChg>
+      <pc:sldChg chg="addSp delSp modSp add mod modAnim">
+        <pc:chgData name="Badrinath R" userId="155a43e7-1f5f-414f-9bca-c8a1af989a19" providerId="ADAL" clId="{89DAD32D-81BC-409C-9D7C-795C59BEF938}" dt="2025-07-09T11:53:34.254" v="1075" actId="20577"/>
+        <pc:sldMkLst>
+          <pc:docMk/>
+          <pc:sldMk cId="1571259116" sldId="269"/>
+        </pc:sldMkLst>
+        <pc:spChg chg="mod topLvl">
+          <ac:chgData name="Badrinath R" userId="155a43e7-1f5f-414f-9bca-c8a1af989a19" providerId="ADAL" clId="{89DAD32D-81BC-409C-9D7C-795C59BEF938}" dt="2025-07-09T07:54:19.799" v="1017" actId="165"/>
+          <ac:spMkLst>
+            <pc:docMk/>
+            <pc:sldMk cId="1571259116" sldId="269"/>
+            <ac:spMk id="6" creationId="{D3CED481-CC6C-952C-3DCA-5AF5A5399117}"/>
+          </ac:spMkLst>
+        </pc:spChg>
+        <pc:spChg chg="mod">
+          <ac:chgData name="Badrinath R" userId="155a43e7-1f5f-414f-9bca-c8a1af989a19" providerId="ADAL" clId="{89DAD32D-81BC-409C-9D7C-795C59BEF938}" dt="2025-07-09T07:36:57.988" v="686" actId="1076"/>
+          <ac:spMkLst>
+            <pc:docMk/>
+            <pc:sldMk cId="1571259116" sldId="269"/>
+            <ac:spMk id="10" creationId="{343B7A1A-3840-189C-A408-39AD8859A14B}"/>
+          </ac:spMkLst>
+        </pc:spChg>
+        <pc:spChg chg="add mod">
+          <ac:chgData name="Badrinath R" userId="155a43e7-1f5f-414f-9bca-c8a1af989a19" providerId="ADAL" clId="{89DAD32D-81BC-409C-9D7C-795C59BEF938}" dt="2025-07-09T11:53:34.254" v="1075" actId="20577"/>
+          <ac:spMkLst>
+            <pc:docMk/>
+            <pc:sldMk cId="1571259116" sldId="269"/>
+            <ac:spMk id="14" creationId="{789D8256-D4E3-E4A5-AF47-B2DB11DC5CFB}"/>
+          </ac:spMkLst>
+        </pc:spChg>
+        <pc:spChg chg="add del mod">
+          <ac:chgData name="Badrinath R" userId="155a43e7-1f5f-414f-9bca-c8a1af989a19" providerId="ADAL" clId="{89DAD32D-81BC-409C-9D7C-795C59BEF938}" dt="2025-07-09T07:32:01.141" v="600" actId="478"/>
+          <ac:spMkLst>
+            <pc:docMk/>
+            <pc:sldMk cId="1571259116" sldId="269"/>
+            <ac:spMk id="14" creationId="{BDEAF1AA-AE1F-4371-205B-7C8FDF713346}"/>
+          </ac:spMkLst>
+        </pc:spChg>
+        <pc:spChg chg="del">
+          <ac:chgData name="Badrinath R" userId="155a43e7-1f5f-414f-9bca-c8a1af989a19" providerId="ADAL" clId="{89DAD32D-81BC-409C-9D7C-795C59BEF938}" dt="2025-07-09T07:30:51.538" v="594" actId="478"/>
+          <ac:spMkLst>
+            <pc:docMk/>
+            <pc:sldMk cId="1571259116" sldId="269"/>
+            <ac:spMk id="16" creationId="{AF02719C-1CEA-BDD6-F791-7A12A19D6A19}"/>
+          </ac:spMkLst>
+        </pc:spChg>
+        <pc:spChg chg="add mod">
+          <ac:chgData name="Badrinath R" userId="155a43e7-1f5f-414f-9bca-c8a1af989a19" providerId="ADAL" clId="{89DAD32D-81BC-409C-9D7C-795C59BEF938}" dt="2025-07-09T07:45:38.029" v="970" actId="164"/>
+          <ac:spMkLst>
+            <pc:docMk/>
+            <pc:sldMk cId="1571259116" sldId="269"/>
+            <ac:spMk id="18" creationId="{0FC3286C-D579-EFD3-9D47-A4466771EB5D}"/>
+          </ac:spMkLst>
+        </pc:spChg>
+        <pc:spChg chg="add mod">
+          <ac:chgData name="Badrinath R" userId="155a43e7-1f5f-414f-9bca-c8a1af989a19" providerId="ADAL" clId="{89DAD32D-81BC-409C-9D7C-795C59BEF938}" dt="2025-07-09T07:34:02.274" v="663" actId="1076"/>
+          <ac:spMkLst>
+            <pc:docMk/>
+            <pc:sldMk cId="1571259116" sldId="269"/>
+            <ac:spMk id="19" creationId="{9996A85C-ADF7-7BF6-9BD1-485248258F63}"/>
+          </ac:spMkLst>
+        </pc:spChg>
+        <pc:spChg chg="add mod">
+          <ac:chgData name="Badrinath R" userId="155a43e7-1f5f-414f-9bca-c8a1af989a19" providerId="ADAL" clId="{89DAD32D-81BC-409C-9D7C-795C59BEF938}" dt="2025-07-09T07:46:38.935" v="973" actId="164"/>
+          <ac:spMkLst>
+            <pc:docMk/>
+            <pc:sldMk cId="1571259116" sldId="269"/>
+            <ac:spMk id="23" creationId="{EFF4D315-60BF-EDE4-E195-E8761E9655C0}"/>
+          </ac:spMkLst>
+        </pc:spChg>
+        <pc:spChg chg="add del mod">
+          <ac:chgData name="Badrinath R" userId="155a43e7-1f5f-414f-9bca-c8a1af989a19" providerId="ADAL" clId="{89DAD32D-81BC-409C-9D7C-795C59BEF938}" dt="2025-07-09T07:36:51.282" v="683" actId="478"/>
+          <ac:spMkLst>
+            <pc:docMk/>
+            <pc:sldMk cId="1571259116" sldId="269"/>
+            <ac:spMk id="32" creationId="{24020136-6ADD-4D6E-0BE6-0E6F4EF29BD6}"/>
+          </ac:spMkLst>
+        </pc:spChg>
+        <pc:spChg chg="add mod">
+          <ac:chgData name="Badrinath R" userId="155a43e7-1f5f-414f-9bca-c8a1af989a19" providerId="ADAL" clId="{89DAD32D-81BC-409C-9D7C-795C59BEF938}" dt="2025-07-09T07:47:59.330" v="983" actId="164"/>
+          <ac:spMkLst>
+            <pc:docMk/>
+            <pc:sldMk cId="1571259116" sldId="269"/>
+            <ac:spMk id="34" creationId="{3A9CC5A5-114E-B8C1-73FE-7DBC124C1C89}"/>
+          </ac:spMkLst>
+        </pc:spChg>
+        <pc:spChg chg="add mod">
+          <ac:chgData name="Badrinath R" userId="155a43e7-1f5f-414f-9bca-c8a1af989a19" providerId="ADAL" clId="{89DAD32D-81BC-409C-9D7C-795C59BEF938}" dt="2025-07-09T07:39:03.544" v="797" actId="20577"/>
+          <ac:spMkLst>
+            <pc:docMk/>
+            <pc:sldMk cId="1571259116" sldId="269"/>
+            <ac:spMk id="35" creationId="{ACB6A37D-C5D6-50D7-0B5C-32BECBFF16FB}"/>
+          </ac:spMkLst>
+        </pc:spChg>
+        <pc:spChg chg="add mod">
+          <ac:chgData name="Badrinath R" userId="155a43e7-1f5f-414f-9bca-c8a1af989a19" providerId="ADAL" clId="{89DAD32D-81BC-409C-9D7C-795C59BEF938}" dt="2025-07-09T07:40:20.260" v="850" actId="1076"/>
+          <ac:spMkLst>
+            <pc:docMk/>
+            <pc:sldMk cId="1571259116" sldId="269"/>
+            <ac:spMk id="36" creationId="{F973D063-BAB6-B662-2FF3-286EE4854384}"/>
+          </ac:spMkLst>
+        </pc:spChg>
+        <pc:spChg chg="add mod">
+          <ac:chgData name="Badrinath R" userId="155a43e7-1f5f-414f-9bca-c8a1af989a19" providerId="ADAL" clId="{89DAD32D-81BC-409C-9D7C-795C59BEF938}" dt="2025-07-09T07:42:48.430" v="923" actId="1035"/>
+          <ac:spMkLst>
+            <pc:docMk/>
+            <pc:sldMk cId="1571259116" sldId="269"/>
+            <ac:spMk id="37" creationId="{5D28CC8C-B178-362D-FBEA-5718E80152BE}"/>
+          </ac:spMkLst>
+        </pc:spChg>
+        <pc:spChg chg="add mod">
+          <ac:chgData name="Badrinath R" userId="155a43e7-1f5f-414f-9bca-c8a1af989a19" providerId="ADAL" clId="{89DAD32D-81BC-409C-9D7C-795C59BEF938}" dt="2025-07-09T07:41:07.611" v="877" actId="113"/>
+          <ac:spMkLst>
+            <pc:docMk/>
+            <pc:sldMk cId="1571259116" sldId="269"/>
+            <ac:spMk id="38" creationId="{A209FC43-293C-A257-56B4-DF3A16922051}"/>
+          </ac:spMkLst>
+        </pc:spChg>
+        <pc:spChg chg="add del mod">
+          <ac:chgData name="Badrinath R" userId="155a43e7-1f5f-414f-9bca-c8a1af989a19" providerId="ADAL" clId="{89DAD32D-81BC-409C-9D7C-795C59BEF938}" dt="2025-07-09T07:41:20.544" v="880" actId="478"/>
+          <ac:spMkLst>
+            <pc:docMk/>
+            <pc:sldMk cId="1571259116" sldId="269"/>
+            <ac:spMk id="39" creationId="{AB0CAC86-9600-384C-5645-5ECD96733D40}"/>
+          </ac:spMkLst>
+        </pc:spChg>
+        <pc:spChg chg="add mod">
+          <ac:chgData name="Badrinath R" userId="155a43e7-1f5f-414f-9bca-c8a1af989a19" providerId="ADAL" clId="{89DAD32D-81BC-409C-9D7C-795C59BEF938}" dt="2025-07-09T07:51:44.890" v="1005" actId="164"/>
+          <ac:spMkLst>
+            <pc:docMk/>
+            <pc:sldMk cId="1571259116" sldId="269"/>
+            <ac:spMk id="40" creationId="{13E68470-FE62-99F2-AB5A-18B82C360D09}"/>
+          </ac:spMkLst>
+        </pc:spChg>
+        <pc:spChg chg="add mod">
+          <ac:chgData name="Badrinath R" userId="155a43e7-1f5f-414f-9bca-c8a1af989a19" providerId="ADAL" clId="{89DAD32D-81BC-409C-9D7C-795C59BEF938}" dt="2025-07-09T07:51:44.890" v="1005" actId="164"/>
+          <ac:spMkLst>
+            <pc:docMk/>
+            <pc:sldMk cId="1571259116" sldId="269"/>
+            <ac:spMk id="41" creationId="{7D912B97-9286-4B38-1F13-B7C25E261C3F}"/>
+          </ac:spMkLst>
+        </pc:spChg>
+        <pc:spChg chg="add mod">
+          <ac:chgData name="Badrinath R" userId="155a43e7-1f5f-414f-9bca-c8a1af989a19" providerId="ADAL" clId="{89DAD32D-81BC-409C-9D7C-795C59BEF938}" dt="2025-07-09T07:49:29.122" v="994" actId="164"/>
+          <ac:spMkLst>
+            <pc:docMk/>
+            <pc:sldMk cId="1571259116" sldId="269"/>
+            <ac:spMk id="42" creationId="{C0CDCCB4-BD01-1DDA-478A-F31DEF52E254}"/>
+          </ac:spMkLst>
+        </pc:spChg>
+        <pc:spChg chg="add mod">
+          <ac:chgData name="Badrinath R" userId="155a43e7-1f5f-414f-9bca-c8a1af989a19" providerId="ADAL" clId="{89DAD32D-81BC-409C-9D7C-795C59BEF938}" dt="2025-07-09T07:51:12.978" v="1002" actId="164"/>
+          <ac:spMkLst>
+            <pc:docMk/>
+            <pc:sldMk cId="1571259116" sldId="269"/>
+            <ac:spMk id="43" creationId="{68BD40BB-EB65-7FD5-0E56-D322F164CE8C}"/>
+          </ac:spMkLst>
+        </pc:spChg>
+        <pc:spChg chg="add mod topLvl">
+          <ac:chgData name="Badrinath R" userId="155a43e7-1f5f-414f-9bca-c8a1af989a19" providerId="ADAL" clId="{89DAD32D-81BC-409C-9D7C-795C59BEF938}" dt="2025-07-09T07:54:30.548" v="1018" actId="164"/>
+          <ac:spMkLst>
+            <pc:docMk/>
+            <pc:sldMk cId="1571259116" sldId="269"/>
+            <ac:spMk id="44" creationId="{02646393-C4F8-745E-0B4D-F41ACF394C1C}"/>
+          </ac:spMkLst>
+        </pc:spChg>
+        <pc:spChg chg="add del mod">
+          <ac:chgData name="Badrinath R" userId="155a43e7-1f5f-414f-9bca-c8a1af989a19" providerId="ADAL" clId="{89DAD32D-81BC-409C-9D7C-795C59BEF938}" dt="2025-07-09T07:44:10.212" v="965" actId="478"/>
+          <ac:spMkLst>
+            <pc:docMk/>
+            <pc:sldMk cId="1571259116" sldId="269"/>
+            <ac:spMk id="45" creationId="{DB65215F-D6DC-5245-2287-5C1E587244EA}"/>
+          </ac:spMkLst>
+        </pc:spChg>
+        <pc:spChg chg="add mod">
+          <ac:chgData name="Badrinath R" userId="155a43e7-1f5f-414f-9bca-c8a1af989a19" providerId="ADAL" clId="{89DAD32D-81BC-409C-9D7C-795C59BEF938}" dt="2025-07-09T07:45:38.029" v="970" actId="164"/>
+          <ac:spMkLst>
+            <pc:docMk/>
+            <pc:sldMk cId="1571259116" sldId="269"/>
+            <ac:spMk id="46" creationId="{60654742-0CCF-D436-837C-6ACF91A5FCC0}"/>
+          </ac:spMkLst>
+        </pc:spChg>
+        <pc:spChg chg="add mod">
+          <ac:chgData name="Badrinath R" userId="155a43e7-1f5f-414f-9bca-c8a1af989a19" providerId="ADAL" clId="{89DAD32D-81BC-409C-9D7C-795C59BEF938}" dt="2025-07-09T07:47:59.330" v="983" actId="164"/>
+          <ac:spMkLst>
+            <pc:docMk/>
+            <pc:sldMk cId="1571259116" sldId="269"/>
+            <ac:spMk id="49" creationId="{14332D43-80AC-DCB5-BB18-40FDD20B67E5}"/>
+          </ac:spMkLst>
+        </pc:spChg>
+        <pc:spChg chg="add mod">
+          <ac:chgData name="Badrinath R" userId="155a43e7-1f5f-414f-9bca-c8a1af989a19" providerId="ADAL" clId="{89DAD32D-81BC-409C-9D7C-795C59BEF938}" dt="2025-07-09T07:49:29.122" v="994" actId="164"/>
+          <ac:spMkLst>
+            <pc:docMk/>
+            <pc:sldMk cId="1571259116" sldId="269"/>
+            <ac:spMk id="51" creationId="{4CC2E11C-08D1-1AE1-B6BC-04953CEF8AC0}"/>
+          </ac:spMkLst>
+        </pc:spChg>
+        <pc:spChg chg="add mod">
+          <ac:chgData name="Badrinath R" userId="155a43e7-1f5f-414f-9bca-c8a1af989a19" providerId="ADAL" clId="{89DAD32D-81BC-409C-9D7C-795C59BEF938}" dt="2025-07-09T07:51:12.978" v="1002" actId="164"/>
+          <ac:spMkLst>
+            <pc:docMk/>
+            <pc:sldMk cId="1571259116" sldId="269"/>
+            <ac:spMk id="53" creationId="{BAD961B7-BD87-0F3C-CCA7-6E1E74F01150}"/>
+          </ac:spMkLst>
+        </pc:spChg>
+        <pc:spChg chg="add mod">
+          <ac:chgData name="Badrinath R" userId="155a43e7-1f5f-414f-9bca-c8a1af989a19" providerId="ADAL" clId="{89DAD32D-81BC-409C-9D7C-795C59BEF938}" dt="2025-07-09T07:54:30.548" v="1018" actId="164"/>
+          <ac:spMkLst>
+            <pc:docMk/>
+            <pc:sldMk cId="1571259116" sldId="269"/>
+            <ac:spMk id="57" creationId="{84B9077A-5F7D-E22E-9D9A-C767FFD8B138}"/>
+          </ac:spMkLst>
+        </pc:spChg>
+        <pc:spChg chg="add mod">
+          <ac:chgData name="Badrinath R" userId="155a43e7-1f5f-414f-9bca-c8a1af989a19" providerId="ADAL" clId="{89DAD32D-81BC-409C-9D7C-795C59BEF938}" dt="2025-07-09T07:56:33.025" v="1025" actId="1582"/>
+          <ac:spMkLst>
+            <pc:docMk/>
+            <pc:sldMk cId="1571259116" sldId="269"/>
+            <ac:spMk id="59" creationId="{BB6F2EB5-ABB0-FFCE-A44A-B4B3886B256B}"/>
+          </ac:spMkLst>
+        </pc:spChg>
+        <pc:grpChg chg="add mod">
+          <ac:chgData name="Badrinath R" userId="155a43e7-1f5f-414f-9bca-c8a1af989a19" providerId="ADAL" clId="{89DAD32D-81BC-409C-9D7C-795C59BEF938}" dt="2025-07-09T07:45:38.029" v="970" actId="164"/>
+          <ac:grpSpMkLst>
+            <pc:docMk/>
+            <pc:sldMk cId="1571259116" sldId="269"/>
+            <ac:grpSpMk id="47" creationId="{943C62B5-CD42-1E4B-08A4-6B382F6DA558}"/>
+          </ac:grpSpMkLst>
+        </pc:grpChg>
+        <pc:grpChg chg="add mod">
+          <ac:chgData name="Badrinath R" userId="155a43e7-1f5f-414f-9bca-c8a1af989a19" providerId="ADAL" clId="{89DAD32D-81BC-409C-9D7C-795C59BEF938}" dt="2025-07-09T07:46:38.935" v="973" actId="164"/>
+          <ac:grpSpMkLst>
+            <pc:docMk/>
+            <pc:sldMk cId="1571259116" sldId="269"/>
+            <ac:grpSpMk id="48" creationId="{97C31752-CD9B-A642-205F-95B65959D1FA}"/>
+          </ac:grpSpMkLst>
+        </pc:grpChg>
+        <pc:grpChg chg="add mod">
+          <ac:chgData name="Badrinath R" userId="155a43e7-1f5f-414f-9bca-c8a1af989a19" providerId="ADAL" clId="{89DAD32D-81BC-409C-9D7C-795C59BEF938}" dt="2025-07-09T07:47:59.330" v="983" actId="164"/>
+          <ac:grpSpMkLst>
+            <pc:docMk/>
+            <pc:sldMk cId="1571259116" sldId="269"/>
+            <ac:grpSpMk id="50" creationId="{07152C98-4F75-AF52-7441-031CE327AFBA}"/>
+          </ac:grpSpMkLst>
+        </pc:grpChg>
+        <pc:grpChg chg="add mod">
+          <ac:chgData name="Badrinath R" userId="155a43e7-1f5f-414f-9bca-c8a1af989a19" providerId="ADAL" clId="{89DAD32D-81BC-409C-9D7C-795C59BEF938}" dt="2025-07-09T07:49:29.122" v="994" actId="164"/>
+          <ac:grpSpMkLst>
+            <pc:docMk/>
+            <pc:sldMk cId="1571259116" sldId="269"/>
+            <ac:grpSpMk id="52" creationId="{692AACFE-D905-435F-6A63-131E1F2F5975}"/>
+          </ac:grpSpMkLst>
+        </pc:grpChg>
+        <pc:grpChg chg="add mod">
+          <ac:chgData name="Badrinath R" userId="155a43e7-1f5f-414f-9bca-c8a1af989a19" providerId="ADAL" clId="{89DAD32D-81BC-409C-9D7C-795C59BEF938}" dt="2025-07-09T07:51:12.978" v="1002" actId="164"/>
+          <ac:grpSpMkLst>
+            <pc:docMk/>
+            <pc:sldMk cId="1571259116" sldId="269"/>
+            <ac:grpSpMk id="54" creationId="{9C9AC66C-0BFC-07E0-62ED-90611C02DF62}"/>
+          </ac:grpSpMkLst>
+        </pc:grpChg>
+        <pc:grpChg chg="add mod">
+          <ac:chgData name="Badrinath R" userId="155a43e7-1f5f-414f-9bca-c8a1af989a19" providerId="ADAL" clId="{89DAD32D-81BC-409C-9D7C-795C59BEF938}" dt="2025-07-09T07:51:44.890" v="1005" actId="164"/>
+          <ac:grpSpMkLst>
+            <pc:docMk/>
+            <pc:sldMk cId="1571259116" sldId="269"/>
+            <ac:grpSpMk id="55" creationId="{5EC54B4E-1743-9F58-0481-51573C72D192}"/>
+          </ac:grpSpMkLst>
+        </pc:grpChg>
+        <pc:grpChg chg="add del mod">
+          <ac:chgData name="Badrinath R" userId="155a43e7-1f5f-414f-9bca-c8a1af989a19" providerId="ADAL" clId="{89DAD32D-81BC-409C-9D7C-795C59BEF938}" dt="2025-07-09T07:54:19.799" v="1017" actId="165"/>
+          <ac:grpSpMkLst>
+            <pc:docMk/>
+            <pc:sldMk cId="1571259116" sldId="269"/>
+            <ac:grpSpMk id="56" creationId="{0E2C502A-4A90-2936-EE55-4BDBE61FCC1B}"/>
+          </ac:grpSpMkLst>
+        </pc:grpChg>
+        <pc:grpChg chg="add mod">
+          <ac:chgData name="Badrinath R" userId="155a43e7-1f5f-414f-9bca-c8a1af989a19" providerId="ADAL" clId="{89DAD32D-81BC-409C-9D7C-795C59BEF938}" dt="2025-07-09T07:54:30.548" v="1018" actId="164"/>
+          <ac:grpSpMkLst>
+            <pc:docMk/>
+            <pc:sldMk cId="1571259116" sldId="269"/>
+            <ac:grpSpMk id="58" creationId="{A9529066-87F4-F617-1A1B-07DFD7F79680}"/>
+          </ac:grpSpMkLst>
+        </pc:grpChg>
+        <pc:cxnChg chg="add mod">
+          <ac:chgData name="Badrinath R" userId="155a43e7-1f5f-414f-9bca-c8a1af989a19" providerId="ADAL" clId="{89DAD32D-81BC-409C-9D7C-795C59BEF938}" dt="2025-07-09T07:46:38.935" v="973" actId="164"/>
+          <ac:cxnSpMkLst>
+            <pc:docMk/>
+            <pc:sldMk cId="1571259116" sldId="269"/>
+            <ac:cxnSpMk id="30" creationId="{23AEB4B7-2F5C-CB32-1787-FE19186F4784}"/>
           </ac:cxnSpMkLst>
         </pc:cxnChg>
       </pc:sldChg>
@@ -513,7 +857,7 @@
           <a:p>
             <a:fld id="{DEC2BFEA-92C8-42CA-8763-4F17372BE8B5}" type="datetimeFigureOut">
               <a:rPr lang="en-US" smtClean="0"/>
-              <a:t>6/28/2025</a:t>
+              <a:t>7/14/2025</a:t>
             </a:fld>
             <a:endParaRPr lang="en-US"/>
           </a:p>
@@ -711,7 +1055,7 @@
           <a:p>
             <a:fld id="{DEC2BFEA-92C8-42CA-8763-4F17372BE8B5}" type="datetimeFigureOut">
               <a:rPr lang="en-US" smtClean="0"/>
-              <a:t>6/28/2025</a:t>
+              <a:t>7/14/2025</a:t>
             </a:fld>
             <a:endParaRPr lang="en-US"/>
           </a:p>
@@ -919,7 +1263,7 @@
           <a:p>
             <a:fld id="{DEC2BFEA-92C8-42CA-8763-4F17372BE8B5}" type="datetimeFigureOut">
               <a:rPr lang="en-US" smtClean="0"/>
-              <a:t>6/28/2025</a:t>
+              <a:t>7/14/2025</a:t>
             </a:fld>
             <a:endParaRPr lang="en-US"/>
           </a:p>
@@ -1117,7 +1461,7 @@
           <a:p>
             <a:fld id="{DEC2BFEA-92C8-42CA-8763-4F17372BE8B5}" type="datetimeFigureOut">
               <a:rPr lang="en-US" smtClean="0"/>
-              <a:t>6/28/2025</a:t>
+              <a:t>7/14/2025</a:t>
             </a:fld>
             <a:endParaRPr lang="en-US"/>
           </a:p>
@@ -1392,7 +1736,7 @@
           <a:p>
             <a:fld id="{DEC2BFEA-92C8-42CA-8763-4F17372BE8B5}" type="datetimeFigureOut">
               <a:rPr lang="en-US" smtClean="0"/>
-              <a:t>6/28/2025</a:t>
+              <a:t>7/14/2025</a:t>
             </a:fld>
             <a:endParaRPr lang="en-US"/>
           </a:p>
@@ -1657,7 +2001,7 @@
           <a:p>
             <a:fld id="{DEC2BFEA-92C8-42CA-8763-4F17372BE8B5}" type="datetimeFigureOut">
               <a:rPr lang="en-US" smtClean="0"/>
-              <a:t>6/28/2025</a:t>
+              <a:t>7/14/2025</a:t>
             </a:fld>
             <a:endParaRPr lang="en-US"/>
           </a:p>
@@ -2069,7 +2413,7 @@
           <a:p>
             <a:fld id="{DEC2BFEA-92C8-42CA-8763-4F17372BE8B5}" type="datetimeFigureOut">
               <a:rPr lang="en-US" smtClean="0"/>
-              <a:t>6/28/2025</a:t>
+              <a:t>7/14/2025</a:t>
             </a:fld>
             <a:endParaRPr lang="en-US"/>
           </a:p>
@@ -2210,7 +2554,7 @@
           <a:p>
             <a:fld id="{DEC2BFEA-92C8-42CA-8763-4F17372BE8B5}" type="datetimeFigureOut">
               <a:rPr lang="en-US" smtClean="0"/>
-              <a:t>6/28/2025</a:t>
+              <a:t>7/14/2025</a:t>
             </a:fld>
             <a:endParaRPr lang="en-US"/>
           </a:p>
@@ -2323,7 +2667,7 @@
           <a:p>
             <a:fld id="{DEC2BFEA-92C8-42CA-8763-4F17372BE8B5}" type="datetimeFigureOut">
               <a:rPr lang="en-US" smtClean="0"/>
-              <a:t>6/28/2025</a:t>
+              <a:t>7/14/2025</a:t>
             </a:fld>
             <a:endParaRPr lang="en-US"/>
           </a:p>
@@ -2634,7 +2978,7 @@
           <a:p>
             <a:fld id="{DEC2BFEA-92C8-42CA-8763-4F17372BE8B5}" type="datetimeFigureOut">
               <a:rPr lang="en-US" smtClean="0"/>
-              <a:t>6/28/2025</a:t>
+              <a:t>7/14/2025</a:t>
             </a:fld>
             <a:endParaRPr lang="en-US"/>
           </a:p>
@@ -2922,7 +3266,7 @@
           <a:p>
             <a:fld id="{DEC2BFEA-92C8-42CA-8763-4F17372BE8B5}" type="datetimeFigureOut">
               <a:rPr lang="en-US" smtClean="0"/>
-              <a:t>6/28/2025</a:t>
+              <a:t>7/14/2025</a:t>
             </a:fld>
             <a:endParaRPr lang="en-US"/>
           </a:p>
@@ -3163,7 +3507,7 @@
           <a:p>
             <a:fld id="{DEC2BFEA-92C8-42CA-8763-4F17372BE8B5}" type="datetimeFigureOut">
               <a:rPr lang="en-US" smtClean="0"/>
-              <a:t>6/28/2025</a:t>
+              <a:t>7/14/2025</a:t>
             </a:fld>
             <a:endParaRPr lang="en-US"/>
           </a:p>
@@ -3652,6 +3996,3794 @@
 </file>
 
 <file path=ppt/slides/slide10.xml><?xml version="1.0" encoding="utf-8"?>
+<p:sld xmlns:a="http://schemas.openxmlformats.org/drawingml/2006/main" xmlns:r="http://schemas.openxmlformats.org/officeDocument/2006/relationships" xmlns:p="http://schemas.openxmlformats.org/presentationml/2006/main">
+  <p:cSld>
+    <p:spTree>
+      <p:nvGrpSpPr>
+        <p:cNvPr id="1" name=""/>
+        <p:cNvGrpSpPr/>
+        <p:nvPr/>
+      </p:nvGrpSpPr>
+      <p:grpSpPr>
+        <a:xfrm>
+          <a:off x="0" y="0"/>
+          <a:ext cx="0" cy="0"/>
+          <a:chOff x="0" y="0"/>
+          <a:chExt cx="0" cy="0"/>
+        </a:xfrm>
+      </p:grpSpPr>
+      <p:cxnSp>
+        <p:nvCxnSpPr>
+          <p:cNvPr id="17" name="Straight Connector 16">
+            <a:extLst>
+              <a:ext uri="{FF2B5EF4-FFF2-40B4-BE49-F238E27FC236}">
+                <a16:creationId xmlns:a16="http://schemas.microsoft.com/office/drawing/2014/main" id="{15BA65B9-00E1-3889-28F0-952E54A4DCB1}"/>
+              </a:ext>
+            </a:extLst>
+          </p:cNvPr>
+          <p:cNvCxnSpPr>
+            <a:cxnSpLocks/>
+          </p:cNvCxnSpPr>
+          <p:nvPr/>
+        </p:nvCxnSpPr>
+        <p:spPr>
+          <a:xfrm flipH="1">
+            <a:off x="2497096" y="4256644"/>
+            <a:ext cx="5987455" cy="0"/>
+          </a:xfrm>
+          <a:prstGeom prst="line">
+            <a:avLst/>
+          </a:prstGeom>
+          <a:ln w="19050" cap="flat" cmpd="sng" algn="ctr">
+            <a:solidFill>
+              <a:schemeClr val="accent1"/>
+            </a:solidFill>
+            <a:prstDash val="dash"/>
+            <a:round/>
+            <a:headEnd type="none" w="med" len="med"/>
+            <a:tailEnd type="none" w="med" len="med"/>
+          </a:ln>
+        </p:spPr>
+        <p:style>
+          <a:lnRef idx="0">
+            <a:scrgbClr r="0" g="0" b="0"/>
+          </a:lnRef>
+          <a:fillRef idx="0">
+            <a:scrgbClr r="0" g="0" b="0"/>
+          </a:fillRef>
+          <a:effectRef idx="0">
+            <a:scrgbClr r="0" g="0" b="0"/>
+          </a:effectRef>
+          <a:fontRef idx="minor">
+            <a:schemeClr val="tx1"/>
+          </a:fontRef>
+        </p:style>
+      </p:cxnSp>
+      <p:sp>
+        <p:nvSpPr>
+          <p:cNvPr id="13" name="Rectangle 12">
+            <a:extLst>
+              <a:ext uri="{FF2B5EF4-FFF2-40B4-BE49-F238E27FC236}">
+                <a16:creationId xmlns:a16="http://schemas.microsoft.com/office/drawing/2014/main" id="{341CD6DA-A074-6061-471A-FE94AFB2C2DB}"/>
+              </a:ext>
+            </a:extLst>
+          </p:cNvPr>
+          <p:cNvSpPr/>
+          <p:nvPr/>
+        </p:nvSpPr>
+        <p:spPr>
+          <a:xfrm>
+            <a:off x="4274457" y="4936304"/>
+            <a:ext cx="6204857" cy="442710"/>
+          </a:xfrm>
+          <a:prstGeom prst="rect">
+            <a:avLst/>
+          </a:prstGeom>
+          <a:solidFill>
+            <a:schemeClr val="accent3">
+              <a:lumMod val="20000"/>
+              <a:lumOff val="80000"/>
+            </a:schemeClr>
+          </a:solidFill>
+        </p:spPr>
+        <p:style>
+          <a:lnRef idx="2">
+            <a:schemeClr val="accent1">
+              <a:shade val="15000"/>
+            </a:schemeClr>
+          </a:lnRef>
+          <a:fillRef idx="1">
+            <a:schemeClr val="accent1"/>
+          </a:fillRef>
+          <a:effectRef idx="0">
+            <a:schemeClr val="accent1"/>
+          </a:effectRef>
+          <a:fontRef idx="minor">
+            <a:schemeClr val="lt1"/>
+          </a:fontRef>
+        </p:style>
+        <p:txBody>
+          <a:bodyPr rtlCol="0" anchor="ctr"/>
+          <a:lstStyle/>
+          <a:p>
+            <a:pPr algn="ctr"/>
+            <a:endParaRPr lang="en-US"/>
+          </a:p>
+        </p:txBody>
+      </p:sp>
+      <p:sp>
+        <p:nvSpPr>
+          <p:cNvPr id="15" name="Rectangle 14">
+            <a:extLst>
+              <a:ext uri="{FF2B5EF4-FFF2-40B4-BE49-F238E27FC236}">
+                <a16:creationId xmlns:a16="http://schemas.microsoft.com/office/drawing/2014/main" id="{A9A01AE0-2E96-6990-1213-7A3589F390A1}"/>
+              </a:ext>
+            </a:extLst>
+          </p:cNvPr>
+          <p:cNvSpPr/>
+          <p:nvPr/>
+        </p:nvSpPr>
+        <p:spPr>
+          <a:xfrm>
+            <a:off x="4274457" y="5537716"/>
+            <a:ext cx="7714343" cy="415202"/>
+          </a:xfrm>
+          <a:prstGeom prst="rect">
+            <a:avLst/>
+          </a:prstGeom>
+          <a:solidFill>
+            <a:schemeClr val="accent2">
+              <a:lumMod val="20000"/>
+              <a:lumOff val="80000"/>
+            </a:schemeClr>
+          </a:solidFill>
+        </p:spPr>
+        <p:style>
+          <a:lnRef idx="2">
+            <a:schemeClr val="accent1">
+              <a:shade val="15000"/>
+            </a:schemeClr>
+          </a:lnRef>
+          <a:fillRef idx="1">
+            <a:schemeClr val="accent1"/>
+          </a:fillRef>
+          <a:effectRef idx="0">
+            <a:schemeClr val="accent1"/>
+          </a:effectRef>
+          <a:fontRef idx="minor">
+            <a:schemeClr val="lt1"/>
+          </a:fontRef>
+        </p:style>
+        <p:txBody>
+          <a:bodyPr rtlCol="0" anchor="ctr"/>
+          <a:lstStyle/>
+          <a:p>
+            <a:pPr algn="ctr"/>
+            <a:endParaRPr lang="en-US"/>
+          </a:p>
+        </p:txBody>
+      </p:sp>
+      <p:sp>
+        <p:nvSpPr>
+          <p:cNvPr id="5" name="Oval 4">
+            <a:extLst>
+              <a:ext uri="{FF2B5EF4-FFF2-40B4-BE49-F238E27FC236}">
+                <a16:creationId xmlns:a16="http://schemas.microsoft.com/office/drawing/2014/main" id="{7C4759BE-B21E-39CF-AC9F-8269FDF0E46B}"/>
+              </a:ext>
+            </a:extLst>
+          </p:cNvPr>
+          <p:cNvSpPr/>
+          <p:nvPr/>
+        </p:nvSpPr>
+        <p:spPr>
+          <a:xfrm>
+            <a:off x="8612431" y="854019"/>
+            <a:ext cx="2798613" cy="415202"/>
+          </a:xfrm>
+          <a:prstGeom prst="ellipse">
+            <a:avLst/>
+          </a:prstGeom>
+          <a:solidFill>
+            <a:schemeClr val="accent6">
+              <a:lumMod val="20000"/>
+              <a:lumOff val="80000"/>
+            </a:schemeClr>
+          </a:solidFill>
+          <a:ln>
+            <a:noFill/>
+          </a:ln>
+        </p:spPr>
+        <p:style>
+          <a:lnRef idx="2">
+            <a:schemeClr val="accent6"/>
+          </a:lnRef>
+          <a:fillRef idx="1">
+            <a:schemeClr val="lt1"/>
+          </a:fillRef>
+          <a:effectRef idx="0">
+            <a:schemeClr val="accent6"/>
+          </a:effectRef>
+          <a:fontRef idx="minor">
+            <a:schemeClr val="dk1"/>
+          </a:fontRef>
+        </p:style>
+        <p:txBody>
+          <a:bodyPr rtlCol="0" anchor="ctr"/>
+          <a:lstStyle/>
+          <a:p>
+            <a:pPr algn="ctr"/>
+            <a:r>
+              <a:rPr lang="en-US" dirty="0"/>
+              <a:t>start</a:t>
+            </a:r>
+          </a:p>
+        </p:txBody>
+      </p:sp>
+      <p:sp>
+        <p:nvSpPr>
+          <p:cNvPr id="2" name="Title 1">
+            <a:extLst>
+              <a:ext uri="{FF2B5EF4-FFF2-40B4-BE49-F238E27FC236}">
+                <a16:creationId xmlns:a16="http://schemas.microsoft.com/office/drawing/2014/main" id="{42D5EC8D-9A37-DD0F-7FFC-AF4F732F6620}"/>
+              </a:ext>
+            </a:extLst>
+          </p:cNvPr>
+          <p:cNvSpPr>
+            <a:spLocks noGrp="1"/>
+          </p:cNvSpPr>
+          <p:nvPr>
+            <p:ph type="title"/>
+          </p:nvPr>
+        </p:nvSpPr>
+        <p:spPr>
+          <a:xfrm>
+            <a:off x="446317" y="365125"/>
+            <a:ext cx="10515600" cy="1325563"/>
+          </a:xfrm>
+        </p:spPr>
+        <p:txBody>
+          <a:bodyPr/>
+          <a:lstStyle/>
+          <a:p>
+            <a:r>
+              <a:rPr lang="en-US" dirty="0"/>
+              <a:t>Program:</a:t>
+            </a:r>
+          </a:p>
+        </p:txBody>
+      </p:sp>
+      <p:sp>
+        <p:nvSpPr>
+          <p:cNvPr id="10" name="TextBox 9">
+            <a:extLst>
+              <a:ext uri="{FF2B5EF4-FFF2-40B4-BE49-F238E27FC236}">
+                <a16:creationId xmlns:a16="http://schemas.microsoft.com/office/drawing/2014/main" id="{343B7A1A-3840-189C-A408-39AD8859A14B}"/>
+              </a:ext>
+            </a:extLst>
+          </p:cNvPr>
+          <p:cNvSpPr txBox="1"/>
+          <p:nvPr/>
+        </p:nvSpPr>
+        <p:spPr>
+          <a:xfrm>
+            <a:off x="2701638" y="974728"/>
+            <a:ext cx="9712036" cy="5324535"/>
+          </a:xfrm>
+          <a:prstGeom prst="rect">
+            <a:avLst/>
+          </a:prstGeom>
+          <a:noFill/>
+        </p:spPr>
+        <p:txBody>
+          <a:bodyPr wrap="square" rtlCol="0">
+            <a:spAutoFit/>
+          </a:bodyPr>
+          <a:lstStyle/>
+          <a:p>
+            <a:r>
+              <a:rPr lang="en-US" sz="2000" b="1" dirty="0">
+                <a:highlight>
+                  <a:srgbClr val="00FF00"/>
+                </a:highlight>
+                <a:latin typeface="Courier New" panose="02070309020205020404" pitchFamily="49" charset="0"/>
+                <a:cs typeface="Courier New" panose="02070309020205020404" pitchFamily="49" charset="0"/>
+              </a:rPr>
+              <a:t>int main(){  </a:t>
+            </a:r>
+            <a:r>
+              <a:rPr lang="en-US" sz="2000" b="1" dirty="0">
+                <a:latin typeface="Courier New" panose="02070309020205020404" pitchFamily="49" charset="0"/>
+                <a:cs typeface="Courier New" panose="02070309020205020404" pitchFamily="49" charset="0"/>
+              </a:rPr>
+              <a:t>// program starts here</a:t>
+            </a:r>
+          </a:p>
+          <a:p>
+            <a:r>
+              <a:rPr lang="en-US" sz="2000" dirty="0">
+                <a:latin typeface="Courier New" panose="02070309020205020404" pitchFamily="49" charset="0"/>
+                <a:cs typeface="Courier New" panose="02070309020205020404" pitchFamily="49" charset="0"/>
+              </a:rPr>
+              <a:t>// </a:t>
+            </a:r>
+            <a:r>
+              <a:rPr lang="en-US" sz="2000" dirty="0" err="1">
+                <a:latin typeface="Courier New" panose="02070309020205020404" pitchFamily="49" charset="0"/>
+                <a:cs typeface="Courier New" panose="02070309020205020404" pitchFamily="49" charset="0"/>
+              </a:rPr>
+              <a:t>a,b,c</a:t>
+            </a:r>
+            <a:r>
+              <a:rPr lang="en-US" sz="2000" dirty="0">
+                <a:latin typeface="Courier New" panose="02070309020205020404" pitchFamily="49" charset="0"/>
+                <a:cs typeface="Courier New" panose="02070309020205020404" pitchFamily="49" charset="0"/>
+              </a:rPr>
+              <a:t> are coefficients of the quadratic equation</a:t>
+            </a:r>
+          </a:p>
+          <a:p>
+            <a:r>
+              <a:rPr lang="en-US" sz="2000" dirty="0">
+                <a:latin typeface="Courier New" panose="02070309020205020404" pitchFamily="49" charset="0"/>
+                <a:cs typeface="Courier New" panose="02070309020205020404" pitchFamily="49" charset="0"/>
+              </a:rPr>
+              <a:t>   float </a:t>
+            </a:r>
+            <a:r>
+              <a:rPr lang="en-US" sz="2000" dirty="0" err="1">
+                <a:latin typeface="Courier New" panose="02070309020205020404" pitchFamily="49" charset="0"/>
+                <a:cs typeface="Courier New" panose="02070309020205020404" pitchFamily="49" charset="0"/>
+              </a:rPr>
+              <a:t>a,b,c</a:t>
+            </a:r>
+            <a:r>
+              <a:rPr lang="en-US" sz="2000" dirty="0">
+                <a:latin typeface="Courier New" panose="02070309020205020404" pitchFamily="49" charset="0"/>
+                <a:cs typeface="Courier New" panose="02070309020205020404" pitchFamily="49" charset="0"/>
+              </a:rPr>
+              <a:t>;</a:t>
+            </a:r>
+            <a:br>
+              <a:rPr lang="en-US" sz="2000" dirty="0">
+                <a:latin typeface="Courier New" panose="02070309020205020404" pitchFamily="49" charset="0"/>
+                <a:cs typeface="Courier New" panose="02070309020205020404" pitchFamily="49" charset="0"/>
+              </a:rPr>
+            </a:br>
+            <a:endParaRPr lang="en-US" sz="2000" dirty="0">
+              <a:latin typeface="Courier New" panose="02070309020205020404" pitchFamily="49" charset="0"/>
+              <a:cs typeface="Courier New" panose="02070309020205020404" pitchFamily="49" charset="0"/>
+            </a:endParaRPr>
+          </a:p>
+          <a:p>
+            <a:r>
+              <a:rPr lang="en-US" sz="2000" dirty="0">
+                <a:latin typeface="Courier New" panose="02070309020205020404" pitchFamily="49" charset="0"/>
+                <a:cs typeface="Courier New" panose="02070309020205020404" pitchFamily="49" charset="0"/>
+              </a:rPr>
+              <a:t>// input the values of ‘</a:t>
+            </a:r>
+            <a:r>
+              <a:rPr lang="en-US" sz="2000" dirty="0" err="1">
+                <a:latin typeface="Courier New" panose="02070309020205020404" pitchFamily="49" charset="0"/>
+                <a:cs typeface="Courier New" panose="02070309020205020404" pitchFamily="49" charset="0"/>
+              </a:rPr>
+              <a:t>a’,’b’,’c</a:t>
+            </a:r>
+            <a:r>
+              <a:rPr lang="en-US" sz="2000" dirty="0">
+                <a:latin typeface="Courier New" panose="02070309020205020404" pitchFamily="49" charset="0"/>
+                <a:cs typeface="Courier New" panose="02070309020205020404" pitchFamily="49" charset="0"/>
+              </a:rPr>
+              <a:t>’</a:t>
+            </a:r>
+          </a:p>
+          <a:p>
+            <a:r>
+              <a:rPr lang="en-US" sz="2000" dirty="0">
+                <a:latin typeface="Courier New" panose="02070309020205020404" pitchFamily="49" charset="0"/>
+                <a:cs typeface="Courier New" panose="02070309020205020404" pitchFamily="49" charset="0"/>
+              </a:rPr>
+              <a:t>   </a:t>
+            </a:r>
+            <a:r>
+              <a:rPr lang="en-US" sz="2000" dirty="0" err="1">
+                <a:latin typeface="Courier New" panose="02070309020205020404" pitchFamily="49" charset="0"/>
+                <a:cs typeface="Courier New" panose="02070309020205020404" pitchFamily="49" charset="0"/>
+              </a:rPr>
+              <a:t>scanf</a:t>
+            </a:r>
+            <a:r>
+              <a:rPr lang="en-US" sz="2000" dirty="0">
+                <a:latin typeface="Courier New" panose="02070309020205020404" pitchFamily="49" charset="0"/>
+                <a:cs typeface="Courier New" panose="02070309020205020404" pitchFamily="49" charset="0"/>
+              </a:rPr>
+              <a:t>(“%f %f %</a:t>
+            </a:r>
+            <a:r>
+              <a:rPr lang="en-US" sz="2000" dirty="0" err="1">
+                <a:latin typeface="Courier New" panose="02070309020205020404" pitchFamily="49" charset="0"/>
+                <a:cs typeface="Courier New" panose="02070309020205020404" pitchFamily="49" charset="0"/>
+              </a:rPr>
+              <a:t>f”,&amp;a,&amp;b,&amp;c</a:t>
+            </a:r>
+            <a:r>
+              <a:rPr lang="en-US" sz="2000" dirty="0">
+                <a:latin typeface="Courier New" panose="02070309020205020404" pitchFamily="49" charset="0"/>
+                <a:cs typeface="Courier New" panose="02070309020205020404" pitchFamily="49" charset="0"/>
+              </a:rPr>
+              <a:t>);</a:t>
+            </a:r>
+          </a:p>
+          <a:p>
+            <a:endParaRPr lang="en-US" sz="2000" dirty="0">
+              <a:latin typeface="Courier New" panose="02070309020205020404" pitchFamily="49" charset="0"/>
+              <a:cs typeface="Courier New" panose="02070309020205020404" pitchFamily="49" charset="0"/>
+            </a:endParaRPr>
+          </a:p>
+          <a:p>
+            <a:r>
+              <a:rPr lang="en-US" sz="2000" dirty="0">
+                <a:latin typeface="Courier New" panose="02070309020205020404" pitchFamily="49" charset="0"/>
+                <a:cs typeface="Courier New" panose="02070309020205020404" pitchFamily="49" charset="0"/>
+              </a:rPr>
+              <a:t>// ‘dis’ is the discriminant</a:t>
+            </a:r>
+          </a:p>
+          <a:p>
+            <a:r>
+              <a:rPr lang="en-US" sz="2000" dirty="0">
+                <a:latin typeface="Courier New" panose="02070309020205020404" pitchFamily="49" charset="0"/>
+                <a:cs typeface="Courier New" panose="02070309020205020404" pitchFamily="49" charset="0"/>
+              </a:rPr>
+              <a:t>   float dis;</a:t>
+            </a:r>
+          </a:p>
+          <a:p>
+            <a:r>
+              <a:rPr lang="en-US" sz="2000" dirty="0">
+                <a:latin typeface="Courier New" panose="02070309020205020404" pitchFamily="49" charset="0"/>
+                <a:cs typeface="Courier New" panose="02070309020205020404" pitchFamily="49" charset="0"/>
+              </a:rPr>
+              <a:t>   dis = b*b – 4*a*c; // compute the value</a:t>
+            </a:r>
+          </a:p>
+          <a:p>
+            <a:endParaRPr lang="en-US" sz="2000" dirty="0">
+              <a:latin typeface="Courier New" panose="02070309020205020404" pitchFamily="49" charset="0"/>
+              <a:cs typeface="Courier New" panose="02070309020205020404" pitchFamily="49" charset="0"/>
+            </a:endParaRPr>
+          </a:p>
+          <a:p>
+            <a:r>
+              <a:rPr lang="en-US" sz="2000" dirty="0">
+                <a:latin typeface="Courier New" panose="02070309020205020404" pitchFamily="49" charset="0"/>
+                <a:cs typeface="Courier New" panose="02070309020205020404" pitchFamily="49" charset="0"/>
+              </a:rPr>
+              <a:t>// check if det &gt; 0 </a:t>
+            </a:r>
+          </a:p>
+          <a:p>
+            <a:r>
+              <a:rPr lang="en-US" sz="2000" dirty="0">
+                <a:latin typeface="Courier New" panose="02070309020205020404" pitchFamily="49" charset="0"/>
+                <a:cs typeface="Courier New" panose="02070309020205020404" pitchFamily="49" charset="0"/>
+              </a:rPr>
+              <a:t>   if (dis &gt; 0 ) </a:t>
+            </a:r>
+          </a:p>
+          <a:p>
+            <a:r>
+              <a:rPr lang="en-US" sz="2000" dirty="0">
+                <a:latin typeface="Courier New" panose="02070309020205020404" pitchFamily="49" charset="0"/>
+                <a:cs typeface="Courier New" panose="02070309020205020404" pitchFamily="49" charset="0"/>
+              </a:rPr>
+              <a:t>          </a:t>
+            </a:r>
+            <a:r>
+              <a:rPr lang="en-US" sz="2000" dirty="0" err="1">
+                <a:latin typeface="Courier New" panose="02070309020205020404" pitchFamily="49" charset="0"/>
+                <a:cs typeface="Courier New" panose="02070309020205020404" pitchFamily="49" charset="0"/>
+              </a:rPr>
+              <a:t>printf</a:t>
+            </a:r>
+            <a:r>
+              <a:rPr lang="en-US" sz="2000" dirty="0">
+                <a:latin typeface="Courier New" panose="02070309020205020404" pitchFamily="49" charset="0"/>
+                <a:cs typeface="Courier New" panose="02070309020205020404" pitchFamily="49" charset="0"/>
+              </a:rPr>
+              <a:t>(“Has two distinct real roots\n”);</a:t>
+            </a:r>
+          </a:p>
+          <a:p>
+            <a:r>
+              <a:rPr lang="en-US" sz="2000" dirty="0">
+                <a:latin typeface="Courier New" panose="02070309020205020404" pitchFamily="49" charset="0"/>
+                <a:cs typeface="Courier New" panose="02070309020205020404" pitchFamily="49" charset="0"/>
+              </a:rPr>
+              <a:t>   else</a:t>
+            </a:r>
+          </a:p>
+          <a:p>
+            <a:r>
+              <a:rPr lang="en-US" sz="2000" dirty="0">
+                <a:latin typeface="Courier New" panose="02070309020205020404" pitchFamily="49" charset="0"/>
+                <a:cs typeface="Courier New" panose="02070309020205020404" pitchFamily="49" charset="0"/>
+              </a:rPr>
+              <a:t>          </a:t>
+            </a:r>
+            <a:r>
+              <a:rPr lang="en-US" sz="2000" dirty="0" err="1">
+                <a:latin typeface="Courier New" panose="02070309020205020404" pitchFamily="49" charset="0"/>
+                <a:cs typeface="Courier New" panose="02070309020205020404" pitchFamily="49" charset="0"/>
+              </a:rPr>
+              <a:t>printf</a:t>
+            </a:r>
+            <a:r>
+              <a:rPr lang="en-US" sz="2000" dirty="0">
+                <a:latin typeface="Courier New" panose="02070309020205020404" pitchFamily="49" charset="0"/>
+                <a:cs typeface="Courier New" panose="02070309020205020404" pitchFamily="49" charset="0"/>
+              </a:rPr>
+              <a:t>(“Does not have two distinct real roots\n”);</a:t>
+            </a:r>
+          </a:p>
+          <a:p>
+            <a:r>
+              <a:rPr lang="en-US" sz="2000" b="1" dirty="0">
+                <a:highlight>
+                  <a:srgbClr val="FF0000"/>
+                </a:highlight>
+                <a:latin typeface="Courier New" panose="02070309020205020404" pitchFamily="49" charset="0"/>
+                <a:cs typeface="Courier New" panose="02070309020205020404" pitchFamily="49" charset="0"/>
+              </a:rPr>
+              <a:t>} </a:t>
+            </a:r>
+            <a:r>
+              <a:rPr lang="en-US" sz="2000" b="1" dirty="0">
+                <a:latin typeface="Courier New" panose="02070309020205020404" pitchFamily="49" charset="0"/>
+                <a:cs typeface="Courier New" panose="02070309020205020404" pitchFamily="49" charset="0"/>
+              </a:rPr>
+              <a:t>// program ends here</a:t>
+            </a:r>
+          </a:p>
+        </p:txBody>
+      </p:sp>
+      <mc:AlternateContent xmlns:mc="http://schemas.openxmlformats.org/markup-compatibility/2006" xmlns:a14="http://schemas.microsoft.com/office/drawing/2010/main">
+        <mc:Choice Requires="a14">
+          <p:sp>
+            <p:nvSpPr>
+              <p:cNvPr id="8" name="Rectangle 7">
+                <a:extLst>
+                  <a:ext uri="{FF2B5EF4-FFF2-40B4-BE49-F238E27FC236}">
+                    <a16:creationId xmlns:a16="http://schemas.microsoft.com/office/drawing/2014/main" id="{68415F51-D07E-FF19-945C-A3FACBB94B40}"/>
+                  </a:ext>
+                </a:extLst>
+              </p:cNvPr>
+              <p:cNvSpPr/>
+              <p:nvPr/>
+            </p:nvSpPr>
+            <p:spPr>
+              <a:xfrm>
+                <a:off x="8183926" y="1570036"/>
+                <a:ext cx="3484419" cy="914400"/>
+              </a:xfrm>
+              <a:prstGeom prst="rect">
+                <a:avLst/>
+              </a:prstGeom>
+              <a:ln>
+                <a:solidFill>
+                  <a:schemeClr val="accent1"/>
+                </a:solidFill>
+              </a:ln>
+            </p:spPr>
+            <p:style>
+              <a:lnRef idx="2">
+                <a:schemeClr val="accent6"/>
+              </a:lnRef>
+              <a:fillRef idx="1">
+                <a:schemeClr val="lt1"/>
+              </a:fillRef>
+              <a:effectRef idx="0">
+                <a:schemeClr val="accent6"/>
+              </a:effectRef>
+              <a:fontRef idx="minor">
+                <a:schemeClr val="dk1"/>
+              </a:fontRef>
+            </p:style>
+            <p:txBody>
+              <a:bodyPr rtlCol="0" anchor="ctr"/>
+              <a:lstStyle/>
+              <a:p>
+                <a:pPr algn="ctr"/>
+                <a:r>
+                  <a:rPr lang="en-US" dirty="0"/>
+                  <a:t>Assume:</a:t>
+                </a:r>
+              </a:p>
+              <a:p>
+                <a:pPr algn="ctr"/>
+                <a:r>
+                  <a:rPr lang="en-US" dirty="0"/>
+                  <a:t>Quadratic is </a:t>
+                </a:r>
+                <a14:m>
+                  <m:oMath xmlns:m="http://schemas.openxmlformats.org/officeDocument/2006/math">
+                    <m:r>
+                      <a:rPr lang="en-US" b="0" i="1" smtClean="0">
+                        <a:latin typeface="Cambria Math" panose="02040503050406030204" pitchFamily="18" charset="0"/>
+                      </a:rPr>
+                      <m:t>𝑎</m:t>
+                    </m:r>
+                    <m:sSup>
+                      <m:sSupPr>
+                        <m:ctrlPr>
+                          <a:rPr lang="en-US" b="0" i="1" smtClean="0">
+                            <a:latin typeface="Cambria Math" panose="02040503050406030204" pitchFamily="18" charset="0"/>
+                          </a:rPr>
+                        </m:ctrlPr>
+                      </m:sSupPr>
+                      <m:e>
+                        <m:r>
+                          <a:rPr lang="en-US" b="0" i="1" smtClean="0">
+                            <a:latin typeface="Cambria Math" panose="02040503050406030204" pitchFamily="18" charset="0"/>
+                          </a:rPr>
+                          <m:t>𝑥</m:t>
+                        </m:r>
+                      </m:e>
+                      <m:sup>
+                        <m:r>
+                          <a:rPr lang="en-US" b="0" i="1" smtClean="0">
+                            <a:latin typeface="Cambria Math" panose="02040503050406030204" pitchFamily="18" charset="0"/>
+                          </a:rPr>
+                          <m:t>2</m:t>
+                        </m:r>
+                      </m:sup>
+                    </m:sSup>
+                    <m:r>
+                      <a:rPr lang="en-US" b="0" i="1" smtClean="0">
+                        <a:latin typeface="Cambria Math" panose="02040503050406030204" pitchFamily="18" charset="0"/>
+                      </a:rPr>
+                      <m:t>+</m:t>
+                    </m:r>
+                    <m:r>
+                      <a:rPr lang="en-US" b="0" i="1" smtClean="0">
+                        <a:latin typeface="Cambria Math" panose="02040503050406030204" pitchFamily="18" charset="0"/>
+                      </a:rPr>
+                      <m:t>𝑏𝑥</m:t>
+                    </m:r>
+                    <m:r>
+                      <a:rPr lang="en-US" b="0" i="1" smtClean="0">
+                        <a:latin typeface="Cambria Math" panose="02040503050406030204" pitchFamily="18" charset="0"/>
+                      </a:rPr>
+                      <m:t>+</m:t>
+                    </m:r>
+                    <m:r>
+                      <a:rPr lang="en-US" b="0" i="1" smtClean="0">
+                        <a:latin typeface="Cambria Math" panose="02040503050406030204" pitchFamily="18" charset="0"/>
+                      </a:rPr>
+                      <m:t>𝑐</m:t>
+                    </m:r>
+                    <m:r>
+                      <a:rPr lang="en-US" b="0" i="1" smtClean="0">
+                        <a:latin typeface="Cambria Math" panose="02040503050406030204" pitchFamily="18" charset="0"/>
+                      </a:rPr>
+                      <m:t>=0</m:t>
+                    </m:r>
+                  </m:oMath>
+                </a14:m>
+                <a:endParaRPr lang="en-US" dirty="0"/>
+              </a:p>
+              <a:p>
+                <a:pPr algn="ctr"/>
+                <a:r>
+                  <a:rPr lang="en-US" b="1" dirty="0"/>
+                  <a:t>Input:</a:t>
+                </a:r>
+                <a:r>
+                  <a:rPr lang="en-US" dirty="0"/>
+                  <a:t> values for </a:t>
+                </a:r>
+                <a14:m>
+                  <m:oMath xmlns:m="http://schemas.openxmlformats.org/officeDocument/2006/math">
+                    <m:r>
+                      <a:rPr lang="en-US" b="0" i="1" smtClean="0">
+                        <a:latin typeface="Cambria Math" panose="02040503050406030204" pitchFamily="18" charset="0"/>
+                      </a:rPr>
+                      <m:t>𝑎</m:t>
+                    </m:r>
+                    <m:r>
+                      <a:rPr lang="en-US" b="0" i="1" smtClean="0">
+                        <a:latin typeface="Cambria Math" panose="02040503050406030204" pitchFamily="18" charset="0"/>
+                      </a:rPr>
+                      <m:t>,</m:t>
+                    </m:r>
+                    <m:r>
+                      <a:rPr lang="en-US" b="0" i="1" smtClean="0">
+                        <a:latin typeface="Cambria Math" panose="02040503050406030204" pitchFamily="18" charset="0"/>
+                      </a:rPr>
+                      <m:t>𝑏</m:t>
+                    </m:r>
+                    <m:r>
+                      <a:rPr lang="en-US" b="0" i="1" smtClean="0">
+                        <a:latin typeface="Cambria Math" panose="02040503050406030204" pitchFamily="18" charset="0"/>
+                      </a:rPr>
+                      <m:t> </m:t>
+                    </m:r>
+                  </m:oMath>
+                </a14:m>
+                <a:r>
+                  <a:rPr lang="en-US" dirty="0"/>
+                  <a:t> and </a:t>
+                </a:r>
+                <a14:m>
+                  <m:oMath xmlns:m="http://schemas.openxmlformats.org/officeDocument/2006/math">
+                    <m:r>
+                      <a:rPr lang="en-US" b="0" i="1" smtClean="0">
+                        <a:latin typeface="Cambria Math" panose="02040503050406030204" pitchFamily="18" charset="0"/>
+                      </a:rPr>
+                      <m:t>𝑐</m:t>
+                    </m:r>
+                  </m:oMath>
+                </a14:m>
+                <a:endParaRPr lang="en-US" dirty="0"/>
+              </a:p>
+            </p:txBody>
+          </p:sp>
+        </mc:Choice>
+        <mc:Fallback xmlns="">
+          <p:sp>
+            <p:nvSpPr>
+              <p:cNvPr id="8" name="Rectangle 7">
+                <a:extLst>
+                  <a:ext uri="{FF2B5EF4-FFF2-40B4-BE49-F238E27FC236}">
+                    <a16:creationId xmlns:a16="http://schemas.microsoft.com/office/drawing/2014/main" id="{68415F51-D07E-FF19-945C-A3FACBB94B40}"/>
+                  </a:ext>
+                </a:extLst>
+              </p:cNvPr>
+              <p:cNvSpPr>
+                <a:spLocks noRot="1" noChangeAspect="1" noMove="1" noResize="1" noEditPoints="1" noAdjustHandles="1" noChangeArrowheads="1" noChangeShapeType="1" noTextEdit="1"/>
+              </p:cNvSpPr>
+              <p:nvPr/>
+            </p:nvSpPr>
+            <p:spPr>
+              <a:xfrm>
+                <a:off x="8183926" y="1570036"/>
+                <a:ext cx="3484419" cy="914400"/>
+              </a:xfrm>
+              <a:prstGeom prst="rect">
+                <a:avLst/>
+              </a:prstGeom>
+              <a:blipFill>
+                <a:blip r:embed="rId2"/>
+                <a:stretch>
+                  <a:fillRect t="-2614" b="-9804"/>
+                </a:stretch>
+              </a:blipFill>
+              <a:ln>
+                <a:solidFill>
+                  <a:schemeClr val="accent1"/>
+                </a:solidFill>
+              </a:ln>
+            </p:spPr>
+            <p:txBody>
+              <a:bodyPr/>
+              <a:lstStyle/>
+              <a:p>
+                <a:r>
+                  <a:rPr lang="en-US">
+                    <a:noFill/>
+                  </a:rPr>
+                  <a:t> </a:t>
+                </a:r>
+              </a:p>
+            </p:txBody>
+          </p:sp>
+        </mc:Fallback>
+      </mc:AlternateContent>
+      <mc:AlternateContent xmlns:mc="http://schemas.openxmlformats.org/markup-compatibility/2006" xmlns:a14="http://schemas.microsoft.com/office/drawing/2010/main">
+        <mc:Choice Requires="a14">
+          <p:sp>
+            <p:nvSpPr>
+              <p:cNvPr id="11" name="Rectangle 10">
+                <a:extLst>
+                  <a:ext uri="{FF2B5EF4-FFF2-40B4-BE49-F238E27FC236}">
+                    <a16:creationId xmlns:a16="http://schemas.microsoft.com/office/drawing/2014/main" id="{69D76D06-A0C0-F3E0-95CB-FA234A4185B8}"/>
+                  </a:ext>
+                </a:extLst>
+              </p:cNvPr>
+              <p:cNvSpPr/>
+              <p:nvPr/>
+            </p:nvSpPr>
+            <p:spPr>
+              <a:xfrm>
+                <a:off x="8968018" y="2842054"/>
+                <a:ext cx="2119746" cy="914400"/>
+              </a:xfrm>
+              <a:prstGeom prst="rect">
+                <a:avLst/>
+              </a:prstGeom>
+              <a:ln>
+                <a:solidFill>
+                  <a:schemeClr val="accent1"/>
+                </a:solidFill>
+              </a:ln>
+            </p:spPr>
+            <p:style>
+              <a:lnRef idx="2">
+                <a:schemeClr val="accent6"/>
+              </a:lnRef>
+              <a:fillRef idx="1">
+                <a:schemeClr val="lt1"/>
+              </a:fillRef>
+              <a:effectRef idx="0">
+                <a:schemeClr val="accent6"/>
+              </a:effectRef>
+              <a:fontRef idx="minor">
+                <a:schemeClr val="dk1"/>
+              </a:fontRef>
+            </p:style>
+            <p:txBody>
+              <a:bodyPr rtlCol="0" anchor="ctr"/>
+              <a:lstStyle/>
+              <a:p>
+                <a:pPr algn="ctr"/>
+                <a:r>
+                  <a:rPr lang="en-US" dirty="0"/>
+                  <a:t>Let </a:t>
+                </a:r>
+                <a:r>
+                  <a:rPr lang="en-US" b="1" dirty="0"/>
+                  <a:t>dis</a:t>
+                </a:r>
+                <a:r>
+                  <a:rPr lang="en-US" dirty="0"/>
+                  <a:t> = </a:t>
+                </a:r>
+                <a14:m>
+                  <m:oMath xmlns:m="http://schemas.openxmlformats.org/officeDocument/2006/math">
+                    <m:sSup>
+                      <m:sSupPr>
+                        <m:ctrlPr>
+                          <a:rPr lang="en-US" b="0" i="1" smtClean="0">
+                            <a:latin typeface="Cambria Math" panose="02040503050406030204" pitchFamily="18" charset="0"/>
+                          </a:rPr>
+                        </m:ctrlPr>
+                      </m:sSupPr>
+                      <m:e>
+                        <m:r>
+                          <a:rPr lang="en-US" b="0" i="1" smtClean="0">
+                            <a:latin typeface="Cambria Math" panose="02040503050406030204" pitchFamily="18" charset="0"/>
+                          </a:rPr>
+                          <m:t>𝑏</m:t>
+                        </m:r>
+                      </m:e>
+                      <m:sup>
+                        <m:r>
+                          <a:rPr lang="en-US" b="0" i="1" smtClean="0">
+                            <a:latin typeface="Cambria Math" panose="02040503050406030204" pitchFamily="18" charset="0"/>
+                          </a:rPr>
+                          <m:t>2</m:t>
+                        </m:r>
+                      </m:sup>
+                    </m:sSup>
+                    <m:r>
+                      <a:rPr lang="en-US" b="0" i="1" smtClean="0">
+                        <a:latin typeface="Cambria Math" panose="02040503050406030204" pitchFamily="18" charset="0"/>
+                      </a:rPr>
+                      <m:t>−4</m:t>
+                    </m:r>
+                    <m:r>
+                      <a:rPr lang="en-US" b="0" i="1" smtClean="0">
+                        <a:latin typeface="Cambria Math" panose="02040503050406030204" pitchFamily="18" charset="0"/>
+                      </a:rPr>
+                      <m:t>𝑎𝑐</m:t>
+                    </m:r>
+                  </m:oMath>
+                </a14:m>
+                <a:endParaRPr lang="en-US" dirty="0"/>
+              </a:p>
+            </p:txBody>
+          </p:sp>
+        </mc:Choice>
+        <mc:Fallback xmlns="">
+          <p:sp>
+            <p:nvSpPr>
+              <p:cNvPr id="11" name="Rectangle 10">
+                <a:extLst>
+                  <a:ext uri="{FF2B5EF4-FFF2-40B4-BE49-F238E27FC236}">
+                    <a16:creationId xmlns:a16="http://schemas.microsoft.com/office/drawing/2014/main" id="{69D76D06-A0C0-F3E0-95CB-FA234A4185B8}"/>
+                  </a:ext>
+                </a:extLst>
+              </p:cNvPr>
+              <p:cNvSpPr>
+                <a:spLocks noRot="1" noChangeAspect="1" noMove="1" noResize="1" noEditPoints="1" noAdjustHandles="1" noChangeArrowheads="1" noChangeShapeType="1" noTextEdit="1"/>
+              </p:cNvSpPr>
+              <p:nvPr/>
+            </p:nvSpPr>
+            <p:spPr>
+              <a:xfrm>
+                <a:off x="8968018" y="2842054"/>
+                <a:ext cx="2119746" cy="914400"/>
+              </a:xfrm>
+              <a:prstGeom prst="rect">
+                <a:avLst/>
+              </a:prstGeom>
+              <a:blipFill>
+                <a:blip r:embed="rId3"/>
+                <a:stretch>
+                  <a:fillRect/>
+                </a:stretch>
+              </a:blipFill>
+              <a:ln>
+                <a:solidFill>
+                  <a:schemeClr val="accent1"/>
+                </a:solidFill>
+              </a:ln>
+            </p:spPr>
+            <p:txBody>
+              <a:bodyPr/>
+              <a:lstStyle/>
+              <a:p>
+                <a:r>
+                  <a:rPr lang="en-US">
+                    <a:noFill/>
+                  </a:rPr>
+                  <a:t> </a:t>
+                </a:r>
+              </a:p>
+            </p:txBody>
+          </p:sp>
+        </mc:Fallback>
+      </mc:AlternateContent>
+      <p:sp>
+        <p:nvSpPr>
+          <p:cNvPr id="12" name="Diamond 11">
+            <a:extLst>
+              <a:ext uri="{FF2B5EF4-FFF2-40B4-BE49-F238E27FC236}">
+                <a16:creationId xmlns:a16="http://schemas.microsoft.com/office/drawing/2014/main" id="{8021232E-32FA-3D85-1C26-C554B375308C}"/>
+              </a:ext>
+            </a:extLst>
+          </p:cNvPr>
+          <p:cNvSpPr/>
+          <p:nvPr/>
+        </p:nvSpPr>
+        <p:spPr>
+          <a:xfrm>
+            <a:off x="8905012" y="4178044"/>
+            <a:ext cx="2216727" cy="674400"/>
+          </a:xfrm>
+          <a:prstGeom prst="diamond">
+            <a:avLst/>
+          </a:prstGeom>
+          <a:ln>
+            <a:solidFill>
+              <a:schemeClr val="accent1"/>
+            </a:solidFill>
+          </a:ln>
+        </p:spPr>
+        <p:style>
+          <a:lnRef idx="2">
+            <a:schemeClr val="accent6"/>
+          </a:lnRef>
+          <a:fillRef idx="1">
+            <a:schemeClr val="lt1"/>
+          </a:fillRef>
+          <a:effectRef idx="0">
+            <a:schemeClr val="accent6"/>
+          </a:effectRef>
+          <a:fontRef idx="minor">
+            <a:schemeClr val="dk1"/>
+          </a:fontRef>
+        </p:style>
+        <p:txBody>
+          <a:bodyPr rtlCol="0" anchor="ctr"/>
+          <a:lstStyle/>
+          <a:p>
+            <a:pPr algn="ctr"/>
+            <a:r>
+              <a:rPr lang="en-US" b="1"/>
+              <a:t>dis</a:t>
+            </a:r>
+            <a:r>
+              <a:rPr lang="en-US">
+                <a:solidFill>
+                  <a:schemeClr val="dk1"/>
+                </a:solidFill>
+              </a:rPr>
+              <a:t> </a:t>
+            </a:r>
+            <a:r>
+              <a:rPr lang="en-US" dirty="0">
+                <a:solidFill>
+                  <a:schemeClr val="dk1"/>
+                </a:solidFill>
+              </a:rPr>
+              <a:t>&gt; 0  ?</a:t>
+            </a:r>
+          </a:p>
+        </p:txBody>
+      </p:sp>
+      <p:cxnSp>
+        <p:nvCxnSpPr>
+          <p:cNvPr id="20" name="Straight Arrow Connector 19">
+            <a:extLst>
+              <a:ext uri="{FF2B5EF4-FFF2-40B4-BE49-F238E27FC236}">
+                <a16:creationId xmlns:a16="http://schemas.microsoft.com/office/drawing/2014/main" id="{223477A1-231B-C9E9-6310-0AD1770B571D}"/>
+              </a:ext>
+            </a:extLst>
+          </p:cNvPr>
+          <p:cNvCxnSpPr>
+            <a:cxnSpLocks/>
+          </p:cNvCxnSpPr>
+          <p:nvPr/>
+        </p:nvCxnSpPr>
+        <p:spPr>
+          <a:xfrm flipH="1">
+            <a:off x="10013376" y="1119320"/>
+            <a:ext cx="1" cy="436201"/>
+          </a:xfrm>
+          <a:prstGeom prst="straightConnector1">
+            <a:avLst/>
+          </a:prstGeom>
+          <a:ln>
+            <a:tailEnd type="triangle"/>
+          </a:ln>
+        </p:spPr>
+        <p:style>
+          <a:lnRef idx="2">
+            <a:schemeClr val="accent1"/>
+          </a:lnRef>
+          <a:fillRef idx="0">
+            <a:schemeClr val="accent1"/>
+          </a:fillRef>
+          <a:effectRef idx="1">
+            <a:schemeClr val="accent1"/>
+          </a:effectRef>
+          <a:fontRef idx="minor">
+            <a:schemeClr val="tx1"/>
+          </a:fontRef>
+        </p:style>
+      </p:cxnSp>
+      <p:cxnSp>
+        <p:nvCxnSpPr>
+          <p:cNvPr id="21" name="Straight Arrow Connector 20">
+            <a:extLst>
+              <a:ext uri="{FF2B5EF4-FFF2-40B4-BE49-F238E27FC236}">
+                <a16:creationId xmlns:a16="http://schemas.microsoft.com/office/drawing/2014/main" id="{126FB363-CB4A-B4F9-C740-0AC0E5FFA956}"/>
+              </a:ext>
+            </a:extLst>
+          </p:cNvPr>
+          <p:cNvCxnSpPr>
+            <a:cxnSpLocks/>
+            <a:endCxn id="11" idx="0"/>
+          </p:cNvCxnSpPr>
+          <p:nvPr/>
+        </p:nvCxnSpPr>
+        <p:spPr>
+          <a:xfrm>
+            <a:off x="10027891" y="2542492"/>
+            <a:ext cx="0" cy="299562"/>
+          </a:xfrm>
+          <a:prstGeom prst="straightConnector1">
+            <a:avLst/>
+          </a:prstGeom>
+          <a:ln>
+            <a:tailEnd type="triangle"/>
+          </a:ln>
+        </p:spPr>
+        <p:style>
+          <a:lnRef idx="2">
+            <a:schemeClr val="accent1"/>
+          </a:lnRef>
+          <a:fillRef idx="0">
+            <a:schemeClr val="accent1"/>
+          </a:fillRef>
+          <a:effectRef idx="1">
+            <a:schemeClr val="accent1"/>
+          </a:effectRef>
+          <a:fontRef idx="minor">
+            <a:schemeClr val="tx1"/>
+          </a:fontRef>
+        </p:style>
+      </p:cxnSp>
+      <p:cxnSp>
+        <p:nvCxnSpPr>
+          <p:cNvPr id="22" name="Straight Arrow Connector 21">
+            <a:extLst>
+              <a:ext uri="{FF2B5EF4-FFF2-40B4-BE49-F238E27FC236}">
+                <a16:creationId xmlns:a16="http://schemas.microsoft.com/office/drawing/2014/main" id="{8C170153-925D-8353-1A05-3232C608F30F}"/>
+              </a:ext>
+            </a:extLst>
+          </p:cNvPr>
+          <p:cNvCxnSpPr>
+            <a:cxnSpLocks/>
+          </p:cNvCxnSpPr>
+          <p:nvPr/>
+        </p:nvCxnSpPr>
+        <p:spPr>
+          <a:xfrm>
+            <a:off x="10011738" y="3799996"/>
+            <a:ext cx="0" cy="365760"/>
+          </a:xfrm>
+          <a:prstGeom prst="straightConnector1">
+            <a:avLst/>
+          </a:prstGeom>
+          <a:ln>
+            <a:tailEnd type="triangle"/>
+          </a:ln>
+        </p:spPr>
+        <p:style>
+          <a:lnRef idx="2">
+            <a:schemeClr val="accent1"/>
+          </a:lnRef>
+          <a:fillRef idx="0">
+            <a:schemeClr val="accent1"/>
+          </a:fillRef>
+          <a:effectRef idx="1">
+            <a:schemeClr val="accent1"/>
+          </a:effectRef>
+          <a:fontRef idx="minor">
+            <a:schemeClr val="tx1"/>
+          </a:fontRef>
+        </p:style>
+      </p:cxnSp>
+      <p:grpSp>
+        <p:nvGrpSpPr>
+          <p:cNvPr id="25" name="Group 24">
+            <a:extLst>
+              <a:ext uri="{FF2B5EF4-FFF2-40B4-BE49-F238E27FC236}">
+                <a16:creationId xmlns:a16="http://schemas.microsoft.com/office/drawing/2014/main" id="{EDDED558-AC42-F783-909C-5357A13578FE}"/>
+              </a:ext>
+            </a:extLst>
+          </p:cNvPr>
+          <p:cNvGrpSpPr/>
+          <p:nvPr/>
+        </p:nvGrpSpPr>
+        <p:grpSpPr>
+          <a:xfrm>
+            <a:off x="8018198" y="4113528"/>
+            <a:ext cx="4014144" cy="396754"/>
+            <a:chOff x="4876849" y="4572833"/>
+            <a:chExt cx="4246373" cy="396754"/>
+          </a:xfrm>
+        </p:grpSpPr>
+        <p:cxnSp>
+          <p:nvCxnSpPr>
+            <p:cNvPr id="26" name="Straight Arrow Connector 25">
+              <a:extLst>
+                <a:ext uri="{FF2B5EF4-FFF2-40B4-BE49-F238E27FC236}">
+                  <a16:creationId xmlns:a16="http://schemas.microsoft.com/office/drawing/2014/main" id="{F1E3FB73-F6C9-7936-A11E-DE0B38EC496A}"/>
+                </a:ext>
+              </a:extLst>
+            </p:cNvPr>
+            <p:cNvCxnSpPr/>
+            <p:nvPr/>
+          </p:nvCxnSpPr>
+          <p:spPr>
+            <a:xfrm flipV="1">
+              <a:off x="8035640" y="4957691"/>
+              <a:ext cx="1087582" cy="1"/>
+            </a:xfrm>
+            <a:prstGeom prst="straightConnector1">
+              <a:avLst/>
+            </a:prstGeom>
+            <a:ln>
+              <a:tailEnd type="triangle"/>
+            </a:ln>
+          </p:spPr>
+          <p:style>
+            <a:lnRef idx="2">
+              <a:schemeClr val="accent1"/>
+            </a:lnRef>
+            <a:fillRef idx="0">
+              <a:schemeClr val="accent1"/>
+            </a:fillRef>
+            <a:effectRef idx="1">
+              <a:schemeClr val="accent1"/>
+            </a:effectRef>
+            <a:fontRef idx="minor">
+              <a:schemeClr val="tx1"/>
+            </a:fontRef>
+          </p:style>
+        </p:cxnSp>
+        <p:cxnSp>
+          <p:nvCxnSpPr>
+            <p:cNvPr id="27" name="Straight Arrow Connector 26">
+              <a:extLst>
+                <a:ext uri="{FF2B5EF4-FFF2-40B4-BE49-F238E27FC236}">
+                  <a16:creationId xmlns:a16="http://schemas.microsoft.com/office/drawing/2014/main" id="{5E9CD3A6-E9A6-54F4-5EE2-9A77671087A5}"/>
+                </a:ext>
+              </a:extLst>
+            </p:cNvPr>
+            <p:cNvCxnSpPr/>
+            <p:nvPr/>
+          </p:nvCxnSpPr>
+          <p:spPr>
+            <a:xfrm flipH="1" flipV="1">
+              <a:off x="4876849" y="4969586"/>
+              <a:ext cx="928260" cy="1"/>
+            </a:xfrm>
+            <a:prstGeom prst="straightConnector1">
+              <a:avLst/>
+            </a:prstGeom>
+            <a:ln>
+              <a:tailEnd type="triangle"/>
+            </a:ln>
+          </p:spPr>
+          <p:style>
+            <a:lnRef idx="2">
+              <a:schemeClr val="accent1"/>
+            </a:lnRef>
+            <a:fillRef idx="0">
+              <a:schemeClr val="accent1"/>
+            </a:fillRef>
+            <a:effectRef idx="1">
+              <a:schemeClr val="accent1"/>
+            </a:effectRef>
+            <a:fontRef idx="minor">
+              <a:schemeClr val="tx1"/>
+            </a:fontRef>
+          </p:style>
+        </p:cxnSp>
+        <p:sp>
+          <p:nvSpPr>
+            <p:cNvPr id="28" name="TextBox 27">
+              <a:extLst>
+                <a:ext uri="{FF2B5EF4-FFF2-40B4-BE49-F238E27FC236}">
+                  <a16:creationId xmlns:a16="http://schemas.microsoft.com/office/drawing/2014/main" id="{B14886A4-3335-25FE-2475-6AED24EE468A}"/>
+                </a:ext>
+              </a:extLst>
+            </p:cNvPr>
+            <p:cNvSpPr txBox="1"/>
+            <p:nvPr/>
+          </p:nvSpPr>
+          <p:spPr>
+            <a:xfrm>
+              <a:off x="8285921" y="4575692"/>
+              <a:ext cx="587020" cy="369332"/>
+            </a:xfrm>
+            <a:prstGeom prst="rect">
+              <a:avLst/>
+            </a:prstGeom>
+            <a:solidFill>
+              <a:schemeClr val="accent6">
+                <a:lumMod val="20000"/>
+                <a:lumOff val="80000"/>
+              </a:schemeClr>
+            </a:solidFill>
+          </p:spPr>
+          <p:txBody>
+            <a:bodyPr wrap="none" rtlCol="0">
+              <a:spAutoFit/>
+            </a:bodyPr>
+            <a:lstStyle/>
+            <a:p>
+              <a:r>
+                <a:rPr lang="en-US" dirty="0"/>
+                <a:t>true</a:t>
+              </a:r>
+            </a:p>
+          </p:txBody>
+        </p:sp>
+        <p:sp>
+          <p:nvSpPr>
+            <p:cNvPr id="29" name="TextBox 28">
+              <a:extLst>
+                <a:ext uri="{FF2B5EF4-FFF2-40B4-BE49-F238E27FC236}">
+                  <a16:creationId xmlns:a16="http://schemas.microsoft.com/office/drawing/2014/main" id="{2D698FE2-E97B-A84A-2FE3-094E05325BD1}"/>
+                </a:ext>
+              </a:extLst>
+            </p:cNvPr>
+            <p:cNvSpPr txBox="1"/>
+            <p:nvPr/>
+          </p:nvSpPr>
+          <p:spPr>
+            <a:xfrm>
+              <a:off x="5150987" y="4572833"/>
+              <a:ext cx="665952" cy="369332"/>
+            </a:xfrm>
+            <a:prstGeom prst="rect">
+              <a:avLst/>
+            </a:prstGeom>
+            <a:solidFill>
+              <a:schemeClr val="accent2">
+                <a:lumMod val="20000"/>
+                <a:lumOff val="80000"/>
+              </a:schemeClr>
+            </a:solidFill>
+          </p:spPr>
+          <p:txBody>
+            <a:bodyPr wrap="none" rtlCol="0">
+              <a:spAutoFit/>
+            </a:bodyPr>
+            <a:lstStyle/>
+            <a:p>
+              <a:r>
+                <a:rPr lang="en-US" dirty="0"/>
+                <a:t>false</a:t>
+              </a:r>
+            </a:p>
+          </p:txBody>
+        </p:sp>
+      </p:grpSp>
+      <p:cxnSp>
+        <p:nvCxnSpPr>
+          <p:cNvPr id="9" name="Straight Connector 8">
+            <a:extLst>
+              <a:ext uri="{FF2B5EF4-FFF2-40B4-BE49-F238E27FC236}">
+                <a16:creationId xmlns:a16="http://schemas.microsoft.com/office/drawing/2014/main" id="{9CD5B3FD-AA19-9188-EC4A-26B8542DBE11}"/>
+              </a:ext>
+            </a:extLst>
+          </p:cNvPr>
+          <p:cNvCxnSpPr>
+            <a:cxnSpLocks/>
+          </p:cNvCxnSpPr>
+          <p:nvPr/>
+        </p:nvCxnSpPr>
+        <p:spPr>
+          <a:xfrm flipH="1">
+            <a:off x="2604655" y="2937163"/>
+            <a:ext cx="5987455" cy="0"/>
+          </a:xfrm>
+          <a:prstGeom prst="line">
+            <a:avLst/>
+          </a:prstGeom>
+          <a:ln w="19050" cap="flat" cmpd="sng" algn="ctr">
+            <a:solidFill>
+              <a:schemeClr val="accent1"/>
+            </a:solidFill>
+            <a:prstDash val="dash"/>
+            <a:round/>
+            <a:headEnd type="none" w="med" len="med"/>
+            <a:tailEnd type="none" w="med" len="med"/>
+          </a:ln>
+        </p:spPr>
+        <p:style>
+          <a:lnRef idx="0">
+            <a:scrgbClr r="0" g="0" b="0"/>
+          </a:lnRef>
+          <a:fillRef idx="0">
+            <a:scrgbClr r="0" g="0" b="0"/>
+          </a:fillRef>
+          <a:effectRef idx="0">
+            <a:scrgbClr r="0" g="0" b="0"/>
+          </a:effectRef>
+          <a:fontRef idx="minor">
+            <a:schemeClr val="tx1"/>
+          </a:fontRef>
+        </p:style>
+      </p:cxnSp>
+      <p:grpSp>
+        <p:nvGrpSpPr>
+          <p:cNvPr id="3" name="Group 2">
+            <a:extLst>
+              <a:ext uri="{FF2B5EF4-FFF2-40B4-BE49-F238E27FC236}">
+                <a16:creationId xmlns:a16="http://schemas.microsoft.com/office/drawing/2014/main" id="{2B8E4FFC-4FF0-7CD9-4EC0-24A93DEFA720}"/>
+              </a:ext>
+            </a:extLst>
+          </p:cNvPr>
+          <p:cNvGrpSpPr/>
+          <p:nvPr/>
+        </p:nvGrpSpPr>
+        <p:grpSpPr>
+          <a:xfrm>
+            <a:off x="8018198" y="5095320"/>
+            <a:ext cx="4014144" cy="1016628"/>
+            <a:chOff x="2955665" y="5636431"/>
+            <a:chExt cx="7132474" cy="856444"/>
+          </a:xfrm>
+        </p:grpSpPr>
+        <p:cxnSp>
+          <p:nvCxnSpPr>
+            <p:cNvPr id="4" name="Connector: Elbow 3">
+              <a:extLst>
+                <a:ext uri="{FF2B5EF4-FFF2-40B4-BE49-F238E27FC236}">
+                  <a16:creationId xmlns:a16="http://schemas.microsoft.com/office/drawing/2014/main" id="{02400338-ECB4-8AE5-650E-78014E361443}"/>
+                </a:ext>
+              </a:extLst>
+            </p:cNvPr>
+            <p:cNvCxnSpPr>
+              <a:cxnSpLocks/>
+            </p:cNvCxnSpPr>
+            <p:nvPr/>
+          </p:nvCxnSpPr>
+          <p:spPr>
+            <a:xfrm>
+              <a:off x="2955665" y="6358900"/>
+              <a:ext cx="2932523" cy="133974"/>
+            </a:xfrm>
+            <a:prstGeom prst="bentConnector3">
+              <a:avLst>
+                <a:gd name="adj1" fmla="val -1207"/>
+              </a:avLst>
+            </a:prstGeom>
+            <a:ln>
+              <a:tailEnd type="triangle"/>
+            </a:ln>
+          </p:spPr>
+          <p:style>
+            <a:lnRef idx="2">
+              <a:schemeClr val="accent1"/>
+            </a:lnRef>
+            <a:fillRef idx="0">
+              <a:schemeClr val="accent1"/>
+            </a:fillRef>
+            <a:effectRef idx="1">
+              <a:schemeClr val="accent1"/>
+            </a:effectRef>
+            <a:fontRef idx="minor">
+              <a:schemeClr val="tx1"/>
+            </a:fontRef>
+          </p:style>
+        </p:cxnSp>
+        <p:cxnSp>
+          <p:nvCxnSpPr>
+            <p:cNvPr id="7" name="Connector: Elbow 6">
+              <a:extLst>
+                <a:ext uri="{FF2B5EF4-FFF2-40B4-BE49-F238E27FC236}">
+                  <a16:creationId xmlns:a16="http://schemas.microsoft.com/office/drawing/2014/main" id="{2E48799D-F4A9-41FB-C675-24A90B43C48F}"/>
+                </a:ext>
+              </a:extLst>
+            </p:cNvPr>
+            <p:cNvCxnSpPr>
+              <a:cxnSpLocks/>
+            </p:cNvCxnSpPr>
+            <p:nvPr/>
+          </p:nvCxnSpPr>
+          <p:spPr>
+            <a:xfrm rot="5400000">
+              <a:off x="9027509" y="5432244"/>
+              <a:ext cx="856444" cy="1264817"/>
+            </a:xfrm>
+            <a:prstGeom prst="bentConnector3">
+              <a:avLst>
+                <a:gd name="adj1" fmla="val 97698"/>
+              </a:avLst>
+            </a:prstGeom>
+            <a:ln>
+              <a:tailEnd type="triangle"/>
+            </a:ln>
+          </p:spPr>
+          <p:style>
+            <a:lnRef idx="2">
+              <a:schemeClr val="accent1"/>
+            </a:lnRef>
+            <a:fillRef idx="0">
+              <a:schemeClr val="accent1"/>
+            </a:fillRef>
+            <a:effectRef idx="1">
+              <a:schemeClr val="accent1"/>
+            </a:effectRef>
+            <a:fontRef idx="minor">
+              <a:schemeClr val="tx1"/>
+            </a:fontRef>
+          </p:style>
+        </p:cxnSp>
+      </p:grpSp>
+      <p:cxnSp>
+        <p:nvCxnSpPr>
+          <p:cNvPr id="33" name="Straight Connector 32">
+            <a:extLst>
+              <a:ext uri="{FF2B5EF4-FFF2-40B4-BE49-F238E27FC236}">
+                <a16:creationId xmlns:a16="http://schemas.microsoft.com/office/drawing/2014/main" id="{FB3EAFBF-14E7-6392-A8EE-636ED7EEECDF}"/>
+              </a:ext>
+            </a:extLst>
+          </p:cNvPr>
+          <p:cNvCxnSpPr/>
+          <p:nvPr/>
+        </p:nvCxnSpPr>
+        <p:spPr>
+          <a:xfrm>
+            <a:off x="10479314" y="5095320"/>
+            <a:ext cx="1553028" cy="12670"/>
+          </a:xfrm>
+          <a:prstGeom prst="line">
+            <a:avLst/>
+          </a:prstGeom>
+        </p:spPr>
+        <p:style>
+          <a:lnRef idx="2">
+            <a:schemeClr val="accent1"/>
+          </a:lnRef>
+          <a:fillRef idx="0">
+            <a:schemeClr val="accent1"/>
+          </a:fillRef>
+          <a:effectRef idx="1">
+            <a:schemeClr val="accent1"/>
+          </a:effectRef>
+          <a:fontRef idx="minor">
+            <a:schemeClr val="tx1"/>
+          </a:fontRef>
+        </p:style>
+      </p:cxnSp>
+      <mc:AlternateContent xmlns:mc="http://schemas.openxmlformats.org/markup-compatibility/2006" xmlns:a14="http://schemas.microsoft.com/office/drawing/2010/main">
+        <mc:Choice Requires="a14">
+          <p:sp>
+            <p:nvSpPr>
+              <p:cNvPr id="19" name="TextBox 18">
+                <a:extLst>
+                  <a:ext uri="{FF2B5EF4-FFF2-40B4-BE49-F238E27FC236}">
+                    <a16:creationId xmlns:a16="http://schemas.microsoft.com/office/drawing/2014/main" id="{9996A85C-ADF7-7BF6-9BD1-485248258F63}"/>
+                  </a:ext>
+                </a:extLst>
+              </p:cNvPr>
+              <p:cNvSpPr txBox="1"/>
+              <p:nvPr/>
+            </p:nvSpPr>
+            <p:spPr>
+              <a:xfrm>
+                <a:off x="-43967" y="1344429"/>
+                <a:ext cx="2587696" cy="646331"/>
+              </a:xfrm>
+              <a:prstGeom prst="rect">
+                <a:avLst/>
+              </a:prstGeom>
+              <a:noFill/>
+            </p:spPr>
+            <p:txBody>
+              <a:bodyPr wrap="none" rtlCol="0">
+                <a:spAutoFit/>
+              </a:bodyPr>
+              <a:lstStyle/>
+              <a:p>
+                <a:pPr/>
+                <a:r>
+                  <a:rPr lang="en-US" dirty="0"/>
+                  <a:t>Lets say our quadratic is</a:t>
+                </a:r>
+                <a:br>
+                  <a:rPr lang="en-US" dirty="0"/>
+                </a:br>
+                <a14:m>
+                  <m:oMathPara xmlns:m="http://schemas.openxmlformats.org/officeDocument/2006/math">
+                    <m:oMathParaPr>
+                      <m:jc m:val="centerGroup"/>
+                    </m:oMathParaPr>
+                    <m:oMath xmlns:m="http://schemas.openxmlformats.org/officeDocument/2006/math">
+                      <m:sSup>
+                        <m:sSupPr>
+                          <m:ctrlPr>
+                            <a:rPr lang="en-US" b="0" i="1" smtClean="0">
+                              <a:latin typeface="Cambria Math" panose="02040503050406030204" pitchFamily="18" charset="0"/>
+                            </a:rPr>
+                          </m:ctrlPr>
+                        </m:sSupPr>
+                        <m:e>
+                          <m:r>
+                            <a:rPr lang="en-US" b="0" i="1" smtClean="0">
+                              <a:latin typeface="Cambria Math" panose="02040503050406030204" pitchFamily="18" charset="0"/>
+                            </a:rPr>
+                            <m:t>𝑥</m:t>
+                          </m:r>
+                        </m:e>
+                        <m:sup>
+                          <m:r>
+                            <a:rPr lang="en-US" b="0" i="1" smtClean="0">
+                              <a:latin typeface="Cambria Math" panose="02040503050406030204" pitchFamily="18" charset="0"/>
+                            </a:rPr>
+                            <m:t>2</m:t>
+                          </m:r>
+                        </m:sup>
+                      </m:sSup>
+                      <m:r>
+                        <a:rPr lang="en-US" b="0" i="1" smtClean="0">
+                          <a:latin typeface="Cambria Math" panose="02040503050406030204" pitchFamily="18" charset="0"/>
+                        </a:rPr>
+                        <m:t>+</m:t>
+                      </m:r>
+                      <m:r>
+                        <a:rPr lang="en-US" b="0" i="1" smtClean="0">
+                          <a:latin typeface="Cambria Math" panose="02040503050406030204" pitchFamily="18" charset="0"/>
+                        </a:rPr>
+                        <m:t>𝑥</m:t>
+                      </m:r>
+                      <m:r>
+                        <a:rPr lang="en-US" b="0" i="1" smtClean="0">
+                          <a:latin typeface="Cambria Math" panose="02040503050406030204" pitchFamily="18" charset="0"/>
+                        </a:rPr>
+                        <m:t>−2=0</m:t>
+                      </m:r>
+                    </m:oMath>
+                  </m:oMathPara>
+                </a14:m>
+                <a:endParaRPr lang="en-US" dirty="0"/>
+              </a:p>
+            </p:txBody>
+          </p:sp>
+        </mc:Choice>
+        <mc:Fallback xmlns="">
+          <p:sp>
+            <p:nvSpPr>
+              <p:cNvPr id="19" name="TextBox 18">
+                <a:extLst>
+                  <a:ext uri="{FF2B5EF4-FFF2-40B4-BE49-F238E27FC236}">
+                    <a16:creationId xmlns:a16="http://schemas.microsoft.com/office/drawing/2014/main" id="{9996A85C-ADF7-7BF6-9BD1-485248258F63}"/>
+                  </a:ext>
+                </a:extLst>
+              </p:cNvPr>
+              <p:cNvSpPr txBox="1">
+                <a:spLocks noRot="1" noChangeAspect="1" noMove="1" noResize="1" noEditPoints="1" noAdjustHandles="1" noChangeArrowheads="1" noChangeShapeType="1" noTextEdit="1"/>
+              </p:cNvSpPr>
+              <p:nvPr/>
+            </p:nvSpPr>
+            <p:spPr>
+              <a:xfrm>
+                <a:off x="-43967" y="1344429"/>
+                <a:ext cx="2587696" cy="646331"/>
+              </a:xfrm>
+              <a:prstGeom prst="rect">
+                <a:avLst/>
+              </a:prstGeom>
+              <a:blipFill>
+                <a:blip r:embed="rId4"/>
+                <a:stretch>
+                  <a:fillRect l="-2123" t="-4717" r="-943"/>
+                </a:stretch>
+              </a:blipFill>
+            </p:spPr>
+            <p:txBody>
+              <a:bodyPr/>
+              <a:lstStyle/>
+              <a:p>
+                <a:r>
+                  <a:rPr lang="en-US">
+                    <a:noFill/>
+                  </a:rPr>
+                  <a:t> </a:t>
+                </a:r>
+              </a:p>
+            </p:txBody>
+          </p:sp>
+        </mc:Fallback>
+      </mc:AlternateContent>
+      <p:grpSp>
+        <p:nvGrpSpPr>
+          <p:cNvPr id="48" name="Group 47">
+            <a:extLst>
+              <a:ext uri="{FF2B5EF4-FFF2-40B4-BE49-F238E27FC236}">
+                <a16:creationId xmlns:a16="http://schemas.microsoft.com/office/drawing/2014/main" id="{97C31752-CD9B-A642-205F-95B65959D1FA}"/>
+              </a:ext>
+            </a:extLst>
+          </p:cNvPr>
+          <p:cNvGrpSpPr/>
+          <p:nvPr/>
+        </p:nvGrpSpPr>
+        <p:grpSpPr>
+          <a:xfrm>
+            <a:off x="161807" y="2089737"/>
+            <a:ext cx="2335289" cy="923330"/>
+            <a:chOff x="161807" y="2089737"/>
+            <a:chExt cx="2335289" cy="923330"/>
+          </a:xfrm>
+        </p:grpSpPr>
+        <p:sp>
+          <p:nvSpPr>
+            <p:cNvPr id="23" name="TextBox 22">
+              <a:extLst>
+                <a:ext uri="{FF2B5EF4-FFF2-40B4-BE49-F238E27FC236}">
+                  <a16:creationId xmlns:a16="http://schemas.microsoft.com/office/drawing/2014/main" id="{EFF4D315-60BF-EDE4-E195-E8761E9655C0}"/>
+                </a:ext>
+              </a:extLst>
+            </p:cNvPr>
+            <p:cNvSpPr txBox="1"/>
+            <p:nvPr/>
+          </p:nvSpPr>
+          <p:spPr>
+            <a:xfrm>
+              <a:off x="161807" y="2089737"/>
+              <a:ext cx="308098" cy="923330"/>
+            </a:xfrm>
+            <a:custGeom>
+              <a:avLst/>
+              <a:gdLst>
+                <a:gd name="connsiteX0" fmla="*/ 0 w 308098"/>
+                <a:gd name="connsiteY0" fmla="*/ 0 h 923330"/>
+                <a:gd name="connsiteX1" fmla="*/ 308098 w 308098"/>
+                <a:gd name="connsiteY1" fmla="*/ 0 h 923330"/>
+                <a:gd name="connsiteX2" fmla="*/ 308098 w 308098"/>
+                <a:gd name="connsiteY2" fmla="*/ 443198 h 923330"/>
+                <a:gd name="connsiteX3" fmla="*/ 308098 w 308098"/>
+                <a:gd name="connsiteY3" fmla="*/ 923330 h 923330"/>
+                <a:gd name="connsiteX4" fmla="*/ 0 w 308098"/>
+                <a:gd name="connsiteY4" fmla="*/ 923330 h 923330"/>
+                <a:gd name="connsiteX5" fmla="*/ 0 w 308098"/>
+                <a:gd name="connsiteY5" fmla="*/ 470898 h 923330"/>
+                <a:gd name="connsiteX6" fmla="*/ 0 w 308098"/>
+                <a:gd name="connsiteY6" fmla="*/ 0 h 923330"/>
+              </a:gdLst>
+              <a:ahLst/>
+              <a:cxnLst>
+                <a:cxn ang="0">
+                  <a:pos x="connsiteX0" y="connsiteY0"/>
+                </a:cxn>
+                <a:cxn ang="0">
+                  <a:pos x="connsiteX1" y="connsiteY1"/>
+                </a:cxn>
+                <a:cxn ang="0">
+                  <a:pos x="connsiteX2" y="connsiteY2"/>
+                </a:cxn>
+                <a:cxn ang="0">
+                  <a:pos x="connsiteX3" y="connsiteY3"/>
+                </a:cxn>
+                <a:cxn ang="0">
+                  <a:pos x="connsiteX4" y="connsiteY4"/>
+                </a:cxn>
+                <a:cxn ang="0">
+                  <a:pos x="connsiteX5" y="connsiteY5"/>
+                </a:cxn>
+                <a:cxn ang="0">
+                  <a:pos x="connsiteX6" y="connsiteY6"/>
+                </a:cxn>
+              </a:cxnLst>
+              <a:rect l="l" t="t" r="r" b="b"/>
+              <a:pathLst>
+                <a:path w="308098" h="923330" fill="none" extrusionOk="0">
+                  <a:moveTo>
+                    <a:pt x="0" y="0"/>
+                  </a:moveTo>
+                  <a:cubicBezTo>
+                    <a:pt x="137712" y="-5910"/>
+                    <a:pt x="166687" y="19944"/>
+                    <a:pt x="308098" y="0"/>
+                  </a:cubicBezTo>
+                  <a:cubicBezTo>
+                    <a:pt x="343617" y="207713"/>
+                    <a:pt x="281483" y="287910"/>
+                    <a:pt x="308098" y="443198"/>
+                  </a:cubicBezTo>
+                  <a:cubicBezTo>
+                    <a:pt x="334713" y="598486"/>
+                    <a:pt x="257940" y="733350"/>
+                    <a:pt x="308098" y="923330"/>
+                  </a:cubicBezTo>
+                  <a:cubicBezTo>
+                    <a:pt x="246129" y="953160"/>
+                    <a:pt x="89613" y="891782"/>
+                    <a:pt x="0" y="923330"/>
+                  </a:cubicBezTo>
+                  <a:cubicBezTo>
+                    <a:pt x="-43503" y="820809"/>
+                    <a:pt x="4476" y="618386"/>
+                    <a:pt x="0" y="470898"/>
+                  </a:cubicBezTo>
+                  <a:cubicBezTo>
+                    <a:pt x="-4476" y="323410"/>
+                    <a:pt x="9490" y="207110"/>
+                    <a:pt x="0" y="0"/>
+                  </a:cubicBezTo>
+                  <a:close/>
+                </a:path>
+                <a:path w="308098" h="923330" stroke="0" extrusionOk="0">
+                  <a:moveTo>
+                    <a:pt x="0" y="0"/>
+                  </a:moveTo>
+                  <a:cubicBezTo>
+                    <a:pt x="92295" y="-1213"/>
+                    <a:pt x="228618" y="26515"/>
+                    <a:pt x="308098" y="0"/>
+                  </a:cubicBezTo>
+                  <a:cubicBezTo>
+                    <a:pt x="333068" y="216894"/>
+                    <a:pt x="256687" y="342773"/>
+                    <a:pt x="308098" y="433965"/>
+                  </a:cubicBezTo>
+                  <a:cubicBezTo>
+                    <a:pt x="359509" y="525157"/>
+                    <a:pt x="304559" y="794969"/>
+                    <a:pt x="308098" y="923330"/>
+                  </a:cubicBezTo>
+                  <a:cubicBezTo>
+                    <a:pt x="187678" y="927652"/>
+                    <a:pt x="101485" y="922236"/>
+                    <a:pt x="0" y="923330"/>
+                  </a:cubicBezTo>
+                  <a:cubicBezTo>
+                    <a:pt x="-14996" y="715233"/>
+                    <a:pt x="42904" y="588618"/>
+                    <a:pt x="0" y="470898"/>
+                  </a:cubicBezTo>
+                  <a:cubicBezTo>
+                    <a:pt x="-42904" y="353178"/>
+                    <a:pt x="39617" y="167915"/>
+                    <a:pt x="0" y="0"/>
+                  </a:cubicBezTo>
+                  <a:close/>
+                </a:path>
+              </a:pathLst>
+            </a:custGeom>
+            <a:solidFill>
+              <a:schemeClr val="accent4">
+                <a:lumMod val="20000"/>
+                <a:lumOff val="80000"/>
+              </a:schemeClr>
+            </a:solidFill>
+            <a:ln>
+              <a:solidFill>
+                <a:schemeClr val="accent1"/>
+              </a:solidFill>
+              <a:extLst>
+                <a:ext uri="{C807C97D-BFC1-408E-A445-0C87EB9F89A2}">
+                  <ask:lineSketchStyleProps xmlns:ask="http://schemas.microsoft.com/office/drawing/2018/sketchyshapes" sd="1219033472">
+                    <a:prstGeom prst="rect">
+                      <a:avLst/>
+                    </a:prstGeom>
+                    <ask:type>
+                      <ask:lineSketchScribble/>
+                    </ask:type>
+                  </ask:lineSketchStyleProps>
+                </a:ext>
+              </a:extLst>
+            </a:ln>
+          </p:spPr>
+          <p:txBody>
+            <a:bodyPr wrap="none" rtlCol="0">
+              <a:spAutoFit/>
+            </a:bodyPr>
+            <a:lstStyle/>
+            <a:p>
+              <a:r>
+                <a:rPr lang="en-US" dirty="0"/>
+                <a:t>1</a:t>
+              </a:r>
+            </a:p>
+            <a:p>
+              <a:r>
+                <a:rPr lang="en-US" dirty="0"/>
+                <a:t>1</a:t>
+              </a:r>
+            </a:p>
+            <a:p>
+              <a:r>
+                <a:rPr lang="en-US" dirty="0"/>
+                <a:t>2</a:t>
+              </a:r>
+            </a:p>
+          </p:txBody>
+        </p:sp>
+        <p:cxnSp>
+          <p:nvCxnSpPr>
+            <p:cNvPr id="30" name="Straight Connector 29">
+              <a:extLst>
+                <a:ext uri="{FF2B5EF4-FFF2-40B4-BE49-F238E27FC236}">
+                  <a16:creationId xmlns:a16="http://schemas.microsoft.com/office/drawing/2014/main" id="{23AEB4B7-2F5C-CB32-1787-FE19186F4784}"/>
+                </a:ext>
+              </a:extLst>
+            </p:cNvPr>
+            <p:cNvCxnSpPr>
+              <a:cxnSpLocks/>
+              <a:stCxn id="23" idx="3"/>
+            </p:cNvCxnSpPr>
+            <p:nvPr/>
+          </p:nvCxnSpPr>
+          <p:spPr>
+            <a:xfrm>
+              <a:off x="469905" y="2551402"/>
+              <a:ext cx="2027191" cy="0"/>
+            </a:xfrm>
+            <a:prstGeom prst="line">
+              <a:avLst/>
+            </a:prstGeom>
+            <a:ln>
+              <a:solidFill>
+                <a:schemeClr val="bg1">
+                  <a:lumMod val="50000"/>
+                </a:schemeClr>
+              </a:solidFill>
+              <a:prstDash val="lgDash"/>
+            </a:ln>
+          </p:spPr>
+          <p:style>
+            <a:lnRef idx="2">
+              <a:schemeClr val="accent1"/>
+            </a:lnRef>
+            <a:fillRef idx="0">
+              <a:schemeClr val="accent1"/>
+            </a:fillRef>
+            <a:effectRef idx="1">
+              <a:schemeClr val="accent1"/>
+            </a:effectRef>
+            <a:fontRef idx="minor">
+              <a:schemeClr val="tx1"/>
+            </a:fontRef>
+          </p:style>
+        </p:cxnSp>
+      </p:grpSp>
+      <p:sp>
+        <p:nvSpPr>
+          <p:cNvPr id="35" name="TextBox 34">
+            <a:extLst>
+              <a:ext uri="{FF2B5EF4-FFF2-40B4-BE49-F238E27FC236}">
+                <a16:creationId xmlns:a16="http://schemas.microsoft.com/office/drawing/2014/main" id="{ACB6A37D-C5D6-50D7-0B5C-32BECBFF16FB}"/>
+              </a:ext>
+            </a:extLst>
+          </p:cNvPr>
+          <p:cNvSpPr txBox="1"/>
+          <p:nvPr/>
+        </p:nvSpPr>
+        <p:spPr>
+          <a:xfrm>
+            <a:off x="829686" y="2669992"/>
+            <a:ext cx="1232389" cy="923330"/>
+          </a:xfrm>
+          <a:prstGeom prst="rect">
+            <a:avLst/>
+          </a:prstGeom>
+          <a:noFill/>
+          <a:ln>
+            <a:solidFill>
+              <a:schemeClr val="bg1">
+                <a:lumMod val="50000"/>
+              </a:schemeClr>
+            </a:solidFill>
+          </a:ln>
+        </p:spPr>
+        <p:txBody>
+          <a:bodyPr wrap="none" rtlCol="0">
+            <a:spAutoFit/>
+          </a:bodyPr>
+          <a:lstStyle/>
+          <a:p>
+            <a:r>
+              <a:rPr lang="en-US" dirty="0"/>
+              <a:t>a is now 1</a:t>
+            </a:r>
+          </a:p>
+          <a:p>
+            <a:r>
+              <a:rPr lang="en-US" dirty="0"/>
+              <a:t>b is now 1</a:t>
+            </a:r>
+          </a:p>
+          <a:p>
+            <a:r>
+              <a:rPr lang="en-US" dirty="0"/>
+              <a:t>c is now -2</a:t>
+            </a:r>
+          </a:p>
+        </p:txBody>
+      </p:sp>
+      <p:sp>
+        <p:nvSpPr>
+          <p:cNvPr id="36" name="TextBox 35">
+            <a:extLst>
+              <a:ext uri="{FF2B5EF4-FFF2-40B4-BE49-F238E27FC236}">
+                <a16:creationId xmlns:a16="http://schemas.microsoft.com/office/drawing/2014/main" id="{F973D063-BAB6-B662-2FF3-286EE4854384}"/>
+              </a:ext>
+            </a:extLst>
+          </p:cNvPr>
+          <p:cNvSpPr txBox="1"/>
+          <p:nvPr/>
+        </p:nvSpPr>
+        <p:spPr>
+          <a:xfrm>
+            <a:off x="829686" y="3727611"/>
+            <a:ext cx="1328569" cy="369332"/>
+          </a:xfrm>
+          <a:prstGeom prst="rect">
+            <a:avLst/>
+          </a:prstGeom>
+          <a:noFill/>
+          <a:ln>
+            <a:solidFill>
+              <a:schemeClr val="bg1">
+                <a:lumMod val="50000"/>
+              </a:schemeClr>
+            </a:solidFill>
+          </a:ln>
+        </p:spPr>
+        <p:txBody>
+          <a:bodyPr wrap="none" rtlCol="0">
+            <a:spAutoFit/>
+          </a:bodyPr>
+          <a:lstStyle/>
+          <a:p>
+            <a:r>
+              <a:rPr lang="en-US" dirty="0"/>
+              <a:t>dis is now 9</a:t>
+            </a:r>
+          </a:p>
+        </p:txBody>
+      </p:sp>
+      <p:sp>
+        <p:nvSpPr>
+          <p:cNvPr id="37" name="TextBox 36">
+            <a:extLst>
+              <a:ext uri="{FF2B5EF4-FFF2-40B4-BE49-F238E27FC236}">
+                <a16:creationId xmlns:a16="http://schemas.microsoft.com/office/drawing/2014/main" id="{5D28CC8C-B178-362D-FBEA-5718E80152BE}"/>
+              </a:ext>
+            </a:extLst>
+          </p:cNvPr>
+          <p:cNvSpPr txBox="1"/>
+          <p:nvPr/>
+        </p:nvSpPr>
+        <p:spPr>
+          <a:xfrm>
+            <a:off x="863155" y="4638750"/>
+            <a:ext cx="1483098" cy="369332"/>
+          </a:xfrm>
+          <a:prstGeom prst="rect">
+            <a:avLst/>
+          </a:prstGeom>
+          <a:noFill/>
+          <a:ln>
+            <a:solidFill>
+              <a:schemeClr val="bg1">
+                <a:lumMod val="50000"/>
+              </a:schemeClr>
+            </a:solidFill>
+          </a:ln>
+        </p:spPr>
+        <p:txBody>
+          <a:bodyPr wrap="none" rtlCol="0">
+            <a:spAutoFit/>
+          </a:bodyPr>
+          <a:lstStyle/>
+          <a:p>
+            <a:r>
+              <a:rPr lang="en-US" dirty="0"/>
+              <a:t>dis &gt; 0 is true</a:t>
+            </a:r>
+          </a:p>
+        </p:txBody>
+      </p:sp>
+      <p:grpSp>
+        <p:nvGrpSpPr>
+          <p:cNvPr id="55" name="Group 54">
+            <a:extLst>
+              <a:ext uri="{FF2B5EF4-FFF2-40B4-BE49-F238E27FC236}">
+                <a16:creationId xmlns:a16="http://schemas.microsoft.com/office/drawing/2014/main" id="{5EC54B4E-1743-9F58-0481-51573C72D192}"/>
+              </a:ext>
+            </a:extLst>
+          </p:cNvPr>
+          <p:cNvGrpSpPr/>
+          <p:nvPr/>
+        </p:nvGrpSpPr>
+        <p:grpSpPr>
+          <a:xfrm>
+            <a:off x="57294" y="5168384"/>
+            <a:ext cx="3672877" cy="369332"/>
+            <a:chOff x="57294" y="5168384"/>
+            <a:chExt cx="3672877" cy="369332"/>
+          </a:xfrm>
+        </p:grpSpPr>
+        <p:sp>
+          <p:nvSpPr>
+            <p:cNvPr id="40" name="TextBox 39">
+              <a:extLst>
+                <a:ext uri="{FF2B5EF4-FFF2-40B4-BE49-F238E27FC236}">
+                  <a16:creationId xmlns:a16="http://schemas.microsoft.com/office/drawing/2014/main" id="{13E68470-FE62-99F2-AB5A-18B82C360D09}"/>
+                </a:ext>
+              </a:extLst>
+            </p:cNvPr>
+            <p:cNvSpPr txBox="1"/>
+            <p:nvPr/>
+          </p:nvSpPr>
+          <p:spPr>
+            <a:xfrm>
+              <a:off x="57294" y="5168384"/>
+              <a:ext cx="2777171" cy="369332"/>
+            </a:xfrm>
+            <a:custGeom>
+              <a:avLst/>
+              <a:gdLst>
+                <a:gd name="connsiteX0" fmla="*/ 0 w 2777171"/>
+                <a:gd name="connsiteY0" fmla="*/ 0 h 369332"/>
+                <a:gd name="connsiteX1" fmla="*/ 527662 w 2777171"/>
+                <a:gd name="connsiteY1" fmla="*/ 0 h 369332"/>
+                <a:gd name="connsiteX2" fmla="*/ 1083097 w 2777171"/>
+                <a:gd name="connsiteY2" fmla="*/ 0 h 369332"/>
+                <a:gd name="connsiteX3" fmla="*/ 1666303 w 2777171"/>
+                <a:gd name="connsiteY3" fmla="*/ 0 h 369332"/>
+                <a:gd name="connsiteX4" fmla="*/ 2249509 w 2777171"/>
+                <a:gd name="connsiteY4" fmla="*/ 0 h 369332"/>
+                <a:gd name="connsiteX5" fmla="*/ 2777171 w 2777171"/>
+                <a:gd name="connsiteY5" fmla="*/ 0 h 369332"/>
+                <a:gd name="connsiteX6" fmla="*/ 2777171 w 2777171"/>
+                <a:gd name="connsiteY6" fmla="*/ 369332 h 369332"/>
+                <a:gd name="connsiteX7" fmla="*/ 2166193 w 2777171"/>
+                <a:gd name="connsiteY7" fmla="*/ 369332 h 369332"/>
+                <a:gd name="connsiteX8" fmla="*/ 1555216 w 2777171"/>
+                <a:gd name="connsiteY8" fmla="*/ 369332 h 369332"/>
+                <a:gd name="connsiteX9" fmla="*/ 999782 w 2777171"/>
+                <a:gd name="connsiteY9" fmla="*/ 369332 h 369332"/>
+                <a:gd name="connsiteX10" fmla="*/ 0 w 2777171"/>
+                <a:gd name="connsiteY10" fmla="*/ 369332 h 369332"/>
+                <a:gd name="connsiteX11" fmla="*/ 0 w 2777171"/>
+                <a:gd name="connsiteY11" fmla="*/ 0 h 369332"/>
+              </a:gdLst>
+              <a:ahLst/>
+              <a:cxnLst>
+                <a:cxn ang="0">
+                  <a:pos x="connsiteX0" y="connsiteY0"/>
+                </a:cxn>
+                <a:cxn ang="0">
+                  <a:pos x="connsiteX1" y="connsiteY1"/>
+                </a:cxn>
+                <a:cxn ang="0">
+                  <a:pos x="connsiteX2" y="connsiteY2"/>
+                </a:cxn>
+                <a:cxn ang="0">
+                  <a:pos x="connsiteX3" y="connsiteY3"/>
+                </a:cxn>
+                <a:cxn ang="0">
+                  <a:pos x="connsiteX4" y="connsiteY4"/>
+                </a:cxn>
+                <a:cxn ang="0">
+                  <a:pos x="connsiteX5" y="connsiteY5"/>
+                </a:cxn>
+                <a:cxn ang="0">
+                  <a:pos x="connsiteX6" y="connsiteY6"/>
+                </a:cxn>
+                <a:cxn ang="0">
+                  <a:pos x="connsiteX7" y="connsiteY7"/>
+                </a:cxn>
+                <a:cxn ang="0">
+                  <a:pos x="connsiteX8" y="connsiteY8"/>
+                </a:cxn>
+                <a:cxn ang="0">
+                  <a:pos x="connsiteX9" y="connsiteY9"/>
+                </a:cxn>
+                <a:cxn ang="0">
+                  <a:pos x="connsiteX10" y="connsiteY10"/>
+                </a:cxn>
+                <a:cxn ang="0">
+                  <a:pos x="connsiteX11" y="connsiteY11"/>
+                </a:cxn>
+              </a:cxnLst>
+              <a:rect l="l" t="t" r="r" b="b"/>
+              <a:pathLst>
+                <a:path w="2777171" h="369332" fill="none" extrusionOk="0">
+                  <a:moveTo>
+                    <a:pt x="0" y="0"/>
+                  </a:moveTo>
+                  <a:cubicBezTo>
+                    <a:pt x="153345" y="-19540"/>
+                    <a:pt x="354817" y="34409"/>
+                    <a:pt x="527662" y="0"/>
+                  </a:cubicBezTo>
+                  <a:cubicBezTo>
+                    <a:pt x="700507" y="-34409"/>
+                    <a:pt x="879982" y="47258"/>
+                    <a:pt x="1083097" y="0"/>
+                  </a:cubicBezTo>
+                  <a:cubicBezTo>
+                    <a:pt x="1286212" y="-47258"/>
+                    <a:pt x="1407649" y="54611"/>
+                    <a:pt x="1666303" y="0"/>
+                  </a:cubicBezTo>
+                  <a:cubicBezTo>
+                    <a:pt x="1924957" y="-54611"/>
+                    <a:pt x="2010800" y="28431"/>
+                    <a:pt x="2249509" y="0"/>
+                  </a:cubicBezTo>
+                  <a:cubicBezTo>
+                    <a:pt x="2488218" y="-28431"/>
+                    <a:pt x="2594868" y="21673"/>
+                    <a:pt x="2777171" y="0"/>
+                  </a:cubicBezTo>
+                  <a:cubicBezTo>
+                    <a:pt x="2794005" y="102192"/>
+                    <a:pt x="2740406" y="207137"/>
+                    <a:pt x="2777171" y="369332"/>
+                  </a:cubicBezTo>
+                  <a:cubicBezTo>
+                    <a:pt x="2547856" y="393300"/>
+                    <a:pt x="2354370" y="359138"/>
+                    <a:pt x="2166193" y="369332"/>
+                  </a:cubicBezTo>
+                  <a:cubicBezTo>
+                    <a:pt x="1978016" y="379526"/>
+                    <a:pt x="1747777" y="362427"/>
+                    <a:pt x="1555216" y="369332"/>
+                  </a:cubicBezTo>
+                  <a:cubicBezTo>
+                    <a:pt x="1362655" y="376237"/>
+                    <a:pt x="1235654" y="303259"/>
+                    <a:pt x="999782" y="369332"/>
+                  </a:cubicBezTo>
+                  <a:cubicBezTo>
+                    <a:pt x="763910" y="435405"/>
+                    <a:pt x="400831" y="337952"/>
+                    <a:pt x="0" y="369332"/>
+                  </a:cubicBezTo>
+                  <a:cubicBezTo>
+                    <a:pt x="-1275" y="191808"/>
+                    <a:pt x="34267" y="163671"/>
+                    <a:pt x="0" y="0"/>
+                  </a:cubicBezTo>
+                  <a:close/>
+                </a:path>
+                <a:path w="2777171" h="369332" stroke="0" extrusionOk="0">
+                  <a:moveTo>
+                    <a:pt x="0" y="0"/>
+                  </a:moveTo>
+                  <a:cubicBezTo>
+                    <a:pt x="136730" y="-19654"/>
+                    <a:pt x="313032" y="48653"/>
+                    <a:pt x="527662" y="0"/>
+                  </a:cubicBezTo>
+                  <a:cubicBezTo>
+                    <a:pt x="742292" y="-48653"/>
+                    <a:pt x="772702" y="34255"/>
+                    <a:pt x="999782" y="0"/>
+                  </a:cubicBezTo>
+                  <a:cubicBezTo>
+                    <a:pt x="1226862" y="-34255"/>
+                    <a:pt x="1331641" y="5623"/>
+                    <a:pt x="1610759" y="0"/>
+                  </a:cubicBezTo>
+                  <a:cubicBezTo>
+                    <a:pt x="1889877" y="-5623"/>
+                    <a:pt x="1935798" y="52127"/>
+                    <a:pt x="2138422" y="0"/>
+                  </a:cubicBezTo>
+                  <a:cubicBezTo>
+                    <a:pt x="2341046" y="-52127"/>
+                    <a:pt x="2470335" y="47392"/>
+                    <a:pt x="2777171" y="0"/>
+                  </a:cubicBezTo>
+                  <a:cubicBezTo>
+                    <a:pt x="2813331" y="81226"/>
+                    <a:pt x="2755633" y="278722"/>
+                    <a:pt x="2777171" y="369332"/>
+                  </a:cubicBezTo>
+                  <a:cubicBezTo>
+                    <a:pt x="2548056" y="373465"/>
+                    <a:pt x="2379981" y="316499"/>
+                    <a:pt x="2221737" y="369332"/>
+                  </a:cubicBezTo>
+                  <a:cubicBezTo>
+                    <a:pt x="2063493" y="422165"/>
+                    <a:pt x="1773185" y="356849"/>
+                    <a:pt x="1610759" y="369332"/>
+                  </a:cubicBezTo>
+                  <a:cubicBezTo>
+                    <a:pt x="1448333" y="381815"/>
+                    <a:pt x="1301241" y="365643"/>
+                    <a:pt x="1138640" y="369332"/>
+                  </a:cubicBezTo>
+                  <a:cubicBezTo>
+                    <a:pt x="976039" y="373021"/>
+                    <a:pt x="734148" y="337238"/>
+                    <a:pt x="583206" y="369332"/>
+                  </a:cubicBezTo>
+                  <a:cubicBezTo>
+                    <a:pt x="432264" y="401426"/>
+                    <a:pt x="165828" y="356547"/>
+                    <a:pt x="0" y="369332"/>
+                  </a:cubicBezTo>
+                  <a:cubicBezTo>
+                    <a:pt x="-36656" y="211973"/>
+                    <a:pt x="14639" y="175527"/>
+                    <a:pt x="0" y="0"/>
+                  </a:cubicBezTo>
+                  <a:close/>
+                </a:path>
+              </a:pathLst>
+            </a:custGeom>
+            <a:solidFill>
+              <a:schemeClr val="accent4">
+                <a:lumMod val="20000"/>
+                <a:lumOff val="80000"/>
+              </a:schemeClr>
+            </a:solidFill>
+            <a:ln>
+              <a:solidFill>
+                <a:schemeClr val="accent1"/>
+              </a:solidFill>
+              <a:extLst>
+                <a:ext uri="{C807C97D-BFC1-408E-A445-0C87EB9F89A2}">
+                  <ask:lineSketchStyleProps xmlns:ask="http://schemas.microsoft.com/office/drawing/2018/sketchyshapes" sd="1219033472">
+                    <a:prstGeom prst="rect">
+                      <a:avLst/>
+                    </a:prstGeom>
+                    <ask:type>
+                      <ask:lineSketchScribble/>
+                    </ask:type>
+                  </ask:lineSketchStyleProps>
+                </a:ext>
+              </a:extLst>
+            </a:ln>
+          </p:spPr>
+          <p:txBody>
+            <a:bodyPr wrap="none" rtlCol="0">
+              <a:spAutoFit/>
+            </a:bodyPr>
+            <a:lstStyle/>
+            <a:p>
+              <a:r>
+                <a:rPr lang="en-US" dirty="0"/>
+                <a:t>Has two distinct real roots</a:t>
+              </a:r>
+            </a:p>
+          </p:txBody>
+        </p:sp>
+        <p:sp>
+          <p:nvSpPr>
+            <p:cNvPr id="41" name="Freeform: Shape 40">
+              <a:extLst>
+                <a:ext uri="{FF2B5EF4-FFF2-40B4-BE49-F238E27FC236}">
+                  <a16:creationId xmlns:a16="http://schemas.microsoft.com/office/drawing/2014/main" id="{7D912B97-9286-4B38-1F13-B7C25E261C3F}"/>
+                </a:ext>
+              </a:extLst>
+            </p:cNvPr>
+            <p:cNvSpPr/>
+            <p:nvPr/>
+          </p:nvSpPr>
+          <p:spPr>
+            <a:xfrm>
+              <a:off x="2815771" y="5181600"/>
+              <a:ext cx="914400" cy="0"/>
+            </a:xfrm>
+            <a:custGeom>
+              <a:avLst/>
+              <a:gdLst>
+                <a:gd name="connsiteX0" fmla="*/ 0 w 914400"/>
+                <a:gd name="connsiteY0" fmla="*/ 0 h 0"/>
+                <a:gd name="connsiteX1" fmla="*/ 914400 w 914400"/>
+                <a:gd name="connsiteY1" fmla="*/ 0 h 0"/>
+                <a:gd name="connsiteX2" fmla="*/ 914400 w 914400"/>
+                <a:gd name="connsiteY2" fmla="*/ 0 h 0"/>
+              </a:gdLst>
+              <a:ahLst/>
+              <a:cxnLst>
+                <a:cxn ang="0">
+                  <a:pos x="connsiteX0" y="connsiteY0"/>
+                </a:cxn>
+                <a:cxn ang="0">
+                  <a:pos x="connsiteX1" y="connsiteY1"/>
+                </a:cxn>
+                <a:cxn ang="0">
+                  <a:pos x="connsiteX2" y="connsiteY2"/>
+                </a:cxn>
+              </a:cxnLst>
+              <a:rect l="l" t="t" r="r" b="b"/>
+              <a:pathLst>
+                <a:path w="914400">
+                  <a:moveTo>
+                    <a:pt x="0" y="0"/>
+                  </a:moveTo>
+                  <a:lnTo>
+                    <a:pt x="914400" y="0"/>
+                  </a:lnTo>
+                  <a:lnTo>
+                    <a:pt x="914400" y="0"/>
+                  </a:lnTo>
+                </a:path>
+              </a:pathLst>
+            </a:custGeom>
+            <a:noFill/>
+            <a:ln>
+              <a:prstDash val="lgDash"/>
+            </a:ln>
+          </p:spPr>
+          <p:style>
+            <a:lnRef idx="2">
+              <a:schemeClr val="accent1">
+                <a:shade val="15000"/>
+              </a:schemeClr>
+            </a:lnRef>
+            <a:fillRef idx="1">
+              <a:schemeClr val="accent1"/>
+            </a:fillRef>
+            <a:effectRef idx="0">
+              <a:schemeClr val="accent1"/>
+            </a:effectRef>
+            <a:fontRef idx="minor">
+              <a:schemeClr val="lt1"/>
+            </a:fontRef>
+          </p:style>
+          <p:txBody>
+            <a:bodyPr rtlCol="0" anchor="ctr"/>
+            <a:lstStyle/>
+            <a:p>
+              <a:pPr algn="ctr"/>
+              <a:endParaRPr lang="en-US"/>
+            </a:p>
+          </p:txBody>
+        </p:sp>
+      </p:grpSp>
+      <p:sp>
+        <p:nvSpPr>
+          <p:cNvPr id="6" name="Oval 5">
+            <a:extLst>
+              <a:ext uri="{FF2B5EF4-FFF2-40B4-BE49-F238E27FC236}">
+                <a16:creationId xmlns:a16="http://schemas.microsoft.com/office/drawing/2014/main" id="{D3CED481-CC6C-952C-3DCA-5AF5A5399117}"/>
+              </a:ext>
+            </a:extLst>
+          </p:cNvPr>
+          <p:cNvSpPr/>
+          <p:nvPr/>
+        </p:nvSpPr>
+        <p:spPr>
+          <a:xfrm>
+            <a:off x="9035979" y="5904019"/>
+            <a:ext cx="2632366" cy="415202"/>
+          </a:xfrm>
+          <a:prstGeom prst="ellipse">
+            <a:avLst/>
+          </a:prstGeom>
+          <a:solidFill>
+            <a:srgbClr val="FF5050"/>
+          </a:solidFill>
+          <a:ln>
+            <a:noFill/>
+          </a:ln>
+        </p:spPr>
+        <p:style>
+          <a:lnRef idx="2">
+            <a:schemeClr val="accent6"/>
+          </a:lnRef>
+          <a:fillRef idx="1">
+            <a:schemeClr val="lt1"/>
+          </a:fillRef>
+          <a:effectRef idx="0">
+            <a:schemeClr val="accent6"/>
+          </a:effectRef>
+          <a:fontRef idx="minor">
+            <a:schemeClr val="dk1"/>
+          </a:fontRef>
+        </p:style>
+        <p:txBody>
+          <a:bodyPr rtlCol="0" anchor="ctr"/>
+          <a:lstStyle/>
+          <a:p>
+            <a:pPr algn="ctr"/>
+            <a:r>
+              <a:rPr lang="en-US" dirty="0"/>
+              <a:t>stop</a:t>
+            </a:r>
+          </a:p>
+        </p:txBody>
+      </p:sp>
+      <p:grpSp>
+        <p:nvGrpSpPr>
+          <p:cNvPr id="47" name="Group 46">
+            <a:extLst>
+              <a:ext uri="{FF2B5EF4-FFF2-40B4-BE49-F238E27FC236}">
+                <a16:creationId xmlns:a16="http://schemas.microsoft.com/office/drawing/2014/main" id="{943C62B5-CD42-1E4B-08A4-6B382F6DA558}"/>
+              </a:ext>
+            </a:extLst>
+          </p:cNvPr>
+          <p:cNvGrpSpPr/>
+          <p:nvPr/>
+        </p:nvGrpSpPr>
+        <p:grpSpPr>
+          <a:xfrm>
+            <a:off x="2460328" y="1337420"/>
+            <a:ext cx="9285355" cy="1504634"/>
+            <a:chOff x="2460328" y="1337420"/>
+            <a:chExt cx="9285355" cy="1504634"/>
+          </a:xfrm>
+        </p:grpSpPr>
+        <p:sp>
+          <p:nvSpPr>
+            <p:cNvPr id="18" name="Left Brace 17">
+              <a:extLst>
+                <a:ext uri="{FF2B5EF4-FFF2-40B4-BE49-F238E27FC236}">
+                  <a16:creationId xmlns:a16="http://schemas.microsoft.com/office/drawing/2014/main" id="{0FC3286C-D579-EFD3-9D47-A4466771EB5D}"/>
+                </a:ext>
+              </a:extLst>
+            </p:cNvPr>
+            <p:cNvSpPr/>
+            <p:nvPr/>
+          </p:nvSpPr>
+          <p:spPr>
+            <a:xfrm>
+              <a:off x="2460328" y="1337420"/>
+              <a:ext cx="314526" cy="1504634"/>
+            </a:xfrm>
+            <a:prstGeom prst="leftBrace">
+              <a:avLst/>
+            </a:prstGeom>
+            <a:ln w="76200"/>
+          </p:spPr>
+          <p:style>
+            <a:lnRef idx="2">
+              <a:schemeClr val="accent1"/>
+            </a:lnRef>
+            <a:fillRef idx="0">
+              <a:schemeClr val="accent1"/>
+            </a:fillRef>
+            <a:effectRef idx="1">
+              <a:schemeClr val="accent1"/>
+            </a:effectRef>
+            <a:fontRef idx="minor">
+              <a:schemeClr val="tx1"/>
+            </a:fontRef>
+          </p:style>
+          <p:txBody>
+            <a:bodyPr rtlCol="0" anchor="ctr"/>
+            <a:lstStyle/>
+            <a:p>
+              <a:pPr algn="ctr"/>
+              <a:endParaRPr lang="en-US"/>
+            </a:p>
+          </p:txBody>
+        </p:sp>
+        <p:sp>
+          <p:nvSpPr>
+            <p:cNvPr id="46" name="Rectangle 45">
+              <a:extLst>
+                <a:ext uri="{FF2B5EF4-FFF2-40B4-BE49-F238E27FC236}">
+                  <a16:creationId xmlns:a16="http://schemas.microsoft.com/office/drawing/2014/main" id="{60654742-0CCF-D436-837C-6ACF91A5FCC0}"/>
+                </a:ext>
+              </a:extLst>
+            </p:cNvPr>
+            <p:cNvSpPr/>
+            <p:nvPr/>
+          </p:nvSpPr>
+          <p:spPr>
+            <a:xfrm>
+              <a:off x="8131628" y="1525106"/>
+              <a:ext cx="3614055" cy="997428"/>
+            </a:xfrm>
+            <a:prstGeom prst="rect">
+              <a:avLst/>
+            </a:prstGeom>
+            <a:noFill/>
+            <a:ln w="76200"/>
+          </p:spPr>
+          <p:style>
+            <a:lnRef idx="2">
+              <a:schemeClr val="accent1">
+                <a:shade val="15000"/>
+              </a:schemeClr>
+            </a:lnRef>
+            <a:fillRef idx="1">
+              <a:schemeClr val="accent1"/>
+            </a:fillRef>
+            <a:effectRef idx="0">
+              <a:schemeClr val="accent1"/>
+            </a:effectRef>
+            <a:fontRef idx="minor">
+              <a:schemeClr val="lt1"/>
+            </a:fontRef>
+          </p:style>
+          <p:txBody>
+            <a:bodyPr rtlCol="0" anchor="ctr"/>
+            <a:lstStyle/>
+            <a:p>
+              <a:pPr algn="ctr"/>
+              <a:endParaRPr lang="en-US"/>
+            </a:p>
+          </p:txBody>
+        </p:sp>
+      </p:grpSp>
+      <p:grpSp>
+        <p:nvGrpSpPr>
+          <p:cNvPr id="50" name="Group 49">
+            <a:extLst>
+              <a:ext uri="{FF2B5EF4-FFF2-40B4-BE49-F238E27FC236}">
+                <a16:creationId xmlns:a16="http://schemas.microsoft.com/office/drawing/2014/main" id="{07152C98-4F75-AF52-7441-031CE327AFBA}"/>
+              </a:ext>
+            </a:extLst>
+          </p:cNvPr>
+          <p:cNvGrpSpPr/>
+          <p:nvPr/>
+        </p:nvGrpSpPr>
+        <p:grpSpPr>
+          <a:xfrm>
+            <a:off x="2438555" y="2813026"/>
+            <a:ext cx="8717162" cy="1348507"/>
+            <a:chOff x="2438555" y="2813026"/>
+            <a:chExt cx="8717162" cy="1348507"/>
+          </a:xfrm>
+        </p:grpSpPr>
+        <p:sp>
+          <p:nvSpPr>
+            <p:cNvPr id="34" name="Left Brace 33">
+              <a:extLst>
+                <a:ext uri="{FF2B5EF4-FFF2-40B4-BE49-F238E27FC236}">
+                  <a16:creationId xmlns:a16="http://schemas.microsoft.com/office/drawing/2014/main" id="{3A9CC5A5-114E-B8C1-73FE-7DBC124C1C89}"/>
+                </a:ext>
+              </a:extLst>
+            </p:cNvPr>
+            <p:cNvSpPr/>
+            <p:nvPr/>
+          </p:nvSpPr>
+          <p:spPr>
+            <a:xfrm>
+              <a:off x="2438555" y="3057365"/>
+              <a:ext cx="336273" cy="1104168"/>
+            </a:xfrm>
+            <a:prstGeom prst="leftBrace">
+              <a:avLst/>
+            </a:prstGeom>
+            <a:ln w="76200"/>
+          </p:spPr>
+          <p:style>
+            <a:lnRef idx="2">
+              <a:schemeClr val="accent1"/>
+            </a:lnRef>
+            <a:fillRef idx="0">
+              <a:schemeClr val="accent1"/>
+            </a:fillRef>
+            <a:effectRef idx="1">
+              <a:schemeClr val="accent1"/>
+            </a:effectRef>
+            <a:fontRef idx="minor">
+              <a:schemeClr val="tx1"/>
+            </a:fontRef>
+          </p:style>
+          <p:txBody>
+            <a:bodyPr rtlCol="0" anchor="ctr"/>
+            <a:lstStyle/>
+            <a:p>
+              <a:pPr algn="ctr"/>
+              <a:endParaRPr lang="en-US"/>
+            </a:p>
+          </p:txBody>
+        </p:sp>
+        <p:sp>
+          <p:nvSpPr>
+            <p:cNvPr id="49" name="Rectangle 48">
+              <a:extLst>
+                <a:ext uri="{FF2B5EF4-FFF2-40B4-BE49-F238E27FC236}">
+                  <a16:creationId xmlns:a16="http://schemas.microsoft.com/office/drawing/2014/main" id="{14332D43-80AC-DCB5-BB18-40FDD20B67E5}"/>
+                </a:ext>
+              </a:extLst>
+            </p:cNvPr>
+            <p:cNvSpPr/>
+            <p:nvPr/>
+          </p:nvSpPr>
+          <p:spPr>
+            <a:xfrm>
+              <a:off x="8938990" y="2813026"/>
+              <a:ext cx="2216727" cy="997427"/>
+            </a:xfrm>
+            <a:prstGeom prst="rect">
+              <a:avLst/>
+            </a:prstGeom>
+            <a:noFill/>
+            <a:ln w="76200"/>
+          </p:spPr>
+          <p:style>
+            <a:lnRef idx="2">
+              <a:schemeClr val="accent1">
+                <a:shade val="15000"/>
+              </a:schemeClr>
+            </a:lnRef>
+            <a:fillRef idx="1">
+              <a:schemeClr val="accent1"/>
+            </a:fillRef>
+            <a:effectRef idx="0">
+              <a:schemeClr val="accent1"/>
+            </a:effectRef>
+            <a:fontRef idx="minor">
+              <a:schemeClr val="lt1"/>
+            </a:fontRef>
+          </p:style>
+          <p:txBody>
+            <a:bodyPr rtlCol="0" anchor="ctr"/>
+            <a:lstStyle/>
+            <a:p>
+              <a:pPr algn="ctr"/>
+              <a:endParaRPr lang="en-US"/>
+            </a:p>
+          </p:txBody>
+        </p:sp>
+      </p:grpSp>
+      <p:grpSp>
+        <p:nvGrpSpPr>
+          <p:cNvPr id="52" name="Group 51">
+            <a:extLst>
+              <a:ext uri="{FF2B5EF4-FFF2-40B4-BE49-F238E27FC236}">
+                <a16:creationId xmlns:a16="http://schemas.microsoft.com/office/drawing/2014/main" id="{692AACFE-D905-435F-6A63-131E1F2F5975}"/>
+              </a:ext>
+            </a:extLst>
+          </p:cNvPr>
+          <p:cNvGrpSpPr/>
+          <p:nvPr/>
+        </p:nvGrpSpPr>
+        <p:grpSpPr>
+          <a:xfrm>
+            <a:off x="2460967" y="4198852"/>
+            <a:ext cx="8867878" cy="838258"/>
+            <a:chOff x="2460967" y="4198852"/>
+            <a:chExt cx="8867878" cy="838258"/>
+          </a:xfrm>
+        </p:grpSpPr>
+        <p:sp>
+          <p:nvSpPr>
+            <p:cNvPr id="42" name="Left Brace 41">
+              <a:extLst>
+                <a:ext uri="{FF2B5EF4-FFF2-40B4-BE49-F238E27FC236}">
+                  <a16:creationId xmlns:a16="http://schemas.microsoft.com/office/drawing/2014/main" id="{C0CDCCB4-BD01-1DDA-478A-F31DEF52E254}"/>
+                </a:ext>
+              </a:extLst>
+            </p:cNvPr>
+            <p:cNvSpPr/>
+            <p:nvPr/>
+          </p:nvSpPr>
+          <p:spPr>
+            <a:xfrm>
+              <a:off x="2460967" y="4433548"/>
+              <a:ext cx="305747" cy="603562"/>
+            </a:xfrm>
+            <a:prstGeom prst="leftBrace">
+              <a:avLst/>
+            </a:prstGeom>
+            <a:ln w="76200"/>
+          </p:spPr>
+          <p:style>
+            <a:lnRef idx="2">
+              <a:schemeClr val="accent1"/>
+            </a:lnRef>
+            <a:fillRef idx="0">
+              <a:schemeClr val="accent1"/>
+            </a:fillRef>
+            <a:effectRef idx="1">
+              <a:schemeClr val="accent1"/>
+            </a:effectRef>
+            <a:fontRef idx="minor">
+              <a:schemeClr val="tx1"/>
+            </a:fontRef>
+          </p:style>
+          <p:txBody>
+            <a:bodyPr rtlCol="0" anchor="ctr"/>
+            <a:lstStyle/>
+            <a:p>
+              <a:pPr algn="ctr"/>
+              <a:endParaRPr lang="en-US"/>
+            </a:p>
+          </p:txBody>
+        </p:sp>
+        <p:sp>
+          <p:nvSpPr>
+            <p:cNvPr id="51" name="Diamond 50">
+              <a:extLst>
+                <a:ext uri="{FF2B5EF4-FFF2-40B4-BE49-F238E27FC236}">
+                  <a16:creationId xmlns:a16="http://schemas.microsoft.com/office/drawing/2014/main" id="{4CC2E11C-08D1-1AE1-B6BC-04953CEF8AC0}"/>
+                </a:ext>
+              </a:extLst>
+            </p:cNvPr>
+            <p:cNvSpPr/>
+            <p:nvPr/>
+          </p:nvSpPr>
+          <p:spPr>
+            <a:xfrm>
+              <a:off x="8723087" y="4198852"/>
+              <a:ext cx="2605758" cy="667864"/>
+            </a:xfrm>
+            <a:prstGeom prst="diamond">
+              <a:avLst/>
+            </a:prstGeom>
+            <a:noFill/>
+            <a:ln w="76200"/>
+          </p:spPr>
+          <p:style>
+            <a:lnRef idx="2">
+              <a:schemeClr val="accent1">
+                <a:shade val="15000"/>
+              </a:schemeClr>
+            </a:lnRef>
+            <a:fillRef idx="1">
+              <a:schemeClr val="accent1"/>
+            </a:fillRef>
+            <a:effectRef idx="0">
+              <a:schemeClr val="accent1"/>
+            </a:effectRef>
+            <a:fontRef idx="minor">
+              <a:schemeClr val="lt1"/>
+            </a:fontRef>
+          </p:style>
+          <p:txBody>
+            <a:bodyPr rtlCol="0" anchor="ctr"/>
+            <a:lstStyle/>
+            <a:p>
+              <a:pPr algn="ctr"/>
+              <a:endParaRPr lang="en-US"/>
+            </a:p>
+          </p:txBody>
+        </p:sp>
+      </p:grpSp>
+      <p:grpSp>
+        <p:nvGrpSpPr>
+          <p:cNvPr id="54" name="Group 53">
+            <a:extLst>
+              <a:ext uri="{FF2B5EF4-FFF2-40B4-BE49-F238E27FC236}">
+                <a16:creationId xmlns:a16="http://schemas.microsoft.com/office/drawing/2014/main" id="{9C9AC66C-0BFC-07E0-62ED-90611C02DF62}"/>
+              </a:ext>
+            </a:extLst>
+          </p:cNvPr>
+          <p:cNvGrpSpPr/>
+          <p:nvPr/>
+        </p:nvGrpSpPr>
+        <p:grpSpPr>
+          <a:xfrm>
+            <a:off x="3754049" y="4866716"/>
+            <a:ext cx="6822248" cy="566043"/>
+            <a:chOff x="3754049" y="4866716"/>
+            <a:chExt cx="6822248" cy="566043"/>
+          </a:xfrm>
+        </p:grpSpPr>
+        <p:sp>
+          <p:nvSpPr>
+            <p:cNvPr id="43" name="Left Brace 42">
+              <a:extLst>
+                <a:ext uri="{FF2B5EF4-FFF2-40B4-BE49-F238E27FC236}">
+                  <a16:creationId xmlns:a16="http://schemas.microsoft.com/office/drawing/2014/main" id="{68BD40BB-EB65-7FD5-0E56-D322F164CE8C}"/>
+                </a:ext>
+              </a:extLst>
+            </p:cNvPr>
+            <p:cNvSpPr/>
+            <p:nvPr/>
+          </p:nvSpPr>
+          <p:spPr>
+            <a:xfrm>
+              <a:off x="3754049" y="5037110"/>
+              <a:ext cx="268061" cy="280300"/>
+            </a:xfrm>
+            <a:prstGeom prst="leftBrace">
+              <a:avLst/>
+            </a:prstGeom>
+            <a:ln w="76200"/>
+          </p:spPr>
+          <p:style>
+            <a:lnRef idx="2">
+              <a:schemeClr val="accent1"/>
+            </a:lnRef>
+            <a:fillRef idx="0">
+              <a:schemeClr val="accent1"/>
+            </a:fillRef>
+            <a:effectRef idx="1">
+              <a:schemeClr val="accent1"/>
+            </a:effectRef>
+            <a:fontRef idx="minor">
+              <a:schemeClr val="tx1"/>
+            </a:fontRef>
+          </p:style>
+          <p:txBody>
+            <a:bodyPr rtlCol="0" anchor="ctr"/>
+            <a:lstStyle/>
+            <a:p>
+              <a:pPr algn="ctr"/>
+              <a:endParaRPr lang="en-US"/>
+            </a:p>
+          </p:txBody>
+        </p:sp>
+        <p:sp>
+          <p:nvSpPr>
+            <p:cNvPr id="53" name="Rectangle 52">
+              <a:extLst>
+                <a:ext uri="{FF2B5EF4-FFF2-40B4-BE49-F238E27FC236}">
+                  <a16:creationId xmlns:a16="http://schemas.microsoft.com/office/drawing/2014/main" id="{BAD961B7-BD87-0F3C-CCA7-6E1E74F01150}"/>
+                </a:ext>
+              </a:extLst>
+            </p:cNvPr>
+            <p:cNvSpPr/>
+            <p:nvPr/>
+          </p:nvSpPr>
+          <p:spPr>
+            <a:xfrm>
+              <a:off x="4206706" y="4866716"/>
+              <a:ext cx="6369591" cy="566043"/>
+            </a:xfrm>
+            <a:prstGeom prst="rect">
+              <a:avLst/>
+            </a:prstGeom>
+            <a:noFill/>
+            <a:ln w="76200">
+              <a:solidFill>
+                <a:schemeClr val="accent1"/>
+              </a:solidFill>
+            </a:ln>
+          </p:spPr>
+          <p:style>
+            <a:lnRef idx="2">
+              <a:schemeClr val="accent1">
+                <a:shade val="15000"/>
+              </a:schemeClr>
+            </a:lnRef>
+            <a:fillRef idx="1">
+              <a:schemeClr val="accent1"/>
+            </a:fillRef>
+            <a:effectRef idx="0">
+              <a:schemeClr val="accent1"/>
+            </a:effectRef>
+            <a:fontRef idx="minor">
+              <a:schemeClr val="lt1"/>
+            </a:fontRef>
+          </p:style>
+          <p:txBody>
+            <a:bodyPr rtlCol="0" anchor="ctr"/>
+            <a:lstStyle/>
+            <a:p>
+              <a:pPr algn="ctr"/>
+              <a:endParaRPr lang="en-US"/>
+            </a:p>
+          </p:txBody>
+        </p:sp>
+      </p:grpSp>
+      <p:grpSp>
+        <p:nvGrpSpPr>
+          <p:cNvPr id="58" name="Group 57">
+            <a:extLst>
+              <a:ext uri="{FF2B5EF4-FFF2-40B4-BE49-F238E27FC236}">
+                <a16:creationId xmlns:a16="http://schemas.microsoft.com/office/drawing/2014/main" id="{A9529066-87F4-F617-1A1B-07DFD7F79680}"/>
+              </a:ext>
+            </a:extLst>
+          </p:cNvPr>
+          <p:cNvGrpSpPr/>
+          <p:nvPr/>
+        </p:nvGrpSpPr>
+        <p:grpSpPr>
+          <a:xfrm>
+            <a:off x="2486125" y="5816615"/>
+            <a:ext cx="9151380" cy="551200"/>
+            <a:chOff x="2486125" y="5816615"/>
+            <a:chExt cx="9151380" cy="551200"/>
+          </a:xfrm>
+        </p:grpSpPr>
+        <p:sp>
+          <p:nvSpPr>
+            <p:cNvPr id="44" name="Left Brace 43">
+              <a:extLst>
+                <a:ext uri="{FF2B5EF4-FFF2-40B4-BE49-F238E27FC236}">
+                  <a16:creationId xmlns:a16="http://schemas.microsoft.com/office/drawing/2014/main" id="{02646393-C4F8-745E-0B4D-F41ACF394C1C}"/>
+                </a:ext>
+              </a:extLst>
+            </p:cNvPr>
+            <p:cNvSpPr/>
+            <p:nvPr/>
+          </p:nvSpPr>
+          <p:spPr>
+            <a:xfrm>
+              <a:off x="2486125" y="5915812"/>
+              <a:ext cx="268061" cy="280300"/>
+            </a:xfrm>
+            <a:prstGeom prst="leftBrace">
+              <a:avLst/>
+            </a:prstGeom>
+            <a:ln w="76200"/>
+          </p:spPr>
+          <p:style>
+            <a:lnRef idx="2">
+              <a:schemeClr val="accent1"/>
+            </a:lnRef>
+            <a:fillRef idx="0">
+              <a:schemeClr val="accent1"/>
+            </a:fillRef>
+            <a:effectRef idx="1">
+              <a:schemeClr val="accent1"/>
+            </a:effectRef>
+            <a:fontRef idx="minor">
+              <a:schemeClr val="tx1"/>
+            </a:fontRef>
+          </p:style>
+          <p:txBody>
+            <a:bodyPr rtlCol="0" anchor="ctr"/>
+            <a:lstStyle/>
+            <a:p>
+              <a:pPr algn="ctr"/>
+              <a:endParaRPr lang="en-US" dirty="0"/>
+            </a:p>
+          </p:txBody>
+        </p:sp>
+        <p:sp>
+          <p:nvSpPr>
+            <p:cNvPr id="57" name="Oval 56">
+              <a:extLst>
+                <a:ext uri="{FF2B5EF4-FFF2-40B4-BE49-F238E27FC236}">
+                  <a16:creationId xmlns:a16="http://schemas.microsoft.com/office/drawing/2014/main" id="{84B9077A-5F7D-E22E-9D9A-C767FFD8B138}"/>
+                </a:ext>
+              </a:extLst>
+            </p:cNvPr>
+            <p:cNvSpPr/>
+            <p:nvPr/>
+          </p:nvSpPr>
+          <p:spPr>
+            <a:xfrm>
+              <a:off x="9055103" y="5816615"/>
+              <a:ext cx="2582402" cy="551200"/>
+            </a:xfrm>
+            <a:prstGeom prst="ellipse">
+              <a:avLst/>
+            </a:prstGeom>
+            <a:noFill/>
+            <a:ln w="76200"/>
+          </p:spPr>
+          <p:style>
+            <a:lnRef idx="2">
+              <a:schemeClr val="accent1">
+                <a:shade val="15000"/>
+              </a:schemeClr>
+            </a:lnRef>
+            <a:fillRef idx="1">
+              <a:schemeClr val="accent1"/>
+            </a:fillRef>
+            <a:effectRef idx="0">
+              <a:schemeClr val="accent1"/>
+            </a:effectRef>
+            <a:fontRef idx="minor">
+              <a:schemeClr val="lt1"/>
+            </a:fontRef>
+          </p:style>
+          <p:txBody>
+            <a:bodyPr rtlCol="0" anchor="ctr"/>
+            <a:lstStyle/>
+            <a:p>
+              <a:pPr algn="ctr"/>
+              <a:endParaRPr lang="en-US"/>
+            </a:p>
+          </p:txBody>
+        </p:sp>
+      </p:grpSp>
+      <p:sp>
+        <p:nvSpPr>
+          <p:cNvPr id="59" name="Oval 58">
+            <a:extLst>
+              <a:ext uri="{FF2B5EF4-FFF2-40B4-BE49-F238E27FC236}">
+                <a16:creationId xmlns:a16="http://schemas.microsoft.com/office/drawing/2014/main" id="{BB6F2EB5-ABB0-FFCE-A44A-B4B3886B256B}"/>
+              </a:ext>
+            </a:extLst>
+          </p:cNvPr>
+          <p:cNvSpPr/>
+          <p:nvPr/>
+        </p:nvSpPr>
+        <p:spPr>
+          <a:xfrm>
+            <a:off x="8646631" y="755863"/>
+            <a:ext cx="2818934" cy="525591"/>
+          </a:xfrm>
+          <a:prstGeom prst="ellipse">
+            <a:avLst/>
+          </a:prstGeom>
+          <a:noFill/>
+          <a:ln w="76200">
+            <a:solidFill>
+              <a:schemeClr val="accent1"/>
+            </a:solidFill>
+          </a:ln>
+        </p:spPr>
+        <p:style>
+          <a:lnRef idx="2">
+            <a:schemeClr val="accent1">
+              <a:shade val="15000"/>
+            </a:schemeClr>
+          </a:lnRef>
+          <a:fillRef idx="1">
+            <a:schemeClr val="accent1"/>
+          </a:fillRef>
+          <a:effectRef idx="0">
+            <a:schemeClr val="accent1"/>
+          </a:effectRef>
+          <a:fontRef idx="minor">
+            <a:schemeClr val="lt1"/>
+          </a:fontRef>
+        </p:style>
+        <p:txBody>
+          <a:bodyPr rtlCol="0" anchor="ctr"/>
+          <a:lstStyle/>
+          <a:p>
+            <a:pPr algn="ctr"/>
+            <a:endParaRPr lang="en-US"/>
+          </a:p>
+        </p:txBody>
+      </p:sp>
+      <p:sp>
+        <p:nvSpPr>
+          <p:cNvPr id="14" name="TextBox 13">
+            <a:extLst>
+              <a:ext uri="{FF2B5EF4-FFF2-40B4-BE49-F238E27FC236}">
+                <a16:creationId xmlns:a16="http://schemas.microsoft.com/office/drawing/2014/main" id="{789D8256-D4E3-E4A5-AF47-B2DB11DC5CFB}"/>
+              </a:ext>
+            </a:extLst>
+          </p:cNvPr>
+          <p:cNvSpPr txBox="1"/>
+          <p:nvPr/>
+        </p:nvSpPr>
+        <p:spPr>
+          <a:xfrm>
+            <a:off x="-43967" y="6521123"/>
+            <a:ext cx="1907189" cy="307777"/>
+          </a:xfrm>
+          <a:prstGeom prst="rect">
+            <a:avLst/>
+          </a:prstGeom>
+          <a:noFill/>
+        </p:spPr>
+        <p:txBody>
+          <a:bodyPr wrap="none" rtlCol="0">
+            <a:spAutoFit/>
+          </a:bodyPr>
+          <a:lstStyle/>
+          <a:p>
+            <a:r>
+              <a:rPr lang="en-US" sz="1400" i="1" dirty="0" err="1"/>
+              <a:t>Checkout:flowgorithm</a:t>
+            </a:r>
+            <a:endParaRPr lang="en-US" sz="1400" i="1" dirty="0"/>
+          </a:p>
+        </p:txBody>
+      </p:sp>
+    </p:spTree>
+    <p:extLst>
+      <p:ext uri="{BB962C8B-B14F-4D97-AF65-F5344CB8AC3E}">
+        <p14:creationId xmlns:p14="http://schemas.microsoft.com/office/powerpoint/2010/main" val="1571259116"/>
+      </p:ext>
+    </p:extLst>
+  </p:cSld>
+  <p:clrMapOvr>
+    <a:masterClrMapping/>
+  </p:clrMapOvr>
+  <p:timing>
+    <p:tnLst>
+      <p:par>
+        <p:cTn id="1" dur="indefinite" restart="never" nodeType="tmRoot">
+          <p:childTnLst>
+            <p:seq concurrent="1" nextAc="seek">
+              <p:cTn id="2" dur="indefinite" nodeType="mainSeq">
+                <p:childTnLst>
+                  <p:par>
+                    <p:cTn id="3" fill="hold">
+                      <p:stCondLst>
+                        <p:cond delay="indefinite"/>
+                      </p:stCondLst>
+                      <p:childTnLst>
+                        <p:par>
+                          <p:cTn id="4" fill="hold">
+                            <p:stCondLst>
+                              <p:cond delay="0"/>
+                            </p:stCondLst>
+                            <p:childTnLst>
+                              <p:par>
+                                <p:cTn id="5" presetID="1" presetClass="entr" presetSubtype="0" fill="hold" grpId="0" nodeType="clickEffect">
+                                  <p:stCondLst>
+                                    <p:cond delay="0"/>
+                                  </p:stCondLst>
+                                  <p:childTnLst>
+                                    <p:set>
+                                      <p:cBhvr>
+                                        <p:cTn id="6" dur="1" fill="hold">
+                                          <p:stCondLst>
+                                            <p:cond delay="0"/>
+                                          </p:stCondLst>
+                                        </p:cTn>
+                                        <p:tgtEl>
+                                          <p:spTgt spid="19"/>
+                                        </p:tgtEl>
+                                        <p:attrNameLst>
+                                          <p:attrName>style.visibility</p:attrName>
+                                        </p:attrNameLst>
+                                      </p:cBhvr>
+                                      <p:to>
+                                        <p:strVal val="visible"/>
+                                      </p:to>
+                                    </p:set>
+                                  </p:childTnLst>
+                                </p:cTn>
+                              </p:par>
+                            </p:childTnLst>
+                          </p:cTn>
+                        </p:par>
+                      </p:childTnLst>
+                    </p:cTn>
+                  </p:par>
+                  <p:par>
+                    <p:cTn id="7" fill="hold">
+                      <p:stCondLst>
+                        <p:cond delay="indefinite"/>
+                      </p:stCondLst>
+                      <p:childTnLst>
+                        <p:par>
+                          <p:cTn id="8" fill="hold">
+                            <p:stCondLst>
+                              <p:cond delay="0"/>
+                            </p:stCondLst>
+                            <p:childTnLst>
+                              <p:par>
+                                <p:cTn id="9" presetID="1" presetClass="entr" presetSubtype="0" fill="hold" grpId="0" nodeType="clickEffect">
+                                  <p:stCondLst>
+                                    <p:cond delay="0"/>
+                                  </p:stCondLst>
+                                  <p:childTnLst>
+                                    <p:set>
+                                      <p:cBhvr>
+                                        <p:cTn id="10" dur="1" fill="hold">
+                                          <p:stCondLst>
+                                            <p:cond delay="0"/>
+                                          </p:stCondLst>
+                                        </p:cTn>
+                                        <p:tgtEl>
+                                          <p:spTgt spid="59"/>
+                                        </p:tgtEl>
+                                        <p:attrNameLst>
+                                          <p:attrName>style.visibility</p:attrName>
+                                        </p:attrNameLst>
+                                      </p:cBhvr>
+                                      <p:to>
+                                        <p:strVal val="visible"/>
+                                      </p:to>
+                                    </p:set>
+                                  </p:childTnLst>
+                                  <p:subTnLst>
+                                    <p:set>
+                                      <p:cBhvr override="childStyle">
+                                        <p:cTn dur="1" fill="hold" display="0" masterRel="nextClick" afterEffect="1"/>
+                                        <p:tgtEl>
+                                          <p:spTgt spid="59"/>
+                                        </p:tgtEl>
+                                        <p:attrNameLst>
+                                          <p:attrName>style.visibility</p:attrName>
+                                        </p:attrNameLst>
+                                      </p:cBhvr>
+                                      <p:to>
+                                        <p:strVal val="hidden"/>
+                                      </p:to>
+                                    </p:set>
+                                  </p:subTnLst>
+                                </p:cTn>
+                              </p:par>
+                            </p:childTnLst>
+                          </p:cTn>
+                        </p:par>
+                      </p:childTnLst>
+                    </p:cTn>
+                  </p:par>
+                  <p:par>
+                    <p:cTn id="11" fill="hold">
+                      <p:stCondLst>
+                        <p:cond delay="indefinite"/>
+                      </p:stCondLst>
+                      <p:childTnLst>
+                        <p:par>
+                          <p:cTn id="12" fill="hold">
+                            <p:stCondLst>
+                              <p:cond delay="0"/>
+                            </p:stCondLst>
+                            <p:childTnLst>
+                              <p:par>
+                                <p:cTn id="13" presetID="1" presetClass="entr" presetSubtype="0" fill="hold" nodeType="clickEffect">
+                                  <p:stCondLst>
+                                    <p:cond delay="0"/>
+                                  </p:stCondLst>
+                                  <p:childTnLst>
+                                    <p:set>
+                                      <p:cBhvr>
+                                        <p:cTn id="14" dur="1" fill="hold">
+                                          <p:stCondLst>
+                                            <p:cond delay="0"/>
+                                          </p:stCondLst>
+                                        </p:cTn>
+                                        <p:tgtEl>
+                                          <p:spTgt spid="47"/>
+                                        </p:tgtEl>
+                                        <p:attrNameLst>
+                                          <p:attrName>style.visibility</p:attrName>
+                                        </p:attrNameLst>
+                                      </p:cBhvr>
+                                      <p:to>
+                                        <p:strVal val="visible"/>
+                                      </p:to>
+                                    </p:set>
+                                  </p:childTnLst>
+                                  <p:subTnLst>
+                                    <p:set>
+                                      <p:cBhvr override="childStyle">
+                                        <p:cTn dur="1" fill="hold" display="0" masterRel="nextClick" afterEffect="1"/>
+                                        <p:tgtEl>
+                                          <p:spTgt spid="47"/>
+                                        </p:tgtEl>
+                                        <p:attrNameLst>
+                                          <p:attrName>style.visibility</p:attrName>
+                                        </p:attrNameLst>
+                                      </p:cBhvr>
+                                      <p:to>
+                                        <p:strVal val="hidden"/>
+                                      </p:to>
+                                    </p:set>
+                                  </p:subTnLst>
+                                </p:cTn>
+                              </p:par>
+                            </p:childTnLst>
+                          </p:cTn>
+                        </p:par>
+                      </p:childTnLst>
+                    </p:cTn>
+                  </p:par>
+                  <p:par>
+                    <p:cTn id="15" fill="hold">
+                      <p:stCondLst>
+                        <p:cond delay="indefinite"/>
+                      </p:stCondLst>
+                      <p:childTnLst>
+                        <p:par>
+                          <p:cTn id="16" fill="hold">
+                            <p:stCondLst>
+                              <p:cond delay="0"/>
+                            </p:stCondLst>
+                            <p:childTnLst>
+                              <p:par>
+                                <p:cTn id="17" presetID="1" presetClass="entr" presetSubtype="0" fill="hold" nodeType="clickEffect">
+                                  <p:stCondLst>
+                                    <p:cond delay="0"/>
+                                  </p:stCondLst>
+                                  <p:childTnLst>
+                                    <p:set>
+                                      <p:cBhvr>
+                                        <p:cTn id="18" dur="1" fill="hold">
+                                          <p:stCondLst>
+                                            <p:cond delay="0"/>
+                                          </p:stCondLst>
+                                        </p:cTn>
+                                        <p:tgtEl>
+                                          <p:spTgt spid="48"/>
+                                        </p:tgtEl>
+                                        <p:attrNameLst>
+                                          <p:attrName>style.visibility</p:attrName>
+                                        </p:attrNameLst>
+                                      </p:cBhvr>
+                                      <p:to>
+                                        <p:strVal val="visible"/>
+                                      </p:to>
+                                    </p:set>
+                                  </p:childTnLst>
+                                </p:cTn>
+                              </p:par>
+                            </p:childTnLst>
+                          </p:cTn>
+                        </p:par>
+                      </p:childTnLst>
+                    </p:cTn>
+                  </p:par>
+                  <p:par>
+                    <p:cTn id="19" fill="hold">
+                      <p:stCondLst>
+                        <p:cond delay="indefinite"/>
+                      </p:stCondLst>
+                      <p:childTnLst>
+                        <p:par>
+                          <p:cTn id="20" fill="hold">
+                            <p:stCondLst>
+                              <p:cond delay="0"/>
+                            </p:stCondLst>
+                            <p:childTnLst>
+                              <p:par>
+                                <p:cTn id="21" presetID="1" presetClass="entr" presetSubtype="0" fill="hold" grpId="0" nodeType="clickEffect">
+                                  <p:stCondLst>
+                                    <p:cond delay="0"/>
+                                  </p:stCondLst>
+                                  <p:childTnLst>
+                                    <p:set>
+                                      <p:cBhvr>
+                                        <p:cTn id="22" dur="1" fill="hold">
+                                          <p:stCondLst>
+                                            <p:cond delay="0"/>
+                                          </p:stCondLst>
+                                        </p:cTn>
+                                        <p:tgtEl>
+                                          <p:spTgt spid="35"/>
+                                        </p:tgtEl>
+                                        <p:attrNameLst>
+                                          <p:attrName>style.visibility</p:attrName>
+                                        </p:attrNameLst>
+                                      </p:cBhvr>
+                                      <p:to>
+                                        <p:strVal val="visible"/>
+                                      </p:to>
+                                    </p:set>
+                                  </p:childTnLst>
+                                </p:cTn>
+                              </p:par>
+                            </p:childTnLst>
+                          </p:cTn>
+                        </p:par>
+                      </p:childTnLst>
+                    </p:cTn>
+                  </p:par>
+                  <p:par>
+                    <p:cTn id="23" fill="hold">
+                      <p:stCondLst>
+                        <p:cond delay="indefinite"/>
+                      </p:stCondLst>
+                      <p:childTnLst>
+                        <p:par>
+                          <p:cTn id="24" fill="hold">
+                            <p:stCondLst>
+                              <p:cond delay="0"/>
+                            </p:stCondLst>
+                            <p:childTnLst>
+                              <p:par>
+                                <p:cTn id="25" presetID="1" presetClass="entr" presetSubtype="0" fill="hold" nodeType="clickEffect">
+                                  <p:stCondLst>
+                                    <p:cond delay="0"/>
+                                  </p:stCondLst>
+                                  <p:childTnLst>
+                                    <p:set>
+                                      <p:cBhvr>
+                                        <p:cTn id="26" dur="1" fill="hold">
+                                          <p:stCondLst>
+                                            <p:cond delay="0"/>
+                                          </p:stCondLst>
+                                        </p:cTn>
+                                        <p:tgtEl>
+                                          <p:spTgt spid="50"/>
+                                        </p:tgtEl>
+                                        <p:attrNameLst>
+                                          <p:attrName>style.visibility</p:attrName>
+                                        </p:attrNameLst>
+                                      </p:cBhvr>
+                                      <p:to>
+                                        <p:strVal val="visible"/>
+                                      </p:to>
+                                    </p:set>
+                                  </p:childTnLst>
+                                  <p:subTnLst>
+                                    <p:set>
+                                      <p:cBhvr override="childStyle">
+                                        <p:cTn dur="1" fill="hold" display="0" masterRel="nextClick" afterEffect="1"/>
+                                        <p:tgtEl>
+                                          <p:spTgt spid="50"/>
+                                        </p:tgtEl>
+                                        <p:attrNameLst>
+                                          <p:attrName>style.visibility</p:attrName>
+                                        </p:attrNameLst>
+                                      </p:cBhvr>
+                                      <p:to>
+                                        <p:strVal val="hidden"/>
+                                      </p:to>
+                                    </p:set>
+                                  </p:subTnLst>
+                                </p:cTn>
+                              </p:par>
+                            </p:childTnLst>
+                          </p:cTn>
+                        </p:par>
+                      </p:childTnLst>
+                    </p:cTn>
+                  </p:par>
+                  <p:par>
+                    <p:cTn id="27" fill="hold">
+                      <p:stCondLst>
+                        <p:cond delay="indefinite"/>
+                      </p:stCondLst>
+                      <p:childTnLst>
+                        <p:par>
+                          <p:cTn id="28" fill="hold">
+                            <p:stCondLst>
+                              <p:cond delay="0"/>
+                            </p:stCondLst>
+                            <p:childTnLst>
+                              <p:par>
+                                <p:cTn id="29" presetID="1" presetClass="entr" presetSubtype="0" fill="hold" grpId="0" nodeType="clickEffect">
+                                  <p:stCondLst>
+                                    <p:cond delay="0"/>
+                                  </p:stCondLst>
+                                  <p:childTnLst>
+                                    <p:set>
+                                      <p:cBhvr>
+                                        <p:cTn id="30" dur="1" fill="hold">
+                                          <p:stCondLst>
+                                            <p:cond delay="0"/>
+                                          </p:stCondLst>
+                                        </p:cTn>
+                                        <p:tgtEl>
+                                          <p:spTgt spid="36"/>
+                                        </p:tgtEl>
+                                        <p:attrNameLst>
+                                          <p:attrName>style.visibility</p:attrName>
+                                        </p:attrNameLst>
+                                      </p:cBhvr>
+                                      <p:to>
+                                        <p:strVal val="visible"/>
+                                      </p:to>
+                                    </p:set>
+                                  </p:childTnLst>
+                                </p:cTn>
+                              </p:par>
+                            </p:childTnLst>
+                          </p:cTn>
+                        </p:par>
+                      </p:childTnLst>
+                    </p:cTn>
+                  </p:par>
+                  <p:par>
+                    <p:cTn id="31" fill="hold">
+                      <p:stCondLst>
+                        <p:cond delay="indefinite"/>
+                      </p:stCondLst>
+                      <p:childTnLst>
+                        <p:par>
+                          <p:cTn id="32" fill="hold">
+                            <p:stCondLst>
+                              <p:cond delay="0"/>
+                            </p:stCondLst>
+                            <p:childTnLst>
+                              <p:par>
+                                <p:cTn id="33" presetID="1" presetClass="entr" presetSubtype="0" fill="hold" nodeType="clickEffect">
+                                  <p:stCondLst>
+                                    <p:cond delay="0"/>
+                                  </p:stCondLst>
+                                  <p:childTnLst>
+                                    <p:set>
+                                      <p:cBhvr>
+                                        <p:cTn id="34" dur="1" fill="hold">
+                                          <p:stCondLst>
+                                            <p:cond delay="0"/>
+                                          </p:stCondLst>
+                                        </p:cTn>
+                                        <p:tgtEl>
+                                          <p:spTgt spid="52"/>
+                                        </p:tgtEl>
+                                        <p:attrNameLst>
+                                          <p:attrName>style.visibility</p:attrName>
+                                        </p:attrNameLst>
+                                      </p:cBhvr>
+                                      <p:to>
+                                        <p:strVal val="visible"/>
+                                      </p:to>
+                                    </p:set>
+                                  </p:childTnLst>
+                                  <p:subTnLst>
+                                    <p:set>
+                                      <p:cBhvr override="childStyle">
+                                        <p:cTn dur="1" fill="hold" display="0" masterRel="nextClick" afterEffect="1"/>
+                                        <p:tgtEl>
+                                          <p:spTgt spid="52"/>
+                                        </p:tgtEl>
+                                        <p:attrNameLst>
+                                          <p:attrName>style.visibility</p:attrName>
+                                        </p:attrNameLst>
+                                      </p:cBhvr>
+                                      <p:to>
+                                        <p:strVal val="hidden"/>
+                                      </p:to>
+                                    </p:set>
+                                  </p:subTnLst>
+                                </p:cTn>
+                              </p:par>
+                            </p:childTnLst>
+                          </p:cTn>
+                        </p:par>
+                      </p:childTnLst>
+                    </p:cTn>
+                  </p:par>
+                  <p:par>
+                    <p:cTn id="35" fill="hold">
+                      <p:stCondLst>
+                        <p:cond delay="indefinite"/>
+                      </p:stCondLst>
+                      <p:childTnLst>
+                        <p:par>
+                          <p:cTn id="36" fill="hold">
+                            <p:stCondLst>
+                              <p:cond delay="0"/>
+                            </p:stCondLst>
+                            <p:childTnLst>
+                              <p:par>
+                                <p:cTn id="37" presetID="1" presetClass="entr" presetSubtype="0" fill="hold" grpId="0" nodeType="clickEffect">
+                                  <p:stCondLst>
+                                    <p:cond delay="0"/>
+                                  </p:stCondLst>
+                                  <p:childTnLst>
+                                    <p:set>
+                                      <p:cBhvr>
+                                        <p:cTn id="38" dur="1" fill="hold">
+                                          <p:stCondLst>
+                                            <p:cond delay="0"/>
+                                          </p:stCondLst>
+                                        </p:cTn>
+                                        <p:tgtEl>
+                                          <p:spTgt spid="37"/>
+                                        </p:tgtEl>
+                                        <p:attrNameLst>
+                                          <p:attrName>style.visibility</p:attrName>
+                                        </p:attrNameLst>
+                                      </p:cBhvr>
+                                      <p:to>
+                                        <p:strVal val="visible"/>
+                                      </p:to>
+                                    </p:set>
+                                  </p:childTnLst>
+                                </p:cTn>
+                              </p:par>
+                            </p:childTnLst>
+                          </p:cTn>
+                        </p:par>
+                      </p:childTnLst>
+                    </p:cTn>
+                  </p:par>
+                  <p:par>
+                    <p:cTn id="39" fill="hold">
+                      <p:stCondLst>
+                        <p:cond delay="indefinite"/>
+                      </p:stCondLst>
+                      <p:childTnLst>
+                        <p:par>
+                          <p:cTn id="40" fill="hold">
+                            <p:stCondLst>
+                              <p:cond delay="0"/>
+                            </p:stCondLst>
+                            <p:childTnLst>
+                              <p:par>
+                                <p:cTn id="41" presetID="1" presetClass="entr" presetSubtype="0" fill="hold" nodeType="clickEffect">
+                                  <p:stCondLst>
+                                    <p:cond delay="0"/>
+                                  </p:stCondLst>
+                                  <p:childTnLst>
+                                    <p:set>
+                                      <p:cBhvr>
+                                        <p:cTn id="42" dur="1" fill="hold">
+                                          <p:stCondLst>
+                                            <p:cond delay="0"/>
+                                          </p:stCondLst>
+                                        </p:cTn>
+                                        <p:tgtEl>
+                                          <p:spTgt spid="54"/>
+                                        </p:tgtEl>
+                                        <p:attrNameLst>
+                                          <p:attrName>style.visibility</p:attrName>
+                                        </p:attrNameLst>
+                                      </p:cBhvr>
+                                      <p:to>
+                                        <p:strVal val="visible"/>
+                                      </p:to>
+                                    </p:set>
+                                  </p:childTnLst>
+                                  <p:subTnLst>
+                                    <p:set>
+                                      <p:cBhvr override="childStyle">
+                                        <p:cTn dur="1" fill="hold" display="0" masterRel="nextClick" afterEffect="1"/>
+                                        <p:tgtEl>
+                                          <p:spTgt spid="54"/>
+                                        </p:tgtEl>
+                                        <p:attrNameLst>
+                                          <p:attrName>style.visibility</p:attrName>
+                                        </p:attrNameLst>
+                                      </p:cBhvr>
+                                      <p:to>
+                                        <p:strVal val="hidden"/>
+                                      </p:to>
+                                    </p:set>
+                                  </p:subTnLst>
+                                </p:cTn>
+                              </p:par>
+                            </p:childTnLst>
+                          </p:cTn>
+                        </p:par>
+                      </p:childTnLst>
+                    </p:cTn>
+                  </p:par>
+                  <p:par>
+                    <p:cTn id="43" fill="hold">
+                      <p:stCondLst>
+                        <p:cond delay="indefinite"/>
+                      </p:stCondLst>
+                      <p:childTnLst>
+                        <p:par>
+                          <p:cTn id="44" fill="hold">
+                            <p:stCondLst>
+                              <p:cond delay="0"/>
+                            </p:stCondLst>
+                            <p:childTnLst>
+                              <p:par>
+                                <p:cTn id="45" presetID="1" presetClass="entr" presetSubtype="0" fill="hold" nodeType="clickEffect">
+                                  <p:stCondLst>
+                                    <p:cond delay="0"/>
+                                  </p:stCondLst>
+                                  <p:childTnLst>
+                                    <p:set>
+                                      <p:cBhvr>
+                                        <p:cTn id="46" dur="1" fill="hold">
+                                          <p:stCondLst>
+                                            <p:cond delay="0"/>
+                                          </p:stCondLst>
+                                        </p:cTn>
+                                        <p:tgtEl>
+                                          <p:spTgt spid="55"/>
+                                        </p:tgtEl>
+                                        <p:attrNameLst>
+                                          <p:attrName>style.visibility</p:attrName>
+                                        </p:attrNameLst>
+                                      </p:cBhvr>
+                                      <p:to>
+                                        <p:strVal val="visible"/>
+                                      </p:to>
+                                    </p:set>
+                                  </p:childTnLst>
+                                </p:cTn>
+                              </p:par>
+                            </p:childTnLst>
+                          </p:cTn>
+                        </p:par>
+                      </p:childTnLst>
+                    </p:cTn>
+                  </p:par>
+                  <p:par>
+                    <p:cTn id="47" fill="hold">
+                      <p:stCondLst>
+                        <p:cond delay="indefinite"/>
+                      </p:stCondLst>
+                      <p:childTnLst>
+                        <p:par>
+                          <p:cTn id="48" fill="hold">
+                            <p:stCondLst>
+                              <p:cond delay="0"/>
+                            </p:stCondLst>
+                            <p:childTnLst>
+                              <p:par>
+                                <p:cTn id="49" presetID="1" presetClass="entr" presetSubtype="0" fill="hold" nodeType="clickEffect">
+                                  <p:stCondLst>
+                                    <p:cond delay="0"/>
+                                  </p:stCondLst>
+                                  <p:childTnLst>
+                                    <p:set>
+                                      <p:cBhvr>
+                                        <p:cTn id="50" dur="1" fill="hold">
+                                          <p:stCondLst>
+                                            <p:cond delay="0"/>
+                                          </p:stCondLst>
+                                        </p:cTn>
+                                        <p:tgtEl>
+                                          <p:spTgt spid="58"/>
+                                        </p:tgtEl>
+                                        <p:attrNameLst>
+                                          <p:attrName>style.visibility</p:attrName>
+                                        </p:attrNameLst>
+                                      </p:cBhvr>
+                                      <p:to>
+                                        <p:strVal val="visible"/>
+                                      </p:to>
+                                    </p:set>
+                                  </p:childTnLst>
+                                  <p:subTnLst>
+                                    <p:set>
+                                      <p:cBhvr override="childStyle">
+                                        <p:cTn dur="1" fill="hold" display="0" masterRel="nextClick" afterEffect="1"/>
+                                        <p:tgtEl>
+                                          <p:spTgt spid="58"/>
+                                        </p:tgtEl>
+                                        <p:attrNameLst>
+                                          <p:attrName>style.visibility</p:attrName>
+                                        </p:attrNameLst>
+                                      </p:cBhvr>
+                                      <p:to>
+                                        <p:strVal val="hidden"/>
+                                      </p:to>
+                                    </p:set>
+                                  </p:subTnLst>
+                                </p:cTn>
+                              </p:par>
+                            </p:childTnLst>
+                          </p:cTn>
+                        </p:par>
+                      </p:childTnLst>
+                    </p:cTn>
+                  </p:par>
+                </p:childTnLst>
+              </p:cTn>
+              <p:prevCondLst>
+                <p:cond evt="onPrev" delay="0">
+                  <p:tgtEl>
+                    <p:sldTgt/>
+                  </p:tgtEl>
+                </p:cond>
+              </p:prevCondLst>
+              <p:nextCondLst>
+                <p:cond evt="onNext" delay="0">
+                  <p:tgtEl>
+                    <p:sldTgt/>
+                  </p:tgtEl>
+                </p:cond>
+              </p:nextCondLst>
+            </p:seq>
+          </p:childTnLst>
+        </p:cTn>
+      </p:par>
+    </p:tnLst>
+    <p:bldLst>
+      <p:bldP spid="19" grpId="0"/>
+      <p:bldP spid="35" grpId="0" animBg="1"/>
+      <p:bldP spid="36" grpId="0" animBg="1"/>
+      <p:bldP spid="37" grpId="0" animBg="1"/>
+      <p:bldP spid="59" grpId="0" animBg="1"/>
+    </p:bldLst>
+  </p:timing>
+</p:sld>
+</file>
+
+<file path=ppt/slides/slide11.xml><?xml version="1.0" encoding="utf-8"?>
 <p:sld xmlns:a="http://schemas.openxmlformats.org/drawingml/2006/main" xmlns:r="http://schemas.openxmlformats.org/officeDocument/2006/relationships" xmlns:p="http://schemas.openxmlformats.org/presentationml/2006/main">
   <p:cSld>
     <p:spTree>
@@ -5178,7 +9310,7 @@
 </p:sld>
 </file>
 
-<file path=ppt/slides/slide11.xml><?xml version="1.0" encoding="utf-8"?>
+<file path=ppt/slides/slide12.xml><?xml version="1.0" encoding="utf-8"?>
 <p:sld xmlns:a="http://schemas.openxmlformats.org/drawingml/2006/main" xmlns:r="http://schemas.openxmlformats.org/officeDocument/2006/relationships" xmlns:p="http://schemas.openxmlformats.org/presentationml/2006/main">
   <p:cSld>
     <p:spTree>
@@ -7181,7 +11313,7 @@
 </p:sld>
 </file>
 
-<file path=ppt/slides/slide12.xml><?xml version="1.0" encoding="utf-8"?>
+<file path=ppt/slides/slide13.xml><?xml version="1.0" encoding="utf-8"?>
 <p:sld xmlns:a="http://schemas.openxmlformats.org/drawingml/2006/main" xmlns:r="http://schemas.openxmlformats.org/officeDocument/2006/relationships" xmlns:p="http://schemas.openxmlformats.org/presentationml/2006/main">
   <p:cSld>
     <p:spTree>
@@ -7864,8 +11996,8 @@
           </a:fontRef>
         </p:style>
       </p:cxnSp>
-      <mc:AlternateContent xmlns:mc="http://schemas.openxmlformats.org/markup-compatibility/2006" xmlns:a14="http://schemas.microsoft.com/office/drawing/2010/main">
-        <mc:Choice Requires="a14">
+      <mc:AlternateContent xmlns:mc="http://schemas.openxmlformats.org/markup-compatibility/2006">
+        <mc:Choice xmlns:a14="http://schemas.microsoft.com/office/drawing/2010/main" Requires="a14">
           <p:sp>
             <p:nvSpPr>
               <p:cNvPr id="19" name="TextBox 18">
@@ -7896,7 +12028,15 @@
               <a:p>
                 <a:r>
                   <a:rPr lang="en-US" sz="2400" dirty="0"/>
-                  <a:t>Question: Write an algorithm list every other number from </a:t>
+                  <a:t>Question: Write </a:t>
+                </a:r>
+                <a:r>
+                  <a:rPr lang="en-US" sz="2400"/>
+                  <a:t>an algorithm to </a:t>
+                </a:r>
+                <a:r>
+                  <a:rPr lang="en-US" sz="2400" dirty="0"/>
+                  <a:t>list every other number from </a:t>
                 </a:r>
                 <a14:m>
                   <m:oMath xmlns:m="http://schemas.openxmlformats.org/officeDocument/2006/math">
@@ -7930,7 +12070,7 @@
             </p:txBody>
           </p:sp>
         </mc:Choice>
-        <mc:Fallback xmlns="">
+        <mc:Fallback>
           <p:sp>
             <p:nvSpPr>
               <p:cNvPr id="19" name="TextBox 18">
@@ -7956,7 +12096,7 @@
               <a:blipFill>
                 <a:blip r:embed="rId4"/>
                 <a:stretch>
-                  <a:fillRect l="-2606" t="-4061" b="-10660"/>
+                  <a:fillRect l="-2606" t="-4061" r="-4235" b="-10660"/>
                 </a:stretch>
               </a:blipFill>
             </p:spPr>
@@ -8853,7 +12993,7 @@
 </p:sld>
 </file>
 
-<file path=ppt/slides/slide13.xml><?xml version="1.0" encoding="utf-8"?>
+<file path=ppt/slides/slide14.xml><?xml version="1.0" encoding="utf-8"?>
 <p:sld xmlns:a="http://schemas.openxmlformats.org/drawingml/2006/main" xmlns:r="http://schemas.openxmlformats.org/officeDocument/2006/relationships" xmlns:p="http://schemas.openxmlformats.org/presentationml/2006/main">
   <p:cSld>
     <p:spTree>
@@ -12865,8 +17005,8 @@
           </a:p>
         </p:txBody>
       </p:sp>
-      <mc:AlternateContent xmlns:mc="http://schemas.openxmlformats.org/markup-compatibility/2006">
-        <mc:Choice xmlns:a14="http://schemas.microsoft.com/office/drawing/2010/main" Requires="a14">
+      <mc:AlternateContent xmlns:mc="http://schemas.openxmlformats.org/markup-compatibility/2006" xmlns:a14="http://schemas.microsoft.com/office/drawing/2010/main">
+        <mc:Choice Requires="a14">
           <p:sp>
             <p:nvSpPr>
               <p:cNvPr id="7" name="Rectangle 6">
@@ -12970,7 +17110,7 @@
             </p:txBody>
           </p:sp>
         </mc:Choice>
-        <mc:Fallback>
+        <mc:Fallback xmlns="">
           <p:sp>
             <p:nvSpPr>
               <p:cNvPr id="7" name="Rectangle 6">
@@ -14489,8 +18629,8 @@
           </a:p>
         </p:txBody>
       </p:sp>
-      <mc:AlternateContent xmlns:mc="http://schemas.openxmlformats.org/markup-compatibility/2006">
-        <mc:Choice xmlns:a14="http://schemas.microsoft.com/office/drawing/2010/main" Requires="a14">
+      <mc:AlternateContent xmlns:mc="http://schemas.openxmlformats.org/markup-compatibility/2006" xmlns:a14="http://schemas.microsoft.com/office/drawing/2010/main">
+        <mc:Choice Requires="a14">
           <p:sp>
             <p:nvSpPr>
               <p:cNvPr id="7" name="Rectangle 6">
@@ -14594,7 +18734,7 @@
             </p:txBody>
           </p:sp>
         </mc:Choice>
-        <mc:Fallback>
+        <mc:Fallback xmlns="">
           <p:sp>
             <p:nvSpPr>
               <p:cNvPr id="7" name="Rectangle 6">
@@ -15697,8 +19837,8 @@
           </a:p>
         </p:txBody>
       </p:sp>
-      <mc:AlternateContent xmlns:mc="http://schemas.openxmlformats.org/markup-compatibility/2006">
-        <mc:Choice xmlns:a14="http://schemas.microsoft.com/office/drawing/2010/main" Requires="a14">
+      <mc:AlternateContent xmlns:mc="http://schemas.openxmlformats.org/markup-compatibility/2006" xmlns:a14="http://schemas.microsoft.com/office/drawing/2010/main">
+        <mc:Choice Requires="a14">
           <p:sp>
             <p:nvSpPr>
               <p:cNvPr id="7" name="Rectangle 6">
@@ -15802,7 +19942,7 @@
             </p:txBody>
           </p:sp>
         </mc:Choice>
-        <mc:Fallback>
+        <mc:Fallback xmlns="">
           <p:sp>
             <p:nvSpPr>
               <p:cNvPr id="7" name="Rectangle 6">
@@ -17322,8 +21462,8 @@
           </a:p>
         </p:txBody>
       </p:sp>
-      <mc:AlternateContent xmlns:mc="http://schemas.openxmlformats.org/markup-compatibility/2006">
-        <mc:Choice xmlns:a14="http://schemas.microsoft.com/office/drawing/2010/main" Requires="a14">
+      <mc:AlternateContent xmlns:mc="http://schemas.openxmlformats.org/markup-compatibility/2006" xmlns:a14="http://schemas.microsoft.com/office/drawing/2010/main">
+        <mc:Choice Requires="a14">
           <p:sp>
             <p:nvSpPr>
               <p:cNvPr id="7" name="Rectangle 6">
@@ -17427,7 +21567,7 @@
             </p:txBody>
           </p:sp>
         </mc:Choice>
-        <mc:Fallback>
+        <mc:Fallback xmlns="">
           <p:sp>
             <p:nvSpPr>
               <p:cNvPr id="7" name="Rectangle 6">
@@ -18911,21 +23051,21 @@
                 <a:latin typeface="Courier New" panose="02070309020205020404" pitchFamily="49" charset="0"/>
                 <a:cs typeface="Courier New" panose="02070309020205020404" pitchFamily="49" charset="0"/>
               </a:rPr>
-              <a:t>// input the values of </a:t>
+              <a:t>// input the values of ‘</a:t>
             </a:r>
             <a:r>
               <a:rPr lang="en-US" sz="2000" dirty="0" err="1">
                 <a:latin typeface="Courier New" panose="02070309020205020404" pitchFamily="49" charset="0"/>
                 <a:cs typeface="Courier New" panose="02070309020205020404" pitchFamily="49" charset="0"/>
               </a:rPr>
-              <a:t>a,b</a:t>
+              <a:t>a’,’b’,’c</a:t>
             </a:r>
             <a:r>
               <a:rPr lang="en-US" sz="2000" dirty="0">
                 <a:latin typeface="Courier New" panose="02070309020205020404" pitchFamily="49" charset="0"/>
                 <a:cs typeface="Courier New" panose="02070309020205020404" pitchFamily="49" charset="0"/>
               </a:rPr>
-              <a:t> and c</a:t>
+              <a:t>’</a:t>
             </a:r>
           </a:p>
           <a:p>
@@ -18977,7 +23117,7 @@
                 <a:latin typeface="Courier New" panose="02070309020205020404" pitchFamily="49" charset="0"/>
                 <a:cs typeface="Courier New" panose="02070309020205020404" pitchFamily="49" charset="0"/>
               </a:rPr>
-              <a:t>// det is the discriminant</a:t>
+              <a:t>// ‘dis’ is the discriminant</a:t>
             </a:r>
           </a:p>
           <a:p>
@@ -18995,7 +23135,7 @@
                 <a:latin typeface="Courier New" panose="02070309020205020404" pitchFamily="49" charset="0"/>
                 <a:cs typeface="Courier New" panose="02070309020205020404" pitchFamily="49" charset="0"/>
               </a:rPr>
-              <a:t>   dis = b*b – 4*a*c;</a:t>
+              <a:t>   dis = b*b – 4*a*c; // compute the value</a:t>
             </a:r>
           </a:p>
           <a:p>
@@ -19330,8 +23470,8 @@
           </p:sp>
         </mc:Fallback>
       </mc:AlternateContent>
-      <mc:AlternateContent xmlns:mc="http://schemas.openxmlformats.org/markup-compatibility/2006">
-        <mc:Choice xmlns:a14="http://schemas.microsoft.com/office/drawing/2010/main" Requires="a14">
+      <mc:AlternateContent xmlns:mc="http://schemas.openxmlformats.org/markup-compatibility/2006" xmlns:a14="http://schemas.microsoft.com/office/drawing/2010/main">
+        <mc:Choice Requires="a14">
           <p:sp>
             <p:nvSpPr>
               <p:cNvPr id="11" name="Rectangle 10">
@@ -19435,7 +23575,7 @@
             </p:txBody>
           </p:sp>
         </mc:Choice>
-        <mc:Fallback>
+        <mc:Fallback xmlns="">
           <p:sp>
             <p:nvSpPr>
               <p:cNvPr id="11" name="Rectangle 10">
@@ -20112,6 +24252,149 @@
           </a:fillRef>
           <a:effectRef idx="0">
             <a:scrgbClr r="0" g="0" b="0"/>
+          </a:effectRef>
+          <a:fontRef idx="minor">
+            <a:schemeClr val="tx1"/>
+          </a:fontRef>
+        </p:style>
+      </p:cxnSp>
+      <p:grpSp>
+        <p:nvGrpSpPr>
+          <p:cNvPr id="3" name="Group 2">
+            <a:extLst>
+              <a:ext uri="{FF2B5EF4-FFF2-40B4-BE49-F238E27FC236}">
+                <a16:creationId xmlns:a16="http://schemas.microsoft.com/office/drawing/2014/main" id="{2B8E4FFC-4FF0-7CD9-4EC0-24A93DEFA720}"/>
+              </a:ext>
+            </a:extLst>
+          </p:cNvPr>
+          <p:cNvGrpSpPr/>
+          <p:nvPr/>
+        </p:nvGrpSpPr>
+        <p:grpSpPr>
+          <a:xfrm>
+            <a:off x="8018198" y="5095320"/>
+            <a:ext cx="4014144" cy="1016628"/>
+            <a:chOff x="2955665" y="5636431"/>
+            <a:chExt cx="7132474" cy="856444"/>
+          </a:xfrm>
+        </p:grpSpPr>
+        <p:cxnSp>
+          <p:nvCxnSpPr>
+            <p:cNvPr id="4" name="Connector: Elbow 3">
+              <a:extLst>
+                <a:ext uri="{FF2B5EF4-FFF2-40B4-BE49-F238E27FC236}">
+                  <a16:creationId xmlns:a16="http://schemas.microsoft.com/office/drawing/2014/main" id="{02400338-ECB4-8AE5-650E-78014E361443}"/>
+                </a:ext>
+              </a:extLst>
+            </p:cNvPr>
+            <p:cNvCxnSpPr>
+              <a:cxnSpLocks/>
+            </p:cNvCxnSpPr>
+            <p:nvPr/>
+          </p:nvCxnSpPr>
+          <p:spPr>
+            <a:xfrm>
+              <a:off x="2955665" y="6358900"/>
+              <a:ext cx="2932523" cy="133974"/>
+            </a:xfrm>
+            <a:prstGeom prst="bentConnector3">
+              <a:avLst>
+                <a:gd name="adj1" fmla="val -1207"/>
+              </a:avLst>
+            </a:prstGeom>
+            <a:ln>
+              <a:tailEnd type="triangle"/>
+            </a:ln>
+          </p:spPr>
+          <p:style>
+            <a:lnRef idx="2">
+              <a:schemeClr val="accent1"/>
+            </a:lnRef>
+            <a:fillRef idx="0">
+              <a:schemeClr val="accent1"/>
+            </a:fillRef>
+            <a:effectRef idx="1">
+              <a:schemeClr val="accent1"/>
+            </a:effectRef>
+            <a:fontRef idx="minor">
+              <a:schemeClr val="tx1"/>
+            </a:fontRef>
+          </p:style>
+        </p:cxnSp>
+        <p:cxnSp>
+          <p:nvCxnSpPr>
+            <p:cNvPr id="7" name="Connector: Elbow 6">
+              <a:extLst>
+                <a:ext uri="{FF2B5EF4-FFF2-40B4-BE49-F238E27FC236}">
+                  <a16:creationId xmlns:a16="http://schemas.microsoft.com/office/drawing/2014/main" id="{2E48799D-F4A9-41FB-C675-24A90B43C48F}"/>
+                </a:ext>
+              </a:extLst>
+            </p:cNvPr>
+            <p:cNvCxnSpPr>
+              <a:cxnSpLocks/>
+            </p:cNvCxnSpPr>
+            <p:nvPr/>
+          </p:nvCxnSpPr>
+          <p:spPr>
+            <a:xfrm rot="5400000">
+              <a:off x="9027509" y="5432244"/>
+              <a:ext cx="856444" cy="1264817"/>
+            </a:xfrm>
+            <a:prstGeom prst="bentConnector3">
+              <a:avLst>
+                <a:gd name="adj1" fmla="val 97698"/>
+              </a:avLst>
+            </a:prstGeom>
+            <a:ln>
+              <a:tailEnd type="triangle"/>
+            </a:ln>
+          </p:spPr>
+          <p:style>
+            <a:lnRef idx="2">
+              <a:schemeClr val="accent1"/>
+            </a:lnRef>
+            <a:fillRef idx="0">
+              <a:schemeClr val="accent1"/>
+            </a:fillRef>
+            <a:effectRef idx="1">
+              <a:schemeClr val="accent1"/>
+            </a:effectRef>
+            <a:fontRef idx="minor">
+              <a:schemeClr val="tx1"/>
+            </a:fontRef>
+          </p:style>
+        </p:cxnSp>
+      </p:grpSp>
+      <p:cxnSp>
+        <p:nvCxnSpPr>
+          <p:cNvPr id="33" name="Straight Connector 32">
+            <a:extLst>
+              <a:ext uri="{FF2B5EF4-FFF2-40B4-BE49-F238E27FC236}">
+                <a16:creationId xmlns:a16="http://schemas.microsoft.com/office/drawing/2014/main" id="{FB3EAFBF-14E7-6392-A8EE-636ED7EEECDF}"/>
+              </a:ext>
+            </a:extLst>
+          </p:cNvPr>
+          <p:cNvCxnSpPr/>
+          <p:nvPr/>
+        </p:nvCxnSpPr>
+        <p:spPr>
+          <a:xfrm>
+            <a:off x="10479314" y="5095320"/>
+            <a:ext cx="1553028" cy="12670"/>
+          </a:xfrm>
+          <a:prstGeom prst="line">
+            <a:avLst/>
+          </a:prstGeom>
+        </p:spPr>
+        <p:style>
+          <a:lnRef idx="2">
+            <a:schemeClr val="accent1"/>
+          </a:lnRef>
+          <a:fillRef idx="0">
+            <a:schemeClr val="accent1"/>
+          </a:fillRef>
+          <a:effectRef idx="1">
+            <a:schemeClr val="accent1"/>
           </a:effectRef>
           <a:fontRef idx="minor">
             <a:schemeClr val="tx1"/>
@@ -21325,7 +25608,7 @@
                             </p:stCondLst>
                             <p:childTnLst>
                               <p:par>
-                                <p:cTn id="106" presetID="10" presetClass="entr" presetSubtype="0" fill="hold" grpId="0" nodeType="clickEffect">
+                                <p:cTn id="106" presetID="1" presetClass="entr" presetSubtype="0" fill="hold" grpId="0" nodeType="clickEffect">
                                   <p:stCondLst>
                                     <p:cond delay="0"/>
                                   </p:stCondLst>
@@ -21333,59 +25616,6 @@
                                     <p:set>
                                       <p:cBhvr>
                                         <p:cTn id="107" dur="1" fill="hold">
-                                          <p:stCondLst>
-                                            <p:cond delay="0"/>
-                                          </p:stCondLst>
-                                        </p:cTn>
-                                        <p:tgtEl>
-                                          <p:spTgt spid="6"/>
-                                        </p:tgtEl>
-                                        <p:attrNameLst>
-                                          <p:attrName>style.visibility</p:attrName>
-                                        </p:attrNameLst>
-                                      </p:cBhvr>
-                                      <p:to>
-                                        <p:strVal val="visible"/>
-                                      </p:to>
-                                    </p:set>
-                                    <p:animEffect transition="in" filter="fade">
-                                      <p:cBhvr>
-                                        <p:cTn id="108" dur="500"/>
-                                        <p:tgtEl>
-                                          <p:spTgt spid="6"/>
-                                        </p:tgtEl>
-                                      </p:cBhvr>
-                                    </p:animEffect>
-                                  </p:childTnLst>
-                                </p:cTn>
-                              </p:par>
-                            </p:childTnLst>
-                          </p:cTn>
-                        </p:par>
-                      </p:childTnLst>
-                    </p:cTn>
-                  </p:par>
-                  <p:par>
-                    <p:cTn id="109" fill="hold">
-                      <p:stCondLst>
-                        <p:cond delay="indefinite"/>
-                      </p:stCondLst>
-                      <p:childTnLst>
-                        <p:par>
-                          <p:cTn id="110" fill="hold">
-                            <p:stCondLst>
-                              <p:cond delay="0"/>
-                            </p:stCondLst>
-                            <p:childTnLst>
-                              <p:par>
-                                <p:cTn id="111" presetID="1" presetClass="entr" presetSubtype="0" fill="hold" grpId="0" nodeType="clickEffect">
-                                  <p:stCondLst>
-                                    <p:cond delay="0"/>
-                                  </p:stCondLst>
-                                  <p:childTnLst>
-                                    <p:set>
-                                      <p:cBhvr>
-                                        <p:cTn id="112" dur="1" fill="hold">
                                           <p:stCondLst>
                                             <p:cond delay="0"/>
                                           </p:stCondLst>
@@ -21405,6 +25635,95 @@
                                         <p:strVal val="visible"/>
                                       </p:to>
                                     </p:set>
+                                  </p:childTnLst>
+                                </p:cTn>
+                              </p:par>
+                              <p:par>
+                                <p:cTn id="108" presetID="1" presetClass="entr" presetSubtype="0" fill="hold" nodeType="withEffect">
+                                  <p:stCondLst>
+                                    <p:cond delay="0"/>
+                                  </p:stCondLst>
+                                  <p:childTnLst>
+                                    <p:set>
+                                      <p:cBhvr>
+                                        <p:cTn id="109" dur="1" fill="hold">
+                                          <p:stCondLst>
+                                            <p:cond delay="0"/>
+                                          </p:stCondLst>
+                                        </p:cTn>
+                                        <p:tgtEl>
+                                          <p:spTgt spid="33"/>
+                                        </p:tgtEl>
+                                        <p:attrNameLst>
+                                          <p:attrName>style.visibility</p:attrName>
+                                        </p:attrNameLst>
+                                      </p:cBhvr>
+                                      <p:to>
+                                        <p:strVal val="visible"/>
+                                      </p:to>
+                                    </p:set>
+                                  </p:childTnLst>
+                                </p:cTn>
+                              </p:par>
+                              <p:par>
+                                <p:cTn id="110" presetID="1" presetClass="entr" presetSubtype="0" fill="hold" nodeType="withEffect">
+                                  <p:stCondLst>
+                                    <p:cond delay="0"/>
+                                  </p:stCondLst>
+                                  <p:childTnLst>
+                                    <p:set>
+                                      <p:cBhvr>
+                                        <p:cTn id="111" dur="1" fill="hold">
+                                          <p:stCondLst>
+                                            <p:cond delay="0"/>
+                                          </p:stCondLst>
+                                        </p:cTn>
+                                        <p:tgtEl>
+                                          <p:spTgt spid="3"/>
+                                        </p:tgtEl>
+                                        <p:attrNameLst>
+                                          <p:attrName>style.visibility</p:attrName>
+                                        </p:attrNameLst>
+                                      </p:cBhvr>
+                                      <p:to>
+                                        <p:strVal val="visible"/>
+                                      </p:to>
+                                    </p:set>
+                                  </p:childTnLst>
+                                </p:cTn>
+                              </p:par>
+                              <p:par>
+                                <p:cTn id="112" presetID="10" presetClass="entr" presetSubtype="0" fill="hold" grpId="0" nodeType="withEffect">
+                                  <p:stCondLst>
+                                    <p:cond delay="0"/>
+                                  </p:stCondLst>
+                                  <p:childTnLst>
+                                    <p:set>
+                                      <p:cBhvr>
+                                        <p:cTn id="113" dur="1" fill="hold">
+                                          <p:stCondLst>
+                                            <p:cond delay="0"/>
+                                          </p:stCondLst>
+                                        </p:cTn>
+                                        <p:tgtEl>
+                                          <p:spTgt spid="6"/>
+                                        </p:tgtEl>
+                                        <p:attrNameLst>
+                                          <p:attrName>style.visibility</p:attrName>
+                                        </p:attrNameLst>
+                                      </p:cBhvr>
+                                      <p:to>
+                                        <p:strVal val="visible"/>
+                                      </p:to>
+                                    </p:set>
+                                    <p:animEffect transition="in" filter="fade">
+                                      <p:cBhvr>
+                                        <p:cTn id="114" dur="500"/>
+                                        <p:tgtEl>
+                                          <p:spTgt spid="6"/>
+                                        </p:tgtEl>
+                                      </p:cBhvr>
+                                    </p:animEffect>
                                   </p:childTnLst>
                                 </p:cTn>
                               </p:par>
